--- a/Védéshez.pptx
+++ b/Védéshez.pptx
@@ -5,7 +5,7 @@
     <p:sldMasterId id="2147483660" r:id="rId1"/>
   </p:sldMasterIdLst>
   <p:notesMasterIdLst>
-    <p:notesMasterId r:id="rId20"/>
+    <p:notesMasterId r:id="rId22"/>
   </p:notesMasterIdLst>
   <p:sldIdLst>
     <p:sldId id="256" r:id="rId2"/>
@@ -23,9 +23,11 @@
     <p:sldId id="263" r:id="rId14"/>
     <p:sldId id="260" r:id="rId15"/>
     <p:sldId id="274" r:id="rId16"/>
-    <p:sldId id="259" r:id="rId17"/>
-    <p:sldId id="275" r:id="rId18"/>
-    <p:sldId id="272" r:id="rId19"/>
+    <p:sldId id="276" r:id="rId17"/>
+    <p:sldId id="259" r:id="rId18"/>
+    <p:sldId id="275" r:id="rId19"/>
+    <p:sldId id="277" r:id="rId20"/>
+    <p:sldId id="272" r:id="rId21"/>
   </p:sldIdLst>
   <p:sldSz cx="12192000" cy="6858000"/>
   <p:notesSz cx="6858000" cy="9144000"/>
@@ -14029,6 +14031,348 @@
 <file path=ppt/slides/slide16.xml><?xml version="1.0" encoding="utf-8"?>
 <p:sld xmlns:a="http://schemas.openxmlformats.org/drawingml/2006/main" xmlns:r="http://schemas.openxmlformats.org/officeDocument/2006/relationships" xmlns:p="http://schemas.openxmlformats.org/presentationml/2006/main">
   <p:cSld>
+    <p:bg>
+      <p:bgPr>
+        <a:solidFill>
+          <a:schemeClr val="bg1"/>
+        </a:solidFill>
+        <a:effectLst/>
+      </p:bgPr>
+    </p:bg>
+    <p:spTree>
+      <p:nvGrpSpPr>
+        <p:cNvPr id="1" name=""/>
+        <p:cNvGrpSpPr/>
+        <p:nvPr/>
+      </p:nvGrpSpPr>
+      <p:grpSpPr>
+        <a:xfrm>
+          <a:off x="0" y="0"/>
+          <a:ext cx="0" cy="0"/>
+          <a:chOff x="0" y="0"/>
+          <a:chExt cx="0" cy="0"/>
+        </a:xfrm>
+      </p:grpSpPr>
+      <p:sp>
+        <p:nvSpPr>
+          <p:cNvPr id="10" name="Rectangle 9">
+            <a:extLst>
+              <a:ext uri="{FF2B5EF4-FFF2-40B4-BE49-F238E27FC236}">
+                <a16:creationId xmlns:a16="http://schemas.microsoft.com/office/drawing/2014/main" id="{95CB840F-8E41-4CA5-B79B-25CC80AD234A}"/>
+              </a:ext>
+              <a:ext uri="{C183D7F6-B498-43B3-948B-1728B52AA6E4}">
+                <adec:decorative xmlns:adec="http://schemas.microsoft.com/office/drawing/2017/decorative" val="1"/>
+              </a:ext>
+            </a:extLst>
+          </p:cNvPr>
+          <p:cNvSpPr>
+            <a:spLocks noGrp="1" noRot="1" noChangeAspect="1" noMove="1" noResize="1" noEditPoints="1" noAdjustHandles="1" noChangeArrowheads="1" noChangeShapeType="1" noTextEdit="1"/>
+          </p:cNvSpPr>
+          <p:nvPr>
+            <p:extLst>
+              <p:ext uri="{386F3935-93C4-4BCD-93E2-E3B085C9AB24}">
+                <p16:designElem xmlns:p16="http://schemas.microsoft.com/office/powerpoint/2015/main" val="1"/>
+              </p:ext>
+            </p:extLst>
+          </p:nvPr>
+        </p:nvSpPr>
+        <p:spPr>
+          <a:xfrm>
+            <a:off x="0" y="0"/>
+            <a:ext cx="12192000" cy="6858000"/>
+          </a:xfrm>
+          <a:prstGeom prst="rect">
+            <a:avLst/>
+          </a:prstGeom>
+          <a:ln>
+            <a:noFill/>
+          </a:ln>
+        </p:spPr>
+        <p:style>
+          <a:lnRef idx="2">
+            <a:schemeClr val="accent1">
+              <a:shade val="50000"/>
+            </a:schemeClr>
+          </a:lnRef>
+          <a:fillRef idx="1003">
+            <a:schemeClr val="dk2"/>
+          </a:fillRef>
+          <a:effectRef idx="0">
+            <a:schemeClr val="accent1"/>
+          </a:effectRef>
+          <a:fontRef idx="minor">
+            <a:schemeClr val="lt1"/>
+          </a:fontRef>
+        </p:style>
+        <p:txBody>
+          <a:bodyPr rtlCol="0" anchor="ctr"/>
+          <a:lstStyle/>
+          <a:p>
+            <a:pPr algn="ctr"/>
+            <a:endParaRPr lang="en-US"/>
+          </a:p>
+        </p:txBody>
+      </p:sp>
+      <p:sp>
+        <p:nvSpPr>
+          <p:cNvPr id="2" name="Cím 1">
+            <a:extLst>
+              <a:ext uri="{FF2B5EF4-FFF2-40B4-BE49-F238E27FC236}">
+                <a16:creationId xmlns:a16="http://schemas.microsoft.com/office/drawing/2014/main" id="{7839E306-CCE3-92AF-A41D-18683DF4A94D}"/>
+              </a:ext>
+            </a:extLst>
+          </p:cNvPr>
+          <p:cNvSpPr>
+            <a:spLocks noGrp="1"/>
+          </p:cNvSpPr>
+          <p:nvPr>
+            <p:ph type="title"/>
+          </p:nvPr>
+        </p:nvSpPr>
+        <p:spPr>
+          <a:xfrm>
+            <a:off x="913795" y="609600"/>
+            <a:ext cx="3078749" cy="970450"/>
+          </a:xfrm>
+        </p:spPr>
+        <p:txBody>
+          <a:bodyPr anchor="b">
+            <a:normAutofit/>
+          </a:bodyPr>
+          <a:lstStyle/>
+          <a:p>
+            <a:pPr algn="l"/>
+            <a:r>
+              <a:rPr lang="hu-HU" sz="2800">
+                <a:ln>
+                  <a:solidFill>
+                    <a:srgbClr val="404040">
+                      <a:alpha val="10000"/>
+                    </a:srgbClr>
+                  </a:solidFill>
+                </a:ln>
+                <a:solidFill>
+                  <a:srgbClr val="DADADA"/>
+                </a:solidFill>
+              </a:rPr>
+              <a:t>Hálózat tervezése</a:t>
+            </a:r>
+          </a:p>
+        </p:txBody>
+      </p:sp>
+      <p:sp>
+        <p:nvSpPr>
+          <p:cNvPr id="3" name="Tartalom helye 2">
+            <a:extLst>
+              <a:ext uri="{FF2B5EF4-FFF2-40B4-BE49-F238E27FC236}">
+                <a16:creationId xmlns:a16="http://schemas.microsoft.com/office/drawing/2014/main" id="{60FF029B-3116-1C67-C788-77AF809B2818}"/>
+              </a:ext>
+            </a:extLst>
+          </p:cNvPr>
+          <p:cNvSpPr>
+            <a:spLocks noGrp="1"/>
+          </p:cNvSpPr>
+          <p:nvPr>
+            <p:ph idx="1"/>
+          </p:nvPr>
+        </p:nvSpPr>
+        <p:spPr>
+          <a:xfrm>
+            <a:off x="913795" y="1732449"/>
+            <a:ext cx="3648477" cy="4482084"/>
+          </a:xfrm>
+        </p:spPr>
+        <p:txBody>
+          <a:bodyPr anchor="t">
+            <a:normAutofit/>
+          </a:bodyPr>
+          <a:lstStyle/>
+          <a:p>
+            <a:r>
+              <a:rPr lang="hu-HU" sz="1600" dirty="0">
+                <a:ln>
+                  <a:solidFill>
+                    <a:srgbClr val="404040">
+                      <a:alpha val="10000"/>
+                    </a:srgbClr>
+                  </a:solidFill>
+                </a:ln>
+                <a:solidFill>
+                  <a:srgbClr val="DADADA"/>
+                </a:solidFill>
+              </a:rPr>
+              <a:t>A főépülettől eltérően, itt IPv4 és IPv6 címzéssel rendelkező hálózatunk is van jelen.</a:t>
+            </a:r>
+          </a:p>
+          <a:p>
+            <a:r>
+              <a:rPr lang="hu-HU" sz="1600" dirty="0">
+                <a:ln>
+                  <a:solidFill>
+                    <a:srgbClr val="404040">
+                      <a:alpha val="10000"/>
+                    </a:srgbClr>
+                  </a:solidFill>
+                </a:ln>
+                <a:solidFill>
+                  <a:srgbClr val="DADADA"/>
+                </a:solidFill>
+              </a:rPr>
+              <a:t>Ezen kívül a két telephely (Ügyfélszolgálat és Logisztika) </a:t>
+            </a:r>
+            <a:r>
+              <a:rPr lang="hu-HU" sz="1600" dirty="0" err="1">
+                <a:ln>
+                  <a:solidFill>
+                    <a:srgbClr val="404040">
+                      <a:alpha val="10000"/>
+                    </a:srgbClr>
+                  </a:solidFill>
+                </a:ln>
+                <a:solidFill>
+                  <a:srgbClr val="DADADA"/>
+                </a:solidFill>
+              </a:rPr>
+              <a:t>Tunnel</a:t>
+            </a:r>
+            <a:r>
+              <a:rPr lang="hu-HU" sz="1600" dirty="0">
+                <a:ln>
+                  <a:solidFill>
+                    <a:srgbClr val="404040">
+                      <a:alpha val="10000"/>
+                    </a:srgbClr>
+                  </a:solidFill>
+                </a:ln>
+                <a:solidFill>
+                  <a:srgbClr val="DADADA"/>
+                </a:solidFill>
+              </a:rPr>
+              <a:t> </a:t>
+            </a:r>
+            <a:r>
+              <a:rPr lang="hu-HU" sz="1600" dirty="0" err="1">
+                <a:ln>
+                  <a:solidFill>
+                    <a:srgbClr val="404040">
+                      <a:alpha val="10000"/>
+                    </a:srgbClr>
+                  </a:solidFill>
+                </a:ln>
+                <a:solidFill>
+                  <a:srgbClr val="DADADA"/>
+                </a:solidFill>
+              </a:rPr>
+              <a:t>Interface</a:t>
+            </a:r>
+            <a:r>
+              <a:rPr lang="hu-HU" sz="1600" dirty="0">
+                <a:ln>
+                  <a:solidFill>
+                    <a:srgbClr val="404040">
+                      <a:alpha val="10000"/>
+                    </a:srgbClr>
+                  </a:solidFill>
+                </a:ln>
+                <a:solidFill>
+                  <a:srgbClr val="DADADA"/>
+                </a:solidFill>
+              </a:rPr>
+              <a:t>-el és </a:t>
+            </a:r>
+            <a:r>
+              <a:rPr lang="hu-HU" sz="1600" dirty="0" err="1">
+                <a:ln>
+                  <a:solidFill>
+                    <a:srgbClr val="404040">
+                      <a:alpha val="10000"/>
+                    </a:srgbClr>
+                  </a:solidFill>
+                </a:ln>
+                <a:solidFill>
+                  <a:srgbClr val="DADADA"/>
+                </a:solidFill>
+              </a:rPr>
+              <a:t>StS</a:t>
+            </a:r>
+            <a:r>
+              <a:rPr lang="hu-HU" sz="1600" dirty="0">
+                <a:ln>
+                  <a:solidFill>
+                    <a:srgbClr val="404040">
+                      <a:alpha val="10000"/>
+                    </a:srgbClr>
+                  </a:solidFill>
+                </a:ln>
+                <a:solidFill>
+                  <a:srgbClr val="DADADA"/>
+                </a:solidFill>
+              </a:rPr>
+              <a:t>-VPN-el el van látva. Így a két telephely titkosított kommunikációja biztosítva van.</a:t>
+            </a:r>
+          </a:p>
+          <a:p>
+            <a:endParaRPr lang="hu-HU" sz="1600" dirty="0">
+              <a:ln>
+                <a:solidFill>
+                  <a:srgbClr val="404040">
+                    <a:alpha val="10000"/>
+                  </a:srgbClr>
+                </a:solidFill>
+              </a:ln>
+              <a:solidFill>
+                <a:srgbClr val="DADADA"/>
+              </a:solidFill>
+            </a:endParaRPr>
+          </a:p>
+        </p:txBody>
+      </p:sp>
+      <p:pic>
+        <p:nvPicPr>
+          <p:cNvPr id="5" name="Kép 4">
+            <a:extLst>
+              <a:ext uri="{FF2B5EF4-FFF2-40B4-BE49-F238E27FC236}">
+                <a16:creationId xmlns:a16="http://schemas.microsoft.com/office/drawing/2014/main" id="{842C11DD-A293-C0F0-7508-6B8D4257B1B1}"/>
+              </a:ext>
+            </a:extLst>
+          </p:cNvPr>
+          <p:cNvPicPr>
+            <a:picLocks noChangeAspect="1"/>
+          </p:cNvPicPr>
+          <p:nvPr/>
+        </p:nvPicPr>
+        <p:blipFill>
+          <a:blip r:embed="rId2"/>
+          <a:stretch>
+            <a:fillRect/>
+          </a:stretch>
+        </p:blipFill>
+        <p:spPr>
+          <a:xfrm>
+            <a:off x="4906339" y="1237879"/>
+            <a:ext cx="6642193" cy="4382241"/>
+          </a:xfrm>
+          <a:prstGeom prst="rect">
+            <a:avLst/>
+          </a:prstGeom>
+        </p:spPr>
+      </p:pic>
+    </p:spTree>
+    <p:extLst>
+      <p:ext uri="{BB962C8B-B14F-4D97-AF65-F5344CB8AC3E}">
+        <p14:creationId xmlns:p14="http://schemas.microsoft.com/office/powerpoint/2010/main" val="729939439"/>
+      </p:ext>
+    </p:extLst>
+  </p:cSld>
+  <p:clrMapOvr>
+    <a:overrideClrMapping bg1="lt1" tx1="dk1" bg2="lt2" tx2="dk2" accent1="accent1" accent2="accent2" accent3="accent3" accent4="accent4" accent5="accent5" accent6="accent6" hlink="hlink" folHlink="folHlink"/>
+  </p:clrMapOvr>
+</p:sld>
+</file>
+
+<file path=ppt/slides/slide17.xml><?xml version="1.0" encoding="utf-8"?>
+<p:sld xmlns:a="http://schemas.openxmlformats.org/drawingml/2006/main" xmlns:r="http://schemas.openxmlformats.org/officeDocument/2006/relationships" xmlns:p="http://schemas.openxmlformats.org/presentationml/2006/main">
+  <p:cSld>
     <p:spTree>
       <p:nvGrpSpPr>
         <p:cNvPr id="1" name=""/>
@@ -14110,7 +14454,7 @@
 </p:sld>
 </file>
 
-<file path=ppt/slides/slide17.xml><?xml version="1.0" encoding="utf-8"?>
+<file path=ppt/slides/slide18.xml><?xml version="1.0" encoding="utf-8"?>
 <p:sld xmlns:a="http://schemas.openxmlformats.org/drawingml/2006/main" xmlns:r="http://schemas.openxmlformats.org/officeDocument/2006/relationships" xmlns:p="http://schemas.openxmlformats.org/presentationml/2006/main">
   <p:cSld>
     <p:bg>
@@ -14468,7 +14812,309 @@
 </p:sld>
 </file>
 
-<file path=ppt/slides/slide18.xml><?xml version="1.0" encoding="utf-8"?>
+<file path=ppt/slides/slide19.xml><?xml version="1.0" encoding="utf-8"?>
+<p:sld xmlns:a="http://schemas.openxmlformats.org/drawingml/2006/main" xmlns:r="http://schemas.openxmlformats.org/officeDocument/2006/relationships" xmlns:p="http://schemas.openxmlformats.org/presentationml/2006/main">
+  <p:cSld>
+    <p:bg>
+      <p:bgPr>
+        <a:blipFill rotWithShape="1">
+          <a:blip r:embed="rId2">
+            <a:duotone>
+              <a:schemeClr val="bg2">
+                <a:shade val="80000"/>
+                <a:lumMod val="80000"/>
+              </a:schemeClr>
+              <a:schemeClr val="bg2">
+                <a:tint val="98000"/>
+              </a:schemeClr>
+            </a:duotone>
+          </a:blip>
+          <a:stretch/>
+        </a:blipFill>
+        <a:effectLst/>
+      </p:bgPr>
+    </p:bg>
+    <p:spTree>
+      <p:nvGrpSpPr>
+        <p:cNvPr id="1" name=""/>
+        <p:cNvGrpSpPr/>
+        <p:nvPr/>
+      </p:nvGrpSpPr>
+      <p:grpSpPr>
+        <a:xfrm>
+          <a:off x="0" y="0"/>
+          <a:ext cx="0" cy="0"/>
+          <a:chOff x="0" y="0"/>
+          <a:chExt cx="0" cy="0"/>
+        </a:xfrm>
+      </p:grpSpPr>
+      <p:sp>
+        <p:nvSpPr>
+          <p:cNvPr id="2" name="Cím 1">
+            <a:extLst>
+              <a:ext uri="{FF2B5EF4-FFF2-40B4-BE49-F238E27FC236}">
+                <a16:creationId xmlns:a16="http://schemas.microsoft.com/office/drawing/2014/main" id="{BD296CBA-2E0D-DEDB-35F7-B073226842B6}"/>
+              </a:ext>
+            </a:extLst>
+          </p:cNvPr>
+          <p:cNvSpPr>
+            <a:spLocks noGrp="1"/>
+          </p:cNvSpPr>
+          <p:nvPr>
+            <p:ph type="title"/>
+          </p:nvPr>
+        </p:nvSpPr>
+        <p:spPr>
+          <a:xfrm>
+            <a:off x="913795" y="609600"/>
+            <a:ext cx="10353762" cy="970450"/>
+          </a:xfrm>
+        </p:spPr>
+        <p:txBody>
+          <a:bodyPr>
+            <a:normAutofit/>
+          </a:bodyPr>
+          <a:lstStyle/>
+          <a:p>
+            <a:r>
+              <a:rPr lang="hu-HU" dirty="0"/>
+              <a:t>Hálózat tervezése – Logisztikai épület</a:t>
+            </a:r>
+          </a:p>
+        </p:txBody>
+      </p:sp>
+      <p:sp>
+        <p:nvSpPr>
+          <p:cNvPr id="3" name="Tartalom helye 2">
+            <a:extLst>
+              <a:ext uri="{FF2B5EF4-FFF2-40B4-BE49-F238E27FC236}">
+                <a16:creationId xmlns:a16="http://schemas.microsoft.com/office/drawing/2014/main" id="{F1C62056-276E-1216-39C8-1DB14D4E943D}"/>
+              </a:ext>
+            </a:extLst>
+          </p:cNvPr>
+          <p:cNvSpPr>
+            <a:spLocks noGrp="1"/>
+          </p:cNvSpPr>
+          <p:nvPr>
+            <p:ph idx="1"/>
+          </p:nvPr>
+        </p:nvSpPr>
+        <p:spPr>
+          <a:xfrm>
+            <a:off x="913795" y="1732449"/>
+            <a:ext cx="5546272" cy="4058751"/>
+          </a:xfrm>
+        </p:spPr>
+        <p:txBody>
+          <a:bodyPr anchor="ctr">
+            <a:normAutofit/>
+          </a:bodyPr>
+          <a:lstStyle/>
+          <a:p>
+            <a:pPr>
+              <a:buClr>
+                <a:srgbClr val="F87440"/>
+              </a:buClr>
+            </a:pPr>
+            <a:r>
+              <a:rPr lang="hu-HU" dirty="0"/>
+              <a:t>A </a:t>
+            </a:r>
+            <a:r>
+              <a:rPr lang="hu-HU" dirty="0" err="1"/>
+              <a:t>Tunnel</a:t>
+            </a:r>
+            <a:r>
+              <a:rPr lang="hu-HU" dirty="0"/>
+              <a:t> összeköttetések olyan virtuális interfészek, amelyek tetszőleges csomagok beágyazását biztosítják egy másik átviteli protokollon belül.</a:t>
+            </a:r>
+            <a:endParaRPr lang="hu-HU"/>
+          </a:p>
+          <a:p>
+            <a:pPr>
+              <a:buClr>
+                <a:srgbClr val="F87440"/>
+              </a:buClr>
+            </a:pPr>
+            <a:endParaRPr lang="hu-HU"/>
+          </a:p>
+        </p:txBody>
+      </p:sp>
+      <p:pic>
+        <p:nvPicPr>
+          <p:cNvPr id="5" name="Kép 4">
+            <a:extLst>
+              <a:ext uri="{FF2B5EF4-FFF2-40B4-BE49-F238E27FC236}">
+                <a16:creationId xmlns:a16="http://schemas.microsoft.com/office/drawing/2014/main" id="{79A82141-EDA7-E753-AFBE-C37C7D804A10}"/>
+              </a:ext>
+            </a:extLst>
+          </p:cNvPr>
+          <p:cNvPicPr>
+            <a:picLocks noChangeAspect="1"/>
+          </p:cNvPicPr>
+          <p:nvPr/>
+        </p:nvPicPr>
+        <p:blipFill>
+          <a:blip r:embed="rId3"/>
+          <a:stretch>
+            <a:fillRect/>
+          </a:stretch>
+        </p:blipFill>
+        <p:spPr>
+          <a:xfrm>
+            <a:off x="7066560" y="3097362"/>
+            <a:ext cx="4065464" cy="1328925"/>
+          </a:xfrm>
+          <a:prstGeom prst="rect">
+            <a:avLst/>
+          </a:prstGeom>
+        </p:spPr>
+      </p:pic>
+    </p:spTree>
+    <p:extLst>
+      <p:ext uri="{BB962C8B-B14F-4D97-AF65-F5344CB8AC3E}">
+        <p14:creationId xmlns:p14="http://schemas.microsoft.com/office/powerpoint/2010/main" val="2875414419"/>
+      </p:ext>
+    </p:extLst>
+  </p:cSld>
+  <p:clrMapOvr>
+    <a:masterClrMapping/>
+  </p:clrMapOvr>
+</p:sld>
+</file>
+
+<file path=ppt/slides/slide2.xml><?xml version="1.0" encoding="utf-8"?>
+<p:sld xmlns:a="http://schemas.openxmlformats.org/drawingml/2006/main" xmlns:r="http://schemas.openxmlformats.org/officeDocument/2006/relationships" xmlns:p="http://schemas.openxmlformats.org/presentationml/2006/main">
+  <p:cSld>
+    <p:spTree>
+      <p:nvGrpSpPr>
+        <p:cNvPr id="1" name=""/>
+        <p:cNvGrpSpPr/>
+        <p:nvPr/>
+      </p:nvGrpSpPr>
+      <p:grpSpPr>
+        <a:xfrm>
+          <a:off x="0" y="0"/>
+          <a:ext cx="0" cy="0"/>
+          <a:chOff x="0" y="0"/>
+          <a:chExt cx="0" cy="0"/>
+        </a:xfrm>
+      </p:grpSpPr>
+      <p:sp>
+        <p:nvSpPr>
+          <p:cNvPr id="2" name="Cím 1">
+            <a:extLst>
+              <a:ext uri="{FF2B5EF4-FFF2-40B4-BE49-F238E27FC236}">
+                <a16:creationId xmlns:a16="http://schemas.microsoft.com/office/drawing/2014/main" id="{D3A54ECF-723C-AA95-1C66-B77D5AED8251}"/>
+              </a:ext>
+            </a:extLst>
+          </p:cNvPr>
+          <p:cNvSpPr>
+            <a:spLocks noGrp="1"/>
+          </p:cNvSpPr>
+          <p:nvPr>
+            <p:ph type="title"/>
+          </p:nvPr>
+        </p:nvSpPr>
+        <p:spPr/>
+        <p:txBody>
+          <a:bodyPr/>
+          <a:lstStyle/>
+          <a:p>
+            <a:r>
+              <a:rPr lang="hu-HU" dirty="0"/>
+              <a:t>A cégünkről röviden</a:t>
+            </a:r>
+          </a:p>
+        </p:txBody>
+      </p:sp>
+      <p:sp>
+        <p:nvSpPr>
+          <p:cNvPr id="3" name="Tartalom helye 2">
+            <a:extLst>
+              <a:ext uri="{FF2B5EF4-FFF2-40B4-BE49-F238E27FC236}">
+                <a16:creationId xmlns:a16="http://schemas.microsoft.com/office/drawing/2014/main" id="{B6FDFE23-3F32-82CB-9D09-A338E3256408}"/>
+              </a:ext>
+            </a:extLst>
+          </p:cNvPr>
+          <p:cNvSpPr>
+            <a:spLocks noGrp="1"/>
+          </p:cNvSpPr>
+          <p:nvPr>
+            <p:ph idx="1"/>
+          </p:nvPr>
+        </p:nvSpPr>
+        <p:spPr/>
+        <p:txBody>
+          <a:bodyPr/>
+          <a:lstStyle/>
+          <a:p>
+            <a:r>
+              <a:rPr lang="hu-HU" dirty="0"/>
+              <a:t>A kisvállalatunk webkereskedelemmel foglalkozik, azon belül is műszaki cikkek, szórakoztató elektronika és informatikai termékek forgalmazásával.</a:t>
+            </a:r>
+          </a:p>
+          <a:p>
+            <a:r>
+              <a:rPr lang="hu-HU" dirty="0"/>
+              <a:t>A vállalatunk három darab telephellyel rendelkezik:</a:t>
+            </a:r>
+          </a:p>
+          <a:p>
+            <a:pPr lvl="1"/>
+            <a:r>
+              <a:rPr lang="hu-HU" dirty="0"/>
+              <a:t>Központi épület</a:t>
+            </a:r>
+          </a:p>
+          <a:p>
+            <a:pPr lvl="1"/>
+            <a:r>
+              <a:rPr lang="hu-HU" dirty="0"/>
+              <a:t>Ügyfélszolgálat</a:t>
+            </a:r>
+          </a:p>
+          <a:p>
+            <a:pPr lvl="1"/>
+            <a:r>
+              <a:rPr lang="hu-HU" dirty="0"/>
+              <a:t>Logisztika</a:t>
+            </a:r>
+          </a:p>
+          <a:p>
+            <a:r>
+              <a:rPr lang="hu-HU" dirty="0"/>
+              <a:t>Az épületek egy városon belül helyezkednek el.</a:t>
+            </a:r>
+          </a:p>
+          <a:p>
+            <a:r>
+              <a:rPr lang="hu-HU" dirty="0"/>
+              <a:t>Összesen 12 kollégával rendelkezünk.</a:t>
+            </a:r>
+          </a:p>
+          <a:p>
+            <a:pPr marL="36900" indent="0">
+              <a:buNone/>
+            </a:pPr>
+            <a:endParaRPr lang="hu-HU" dirty="0"/>
+          </a:p>
+        </p:txBody>
+      </p:sp>
+    </p:spTree>
+    <p:extLst>
+      <p:ext uri="{BB962C8B-B14F-4D97-AF65-F5344CB8AC3E}">
+        <p14:creationId xmlns:p14="http://schemas.microsoft.com/office/powerpoint/2010/main" val="174957363"/>
+      </p:ext>
+    </p:extLst>
+  </p:cSld>
+  <p:clrMapOvr>
+    <a:masterClrMapping/>
+  </p:clrMapOvr>
+</p:sld>
+</file>
+
+<file path=ppt/slides/slide20.xml><?xml version="1.0" encoding="utf-8"?>
 <p:sld xmlns:a="http://schemas.openxmlformats.org/drawingml/2006/main" xmlns:r="http://schemas.openxmlformats.org/officeDocument/2006/relationships" xmlns:p="http://schemas.openxmlformats.org/presentationml/2006/main">
   <p:cSld>
     <p:bg>
@@ -15041,137 +15687,6 @@
 </p:sld>
 </file>
 
-<file path=ppt/slides/slide2.xml><?xml version="1.0" encoding="utf-8"?>
-<p:sld xmlns:a="http://schemas.openxmlformats.org/drawingml/2006/main" xmlns:r="http://schemas.openxmlformats.org/officeDocument/2006/relationships" xmlns:p="http://schemas.openxmlformats.org/presentationml/2006/main">
-  <p:cSld>
-    <p:spTree>
-      <p:nvGrpSpPr>
-        <p:cNvPr id="1" name=""/>
-        <p:cNvGrpSpPr/>
-        <p:nvPr/>
-      </p:nvGrpSpPr>
-      <p:grpSpPr>
-        <a:xfrm>
-          <a:off x="0" y="0"/>
-          <a:ext cx="0" cy="0"/>
-          <a:chOff x="0" y="0"/>
-          <a:chExt cx="0" cy="0"/>
-        </a:xfrm>
-      </p:grpSpPr>
-      <p:sp>
-        <p:nvSpPr>
-          <p:cNvPr id="2" name="Cím 1">
-            <a:extLst>
-              <a:ext uri="{FF2B5EF4-FFF2-40B4-BE49-F238E27FC236}">
-                <a16:creationId xmlns:a16="http://schemas.microsoft.com/office/drawing/2014/main" id="{D3A54ECF-723C-AA95-1C66-B77D5AED8251}"/>
-              </a:ext>
-            </a:extLst>
-          </p:cNvPr>
-          <p:cNvSpPr>
-            <a:spLocks noGrp="1"/>
-          </p:cNvSpPr>
-          <p:nvPr>
-            <p:ph type="title"/>
-          </p:nvPr>
-        </p:nvSpPr>
-        <p:spPr/>
-        <p:txBody>
-          <a:bodyPr/>
-          <a:lstStyle/>
-          <a:p>
-            <a:r>
-              <a:rPr lang="hu-HU" dirty="0"/>
-              <a:t>A cégünkről röviden</a:t>
-            </a:r>
-          </a:p>
-        </p:txBody>
-      </p:sp>
-      <p:sp>
-        <p:nvSpPr>
-          <p:cNvPr id="3" name="Tartalom helye 2">
-            <a:extLst>
-              <a:ext uri="{FF2B5EF4-FFF2-40B4-BE49-F238E27FC236}">
-                <a16:creationId xmlns:a16="http://schemas.microsoft.com/office/drawing/2014/main" id="{B6FDFE23-3F32-82CB-9D09-A338E3256408}"/>
-              </a:ext>
-            </a:extLst>
-          </p:cNvPr>
-          <p:cNvSpPr>
-            <a:spLocks noGrp="1"/>
-          </p:cNvSpPr>
-          <p:nvPr>
-            <p:ph idx="1"/>
-          </p:nvPr>
-        </p:nvSpPr>
-        <p:spPr/>
-        <p:txBody>
-          <a:bodyPr/>
-          <a:lstStyle/>
-          <a:p>
-            <a:r>
-              <a:rPr lang="hu-HU" dirty="0"/>
-              <a:t>A kisvállalatunk webkereskedelemmel foglalkozik, azon belül is műszaki cikkek, szórakoztató elektronika és informatikai termékek forgalmazásával.</a:t>
-            </a:r>
-          </a:p>
-          <a:p>
-            <a:r>
-              <a:rPr lang="hu-HU" dirty="0"/>
-              <a:t>A vállalatunk három darab telephellyel rendelkezik:</a:t>
-            </a:r>
-          </a:p>
-          <a:p>
-            <a:pPr lvl="1"/>
-            <a:r>
-              <a:rPr lang="hu-HU" dirty="0"/>
-              <a:t>Központi épület</a:t>
-            </a:r>
-          </a:p>
-          <a:p>
-            <a:pPr lvl="1"/>
-            <a:r>
-              <a:rPr lang="hu-HU" dirty="0"/>
-              <a:t>Ügyfélszolgálat</a:t>
-            </a:r>
-          </a:p>
-          <a:p>
-            <a:pPr lvl="1"/>
-            <a:r>
-              <a:rPr lang="hu-HU" dirty="0"/>
-              <a:t>Logisztika</a:t>
-            </a:r>
-          </a:p>
-          <a:p>
-            <a:r>
-              <a:rPr lang="hu-HU" dirty="0"/>
-              <a:t>Az épületek egy városon belül helyezkednek el.</a:t>
-            </a:r>
-          </a:p>
-          <a:p>
-            <a:r>
-              <a:rPr lang="hu-HU" dirty="0"/>
-              <a:t>Összesen 12 kollégával rendelkezünk.</a:t>
-            </a:r>
-          </a:p>
-          <a:p>
-            <a:pPr marL="36900" indent="0">
-              <a:buNone/>
-            </a:pPr>
-            <a:endParaRPr lang="hu-HU" dirty="0"/>
-          </a:p>
-        </p:txBody>
-      </p:sp>
-    </p:spTree>
-    <p:extLst>
-      <p:ext uri="{BB962C8B-B14F-4D97-AF65-F5344CB8AC3E}">
-        <p14:creationId xmlns:p14="http://schemas.microsoft.com/office/powerpoint/2010/main" val="174957363"/>
-      </p:ext>
-    </p:extLst>
-  </p:cSld>
-  <p:clrMapOvr>
-    <a:masterClrMapping/>
-  </p:clrMapOvr>
-</p:sld>
-</file>
-
 <file path=ppt/slides/slide3.xml><?xml version="1.0" encoding="utf-8"?>
 <p:sld xmlns:a="http://schemas.openxmlformats.org/drawingml/2006/main" xmlns:r="http://schemas.openxmlformats.org/officeDocument/2006/relationships" xmlns:p="http://schemas.openxmlformats.org/presentationml/2006/main">
   <p:cSld>
@@ -15644,7 +16159,37 @@
           <a:p>
             <a:r>
               <a:rPr lang="hu-HU" dirty="0"/>
-              <a:t>Az ACL</a:t>
+              <a:t>Az ACL arra szolgál a hálózatunkban, hogy olyan szabályokat hozzon létre, amelyek meghatározzák, hogyan lehet egy csomagot továbbítani vagy blokkolni az útválasztó felületén.</a:t>
+            </a:r>
+          </a:p>
+          <a:p>
+            <a:r>
+              <a:rPr lang="hu-HU" dirty="0"/>
+              <a:t>HSRP a 2. </a:t>
+            </a:r>
+            <a:r>
+              <a:rPr lang="hu-HU" dirty="0" err="1"/>
+              <a:t>rétegbeli</a:t>
+            </a:r>
+            <a:r>
+              <a:rPr lang="hu-HU" dirty="0"/>
+              <a:t> </a:t>
+            </a:r>
+            <a:r>
+              <a:rPr lang="hu-HU" dirty="0" err="1"/>
+              <a:t>protokol</a:t>
+            </a:r>
+            <a:r>
+              <a:rPr lang="hu-HU" dirty="0"/>
+              <a:t>, </a:t>
+            </a:r>
+            <a:r>
+              <a:rPr lang="hu-HU" dirty="0" err="1"/>
+              <a:t>melyel</a:t>
+            </a:r>
+            <a:r>
+              <a:rPr lang="hu-HU" dirty="0"/>
+              <a:t> megszabjuk, melyik forgalomirányító legyen alapértelmezett, és melyik tartalék.</a:t>
             </a:r>
           </a:p>
         </p:txBody>
@@ -15665,6 +16210,14 @@
 <file path=ppt/slides/slide6.xml><?xml version="1.0" encoding="utf-8"?>
 <p:sld xmlns:a="http://schemas.openxmlformats.org/drawingml/2006/main" xmlns:r="http://schemas.openxmlformats.org/officeDocument/2006/relationships" xmlns:p="http://schemas.openxmlformats.org/presentationml/2006/main">
   <p:cSld>
+    <p:bg>
+      <p:bgPr>
+        <a:solidFill>
+          <a:schemeClr val="bg1"/>
+        </a:solidFill>
+        <a:effectLst/>
+      </p:bgPr>
+    </p:bg>
     <p:spTree>
       <p:nvGrpSpPr>
         <p:cNvPr id="1" name=""/>
@@ -15681,6 +16234,66 @@
       </p:grpSpPr>
       <p:sp>
         <p:nvSpPr>
+          <p:cNvPr id="22" name="Rectangle 21">
+            <a:extLst>
+              <a:ext uri="{FF2B5EF4-FFF2-40B4-BE49-F238E27FC236}">
+                <a16:creationId xmlns:a16="http://schemas.microsoft.com/office/drawing/2014/main" id="{95CB840F-8E41-4CA5-B79B-25CC80AD234A}"/>
+              </a:ext>
+              <a:ext uri="{C183D7F6-B498-43B3-948B-1728B52AA6E4}">
+                <adec:decorative xmlns:adec="http://schemas.microsoft.com/office/drawing/2017/decorative" val="1"/>
+              </a:ext>
+            </a:extLst>
+          </p:cNvPr>
+          <p:cNvSpPr>
+            <a:spLocks noGrp="1" noRot="1" noChangeAspect="1" noMove="1" noResize="1" noEditPoints="1" noAdjustHandles="1" noChangeArrowheads="1" noChangeShapeType="1" noTextEdit="1"/>
+          </p:cNvSpPr>
+          <p:nvPr>
+            <p:extLst>
+              <p:ext uri="{386F3935-93C4-4BCD-93E2-E3B085C9AB24}">
+                <p16:designElem xmlns:p16="http://schemas.microsoft.com/office/powerpoint/2015/main" val="1"/>
+              </p:ext>
+            </p:extLst>
+          </p:nvPr>
+        </p:nvSpPr>
+        <p:spPr>
+          <a:xfrm>
+            <a:off x="0" y="0"/>
+            <a:ext cx="12192000" cy="6858000"/>
+          </a:xfrm>
+          <a:prstGeom prst="rect">
+            <a:avLst/>
+          </a:prstGeom>
+          <a:ln>
+            <a:noFill/>
+          </a:ln>
+        </p:spPr>
+        <p:style>
+          <a:lnRef idx="2">
+            <a:schemeClr val="accent1">
+              <a:shade val="50000"/>
+            </a:schemeClr>
+          </a:lnRef>
+          <a:fillRef idx="1003">
+            <a:schemeClr val="dk2"/>
+          </a:fillRef>
+          <a:effectRef idx="0">
+            <a:schemeClr val="accent1"/>
+          </a:effectRef>
+          <a:fontRef idx="minor">
+            <a:schemeClr val="lt1"/>
+          </a:fontRef>
+        </p:style>
+        <p:txBody>
+          <a:bodyPr rtlCol="0" anchor="ctr"/>
+          <a:lstStyle/>
+          <a:p>
+            <a:pPr algn="ctr"/>
+            <a:endParaRPr lang="en-US"/>
+          </a:p>
+        </p:txBody>
+      </p:sp>
+      <p:sp>
+        <p:nvSpPr>
           <p:cNvPr id="2" name="Cím 1">
             <a:extLst>
               <a:ext uri="{FF2B5EF4-FFF2-40B4-BE49-F238E27FC236}">
@@ -15695,13 +16308,36 @@
             <p:ph type="title"/>
           </p:nvPr>
         </p:nvSpPr>
-        <p:spPr/>
+        <p:spPr>
+          <a:xfrm>
+            <a:off x="913795" y="609600"/>
+            <a:ext cx="3078749" cy="970450"/>
+          </a:xfrm>
+        </p:spPr>
         <p:txBody>
-          <a:bodyPr/>
+          <a:bodyPr anchor="b">
+            <a:normAutofit/>
+          </a:bodyPr>
           <a:lstStyle/>
           <a:p>
-            <a:r>
-              <a:rPr lang="hu-HU" dirty="0"/>
+            <a:pPr algn="l">
+              <a:lnSpc>
+                <a:spcPct val="90000"/>
+              </a:lnSpc>
+            </a:pPr>
+            <a:r>
+              <a:rPr lang="hu-HU" sz="2400">
+                <a:ln>
+                  <a:solidFill>
+                    <a:srgbClr val="404040">
+                      <a:alpha val="10000"/>
+                    </a:srgbClr>
+                  </a:solidFill>
+                </a:ln>
+                <a:solidFill>
+                  <a:srgbClr val="DADADA"/>
+                </a:solidFill>
+              </a:rPr>
               <a:t>A központi épület hálózatának tervezése</a:t>
             </a:r>
           </a:p>
@@ -15726,88 +16362,150 @@
         <p:spPr>
           <a:xfrm>
             <a:off x="913795" y="1732449"/>
-            <a:ext cx="10353762" cy="5028274"/>
+            <a:ext cx="3512290" cy="4482084"/>
           </a:xfrm>
         </p:spPr>
         <p:txBody>
-          <a:bodyPr/>
+          <a:bodyPr anchor="t">
+            <a:normAutofit/>
+          </a:bodyPr>
           <a:lstStyle/>
           <a:p>
-            <a:endParaRPr lang="hu-HU" dirty="0"/>
-          </a:p>
-          <a:p>
-            <a:r>
-              <a:rPr lang="hu-HU" dirty="0"/>
-              <a:t>Hálózat tulajdonságai:</a:t>
-            </a:r>
-          </a:p>
-          <a:p>
-            <a:pPr lvl="1"/>
-            <a:r>
-              <a:rPr lang="hu-HU" dirty="0"/>
-              <a:t>VLAN</a:t>
-            </a:r>
-          </a:p>
-          <a:p>
-            <a:pPr lvl="1"/>
-            <a:r>
-              <a:rPr lang="hu-HU" dirty="0"/>
-              <a:t>OSPF</a:t>
-            </a:r>
-          </a:p>
-          <a:p>
-            <a:pPr lvl="1"/>
-            <a:r>
-              <a:rPr lang="hu-HU" dirty="0" err="1"/>
-              <a:t>EtherChannel</a:t>
-            </a:r>
-            <a:endParaRPr lang="hu-HU" dirty="0"/>
-          </a:p>
-          <a:p>
-            <a:pPr lvl="1"/>
-            <a:r>
-              <a:rPr lang="hu-HU" dirty="0"/>
-              <a:t>ACL</a:t>
-            </a:r>
-          </a:p>
-          <a:p>
-            <a:pPr lvl="1"/>
-            <a:r>
-              <a:rPr lang="hu-HU" dirty="0"/>
-              <a:t>Hálózati eszközök SSH hozzáféréssel</a:t>
-            </a:r>
-          </a:p>
-          <a:p>
-            <a:pPr lvl="1"/>
-            <a:r>
-              <a:rPr lang="hu-HU" dirty="0"/>
-              <a:t>HSRP</a:t>
-            </a:r>
-          </a:p>
-          <a:p>
-            <a:pPr lvl="1"/>
-            <a:r>
-              <a:rPr lang="hu-HU" dirty="0"/>
-              <a:t>Management VLAN</a:t>
-            </a:r>
-          </a:p>
-          <a:p>
-            <a:pPr lvl="1"/>
-            <a:r>
-              <a:rPr lang="hu-HU" dirty="0"/>
-              <a:t>NAT</a:t>
-            </a:r>
-          </a:p>
-          <a:p>
-            <a:pPr lvl="1"/>
-            <a:endParaRPr lang="hu-HU" dirty="0"/>
-          </a:p>
-          <a:p>
-            <a:pPr lvl="1"/>
-            <a:endParaRPr lang="hu-HU" dirty="0"/>
+            <a:pPr>
+              <a:buClr>
+                <a:srgbClr val="7BD9EC"/>
+              </a:buClr>
+            </a:pPr>
+            <a:endParaRPr lang="hu-HU" sz="1600" dirty="0">
+              <a:ln>
+                <a:solidFill>
+                  <a:srgbClr val="404040">
+                    <a:alpha val="10000"/>
+                  </a:srgbClr>
+                </a:solidFill>
+              </a:ln>
+              <a:solidFill>
+                <a:srgbClr val="DADADA"/>
+              </a:solidFill>
+            </a:endParaRPr>
+          </a:p>
+          <a:p>
+            <a:pPr>
+              <a:buClr>
+                <a:srgbClr val="7BD9EC"/>
+              </a:buClr>
+            </a:pPr>
+            <a:r>
+              <a:rPr lang="hu-HU" sz="1600" dirty="0">
+                <a:ln>
+                  <a:solidFill>
+                    <a:srgbClr val="404040">
+                      <a:alpha val="10000"/>
+                    </a:srgbClr>
+                  </a:solidFill>
+                </a:ln>
+                <a:solidFill>
+                  <a:srgbClr val="DADADA"/>
+                </a:solidFill>
+              </a:rPr>
+              <a:t>Címfordítás NAT:</a:t>
+            </a:r>
+          </a:p>
+          <a:p>
+            <a:pPr lvl="1">
+              <a:buClr>
+                <a:srgbClr val="7BD9EC"/>
+              </a:buClr>
+            </a:pPr>
+            <a:r>
+              <a:rPr lang="hu-HU" sz="1600" dirty="0">
+                <a:ln>
+                  <a:solidFill>
+                    <a:srgbClr val="404040">
+                      <a:alpha val="10000"/>
+                    </a:srgbClr>
+                  </a:solidFill>
+                </a:ln>
+                <a:solidFill>
+                  <a:srgbClr val="DADADA"/>
+                </a:solidFill>
+              </a:rPr>
+              <a:t>Határforgalomirányítónkon megvalósul a statikus címfordítás</a:t>
+            </a:r>
+          </a:p>
+          <a:p>
+            <a:pPr lvl="1">
+              <a:buClr>
+                <a:srgbClr val="7BD9EC"/>
+              </a:buClr>
+            </a:pPr>
+            <a:r>
+              <a:rPr lang="hu-HU" sz="1600" dirty="0">
+                <a:ln>
+                  <a:solidFill>
+                    <a:srgbClr val="404040">
+                      <a:alpha val="10000"/>
+                    </a:srgbClr>
+                  </a:solidFill>
+                </a:ln>
+                <a:solidFill>
+                  <a:srgbClr val="DADADA"/>
+                </a:solidFill>
+              </a:rPr>
+              <a:t>És ACL segítségével pedig a dinamikus címfordítás.</a:t>
+            </a:r>
+          </a:p>
+          <a:p>
+            <a:pPr lvl="1">
+              <a:buClr>
+                <a:srgbClr val="7BD9EC"/>
+              </a:buClr>
+            </a:pPr>
+            <a:endParaRPr lang="hu-HU" sz="1600" dirty="0">
+              <a:ln>
+                <a:solidFill>
+                  <a:srgbClr val="404040">
+                    <a:alpha val="10000"/>
+                  </a:srgbClr>
+                </a:solidFill>
+              </a:ln>
+              <a:solidFill>
+                <a:srgbClr val="DADADA"/>
+              </a:solidFill>
+            </a:endParaRPr>
           </a:p>
         </p:txBody>
       </p:sp>
+      <p:pic>
+        <p:nvPicPr>
+          <p:cNvPr id="14" name="Kép 13">
+            <a:extLst>
+              <a:ext uri="{FF2B5EF4-FFF2-40B4-BE49-F238E27FC236}">
+                <a16:creationId xmlns:a16="http://schemas.microsoft.com/office/drawing/2014/main" id="{85A9703C-6E33-D293-2379-4607F98E4182}"/>
+              </a:ext>
+            </a:extLst>
+          </p:cNvPr>
+          <p:cNvPicPr>
+            <a:picLocks noChangeAspect="1"/>
+          </p:cNvPicPr>
+          <p:nvPr/>
+        </p:nvPicPr>
+        <p:blipFill>
+          <a:blip r:embed="rId3"/>
+          <a:stretch>
+            <a:fillRect/>
+          </a:stretch>
+        </p:blipFill>
+        <p:spPr>
+          <a:xfrm>
+            <a:off x="4906339" y="1569185"/>
+            <a:ext cx="6642193" cy="3719628"/>
+          </a:xfrm>
+          <a:prstGeom prst="rect">
+            <a:avLst/>
+          </a:prstGeom>
+        </p:spPr>
+      </p:pic>
     </p:spTree>
     <p:extLst>
       <p:ext uri="{BB962C8B-B14F-4D97-AF65-F5344CB8AC3E}">
@@ -15816,7 +16514,7 @@
     </p:extLst>
   </p:cSld>
   <p:clrMapOvr>
-    <a:masterClrMapping/>
+    <a:overrideClrMapping bg1="lt1" tx1="dk1" bg2="lt2" tx2="dk2" accent1="accent1" accent2="accent2" accent3="accent3" accent4="accent4" accent5="accent5" accent6="accent6" hlink="hlink" folHlink="folHlink"/>
   </p:clrMapOvr>
 </p:sld>
 </file>

--- a/Védéshez.pptx
+++ b/Védéshez.pptx
@@ -5,7 +5,7 @@
     <p:sldMasterId id="2147483660" r:id="rId1"/>
   </p:sldMasterIdLst>
   <p:notesMasterIdLst>
-    <p:notesMasterId r:id="rId22"/>
+    <p:notesMasterId r:id="rId25"/>
   </p:notesMasterIdLst>
   <p:sldIdLst>
     <p:sldId id="256" r:id="rId2"/>
@@ -13,21 +13,24 @@
     <p:sldId id="258" r:id="rId4"/>
     <p:sldId id="261" r:id="rId5"/>
     <p:sldId id="273" r:id="rId6"/>
-    <p:sldId id="270" r:id="rId7"/>
-    <p:sldId id="271" r:id="rId8"/>
-    <p:sldId id="264" r:id="rId9"/>
-    <p:sldId id="266" r:id="rId10"/>
-    <p:sldId id="265" r:id="rId11"/>
-    <p:sldId id="267" r:id="rId12"/>
-    <p:sldId id="262" r:id="rId13"/>
-    <p:sldId id="263" r:id="rId14"/>
+    <p:sldId id="279" r:id="rId7"/>
+    <p:sldId id="270" r:id="rId8"/>
+    <p:sldId id="271" r:id="rId9"/>
+    <p:sldId id="264" r:id="rId10"/>
+    <p:sldId id="266" r:id="rId11"/>
+    <p:sldId id="265" r:id="rId12"/>
+    <p:sldId id="267" r:id="rId13"/>
+    <p:sldId id="262" r:id="rId14"/>
     <p:sldId id="260" r:id="rId15"/>
     <p:sldId id="274" r:id="rId16"/>
     <p:sldId id="276" r:id="rId17"/>
-    <p:sldId id="259" r:id="rId18"/>
-    <p:sldId id="275" r:id="rId19"/>
-    <p:sldId id="277" r:id="rId20"/>
-    <p:sldId id="272" r:id="rId21"/>
+    <p:sldId id="278" r:id="rId18"/>
+    <p:sldId id="259" r:id="rId19"/>
+    <p:sldId id="275" r:id="rId20"/>
+    <p:sldId id="277" r:id="rId21"/>
+    <p:sldId id="263" r:id="rId22"/>
+    <p:sldId id="272" r:id="rId23"/>
+    <p:sldId id="280" r:id="rId24"/>
   </p:sldIdLst>
   <p:sldSz cx="12192000" cy="6858000"/>
   <p:notesSz cx="6858000" cy="9144000"/>
@@ -1806,10 +1809,38 @@
         <a:lstStyle/>
         <a:p>
           <a:r>
-            <a:rPr lang="hu-HU"/>
-            <a:t>CoSer_Router, CoSer_SW1, CoSer_SW2, CoSer_Wireless_Router, CoSer_Printer, 2db Cellphone, 4db PC. </a:t>
+            <a:rPr lang="hu-HU" dirty="0" err="1"/>
+            <a:t>CoSer_Router</a:t>
           </a:r>
-          <a:endParaRPr lang="en-US"/>
+          <a:r>
+            <a:rPr lang="hu-HU" dirty="0"/>
+            <a:t>, CoSer_SW1, CoSer_SW2, </a:t>
+          </a:r>
+          <a:r>
+            <a:rPr lang="hu-HU" dirty="0" err="1"/>
+            <a:t>CoSer_Wireless_Router</a:t>
+          </a:r>
+          <a:r>
+            <a:rPr lang="hu-HU" dirty="0"/>
+            <a:t>, </a:t>
+          </a:r>
+          <a:r>
+            <a:rPr lang="hu-HU" dirty="0" err="1"/>
+            <a:t>CoSer_Printer</a:t>
+          </a:r>
+          <a:r>
+            <a:rPr lang="hu-HU" dirty="0"/>
+            <a:t>, 2db </a:t>
+          </a:r>
+          <a:r>
+            <a:rPr lang="hu-HU" dirty="0" err="1"/>
+            <a:t>Cellphone</a:t>
+          </a:r>
+          <a:r>
+            <a:rPr lang="hu-HU" dirty="0"/>
+            <a:t>, 4db PC. </a:t>
+          </a:r>
+          <a:endParaRPr lang="en-US" dirty="0"/>
         </a:p>
       </dgm:t>
     </dgm:pt>
@@ -1850,7 +1881,7 @@
       <dgm:spPr/>
     </dgm:pt>
     <dgm:pt modelId="{A738DD49-35F4-4643-8EDF-5BC30D28D92D}" type="pres">
-      <dgm:prSet presAssocID="{83CD4748-D1E5-4599-A60A-E7C64C68B661}" presName="parentText" presStyleLbl="node1" presStyleIdx="0" presStyleCnt="4">
+      <dgm:prSet presAssocID="{83CD4748-D1E5-4599-A60A-E7C64C68B661}" presName="parentText" presStyleLbl="node1" presStyleIdx="0" presStyleCnt="3">
         <dgm:presLayoutVars>
           <dgm:chMax val="1"/>
           <dgm:bulletEnabled val="1"/>
@@ -1859,7 +1890,7 @@
       <dgm:spPr/>
     </dgm:pt>
     <dgm:pt modelId="{4E4C8F81-8006-4494-A0B7-3A6CC8EEBC95}" type="pres">
-      <dgm:prSet presAssocID="{83CD4748-D1E5-4599-A60A-E7C64C68B661}" presName="descendantText" presStyleLbl="alignAccFollowNode1" presStyleIdx="0" presStyleCnt="1">
+      <dgm:prSet presAssocID="{83CD4748-D1E5-4599-A60A-E7C64C68B661}" presName="descendantText" presStyleLbl="alignAccFollowNode1" presStyleIdx="0" presStyleCnt="2">
         <dgm:presLayoutVars>
           <dgm:bulletEnabled val="1"/>
         </dgm:presLayoutVars>
@@ -1875,7 +1906,7 @@
       <dgm:spPr/>
     </dgm:pt>
     <dgm:pt modelId="{D6970A3A-31CF-4B1B-B6A6-17AF4E56A8C8}" type="pres">
-      <dgm:prSet presAssocID="{B2982D6A-88C7-45C6-BD49-F826B923D4DF}" presName="parentText" presStyleLbl="node1" presStyleIdx="1" presStyleCnt="4">
+      <dgm:prSet presAssocID="{B2982D6A-88C7-45C6-BD49-F826B923D4DF}" presName="parentText" presStyleLbl="node1" presStyleIdx="1" presStyleCnt="3">
         <dgm:presLayoutVars>
           <dgm:chMax val="1"/>
           <dgm:bulletEnabled val="1"/>
@@ -1892,7 +1923,7 @@
       <dgm:spPr/>
     </dgm:pt>
     <dgm:pt modelId="{76A95BC2-6B17-43A5-823B-9DE2906F12B6}" type="pres">
-      <dgm:prSet presAssocID="{66D1C587-2652-4034-AFAE-8719EFE4E524}" presName="parentText" presStyleLbl="node1" presStyleIdx="2" presStyleCnt="4">
+      <dgm:prSet presAssocID="{66D1C587-2652-4034-AFAE-8719EFE4E524}" presName="parentText" presStyleLbl="node1" presStyleIdx="2" presStyleCnt="3">
         <dgm:presLayoutVars>
           <dgm:chMax val="1"/>
           <dgm:bulletEnabled val="1"/>
@@ -1900,18 +1931,9 @@
       </dgm:prSet>
       <dgm:spPr/>
     </dgm:pt>
-    <dgm:pt modelId="{2A21A93E-6E50-467E-A00B-04F07A52B8DA}" type="pres">
-      <dgm:prSet presAssocID="{6B958A80-72D7-45B5-A25E-0AA7F12D8856}" presName="sp" presStyleCnt="0"/>
-      <dgm:spPr/>
-    </dgm:pt>
-    <dgm:pt modelId="{C484A1B2-B1C1-4544-8FEB-091E3D8AAF9D}" type="pres">
-      <dgm:prSet presAssocID="{42245836-A2D3-40A0-947C-88E9C2E366D9}" presName="linNode" presStyleCnt="0"/>
-      <dgm:spPr/>
-    </dgm:pt>
-    <dgm:pt modelId="{8C75B658-4737-4BC3-8EE6-8C728F7A1088}" type="pres">
-      <dgm:prSet presAssocID="{42245836-A2D3-40A0-947C-88E9C2E366D9}" presName="parentText" presStyleLbl="node1" presStyleIdx="3" presStyleCnt="4">
+    <dgm:pt modelId="{CF929E9B-F217-4EAC-93D3-28DFA1E5EB03}" type="pres">
+      <dgm:prSet presAssocID="{66D1C587-2652-4034-AFAE-8719EFE4E524}" presName="descendantText" presStyleLbl="alignAccFollowNode1" presStyleIdx="1" presStyleCnt="2">
         <dgm:presLayoutVars>
-          <dgm:chMax val="1"/>
           <dgm:bulletEnabled val="1"/>
         </dgm:presLayoutVars>
       </dgm:prSet>
@@ -1922,12 +1944,12 @@
     <dgm:cxn modelId="{4AFAAE28-A677-4A2E-B4F0-66B807A8A94B}" srcId="{CA53A4C1-FE39-4058-9A67-31809C5F60A4}" destId="{66D1C587-2652-4034-AFAE-8719EFE4E524}" srcOrd="2" destOrd="0" parTransId="{1814297D-2126-4A3F-9731-A6F0A5785C22}" sibTransId="{6B958A80-72D7-45B5-A25E-0AA7F12D8856}"/>
     <dgm:cxn modelId="{9A2C4E35-9C9E-43C1-8FD7-0782060D2E5E}" srcId="{83CD4748-D1E5-4599-A60A-E7C64C68B661}" destId="{8588F440-1FA2-4072-BA2B-2566C2196F69}" srcOrd="0" destOrd="0" parTransId="{14D63DF0-04A2-4F39-AF7E-6ECAD54606C5}" sibTransId="{40CB08A5-29C7-49E8-8F30-BC7A3F16B462}"/>
     <dgm:cxn modelId="{5ADBE535-745C-4EC7-AE57-3543506AAC11}" srcId="{CA53A4C1-FE39-4058-9A67-31809C5F60A4}" destId="{83CD4748-D1E5-4599-A60A-E7C64C68B661}" srcOrd="0" destOrd="0" parTransId="{1D867484-A7B9-4700-85CA-B03B416300D8}" sibTransId="{98E625C5-8336-4247-9F69-4105E554399E}"/>
-    <dgm:cxn modelId="{478E1F4D-8ACF-4E33-8835-83CB550C1FF5}" srcId="{CA53A4C1-FE39-4058-9A67-31809C5F60A4}" destId="{42245836-A2D3-40A0-947C-88E9C2E366D9}" srcOrd="3" destOrd="0" parTransId="{125BEC4D-93F3-4B8A-BC60-C59159A6A2A7}" sibTransId="{6BABDCB0-4536-4E3D-BAA5-5DEA82F98877}"/>
+    <dgm:cxn modelId="{478E1F4D-8ACF-4E33-8835-83CB550C1FF5}" srcId="{66D1C587-2652-4034-AFAE-8719EFE4E524}" destId="{42245836-A2D3-40A0-947C-88E9C2E366D9}" srcOrd="0" destOrd="0" parTransId="{125BEC4D-93F3-4B8A-BC60-C59159A6A2A7}" sibTransId="{6BABDCB0-4536-4E3D-BAA5-5DEA82F98877}"/>
     <dgm:cxn modelId="{CA2A3693-C8C7-421A-8592-74E9DB160084}" srcId="{CA53A4C1-FE39-4058-9A67-31809C5F60A4}" destId="{B2982D6A-88C7-45C6-BD49-F826B923D4DF}" srcOrd="1" destOrd="0" parTransId="{91B7F38B-1263-4DF9-93C6-14641C03CFE9}" sibTransId="{166C1078-E6D1-4867-BB21-7A56C809274A}"/>
     <dgm:cxn modelId="{787A9E9D-6FAF-4995-BF4B-D28C87094727}" type="presOf" srcId="{CA53A4C1-FE39-4058-9A67-31809C5F60A4}" destId="{458BE596-31AC-4A79-9A7E-492120C49D50}" srcOrd="0" destOrd="0" presId="urn:microsoft.com/office/officeart/2005/8/layout/vList5"/>
     <dgm:cxn modelId="{094E6A9E-8FE1-4912-9F6A-BDA112912CA1}" type="presOf" srcId="{83CD4748-D1E5-4599-A60A-E7C64C68B661}" destId="{A738DD49-35F4-4643-8EDF-5BC30D28D92D}" srcOrd="0" destOrd="0" presId="urn:microsoft.com/office/officeart/2005/8/layout/vList5"/>
     <dgm:cxn modelId="{3EDAD99E-D450-45F5-8706-061200515CBC}" type="presOf" srcId="{8588F440-1FA2-4072-BA2B-2566C2196F69}" destId="{4E4C8F81-8006-4494-A0B7-3A6CC8EEBC95}" srcOrd="0" destOrd="0" presId="urn:microsoft.com/office/officeart/2005/8/layout/vList5"/>
-    <dgm:cxn modelId="{3B4B78A3-5D45-4D3C-99EF-FCD29B0684F7}" type="presOf" srcId="{42245836-A2D3-40A0-947C-88E9C2E366D9}" destId="{8C75B658-4737-4BC3-8EE6-8C728F7A1088}" srcOrd="0" destOrd="0" presId="urn:microsoft.com/office/officeart/2005/8/layout/vList5"/>
+    <dgm:cxn modelId="{D3749BAC-5BD2-4E12-9CC5-2CC8F3A1E2F3}" type="presOf" srcId="{42245836-A2D3-40A0-947C-88E9C2E366D9}" destId="{CF929E9B-F217-4EAC-93D3-28DFA1E5EB03}" srcOrd="0" destOrd="0" presId="urn:microsoft.com/office/officeart/2005/8/layout/vList5"/>
     <dgm:cxn modelId="{65912DBB-9A8C-499B-9260-8C4C202198FC}" type="presOf" srcId="{66D1C587-2652-4034-AFAE-8719EFE4E524}" destId="{76A95BC2-6B17-43A5-823B-9DE2906F12B6}" srcOrd="0" destOrd="0" presId="urn:microsoft.com/office/officeart/2005/8/layout/vList5"/>
     <dgm:cxn modelId="{4A769DD0-93B4-4A88-97B9-CF6ABA8D999A}" type="presOf" srcId="{B2982D6A-88C7-45C6-BD49-F826B923D4DF}" destId="{D6970A3A-31CF-4B1B-B6A6-17AF4E56A8C8}" srcOrd="0" destOrd="0" presId="urn:microsoft.com/office/officeart/2005/8/layout/vList5"/>
     <dgm:cxn modelId="{FE3380A5-3EA2-4FB4-A23A-997292FC641C}" type="presParOf" srcId="{458BE596-31AC-4A79-9A7E-492120C49D50}" destId="{4FBBE86D-5565-4A78-ADD1-9674F65FFD2F}" srcOrd="0" destOrd="0" presId="urn:microsoft.com/office/officeart/2005/8/layout/vList5"/>
@@ -1939,9 +1961,7 @@
     <dgm:cxn modelId="{9DAC47C7-A259-483D-B878-2615A8E2FA77}" type="presParOf" srcId="{458BE596-31AC-4A79-9A7E-492120C49D50}" destId="{B22110C5-0796-4F1A-8AFC-2C98C2C7E4C0}" srcOrd="3" destOrd="0" presId="urn:microsoft.com/office/officeart/2005/8/layout/vList5"/>
     <dgm:cxn modelId="{4C8A0A1A-CF65-449F-90A5-99CF3141F983}" type="presParOf" srcId="{458BE596-31AC-4A79-9A7E-492120C49D50}" destId="{38B1F882-616A-455B-9354-2B100D8C2D42}" srcOrd="4" destOrd="0" presId="urn:microsoft.com/office/officeart/2005/8/layout/vList5"/>
     <dgm:cxn modelId="{800B86C3-60D0-4CC7-9644-BAD5F3275225}" type="presParOf" srcId="{38B1F882-616A-455B-9354-2B100D8C2D42}" destId="{76A95BC2-6B17-43A5-823B-9DE2906F12B6}" srcOrd="0" destOrd="0" presId="urn:microsoft.com/office/officeart/2005/8/layout/vList5"/>
-    <dgm:cxn modelId="{2431BBD1-EF2B-489A-8EC8-4D3772D7D751}" type="presParOf" srcId="{458BE596-31AC-4A79-9A7E-492120C49D50}" destId="{2A21A93E-6E50-467E-A00B-04F07A52B8DA}" srcOrd="5" destOrd="0" presId="urn:microsoft.com/office/officeart/2005/8/layout/vList5"/>
-    <dgm:cxn modelId="{A749A952-AD87-40D8-A8D9-79A757C4C7F8}" type="presParOf" srcId="{458BE596-31AC-4A79-9A7E-492120C49D50}" destId="{C484A1B2-B1C1-4544-8FEB-091E3D8AAF9D}" srcOrd="6" destOrd="0" presId="urn:microsoft.com/office/officeart/2005/8/layout/vList5"/>
-    <dgm:cxn modelId="{3144F0FA-3237-4D93-89BC-3AEB93446CC5}" type="presParOf" srcId="{C484A1B2-B1C1-4544-8FEB-091E3D8AAF9D}" destId="{8C75B658-4737-4BC3-8EE6-8C728F7A1088}" srcOrd="0" destOrd="0" presId="urn:microsoft.com/office/officeart/2005/8/layout/vList5"/>
+    <dgm:cxn modelId="{47AB1292-9285-4739-9A66-12F3A43AA397}" type="presParOf" srcId="{38B1F882-616A-455B-9354-2B100D8C2D42}" destId="{CF929E9B-F217-4EAC-93D3-28DFA1E5EB03}" srcOrd="1" destOrd="0" presId="urn:microsoft.com/office/officeart/2005/8/layout/vList5"/>
   </dgm:cxnLst>
   <dgm:bg/>
   <dgm:whole/>
@@ -1957,7 +1977,7 @@
 <dgm:dataModel xmlns:dgm="http://schemas.openxmlformats.org/drawingml/2006/diagram" xmlns:a="http://schemas.openxmlformats.org/drawingml/2006/main">
   <dgm:ptLst>
     <dgm:pt modelId="{63F53F5F-D5F7-4151-B282-483BEB2FF049}" type="doc">
-      <dgm:prSet loTypeId="urn:microsoft.com/office/officeart/2005/8/layout/vList5" loCatId="list" qsTypeId="urn:microsoft.com/office/officeart/2005/8/quickstyle/simple1" qsCatId="simple" csTypeId="urn:microsoft.com/office/officeart/2005/8/colors/accent1_2" csCatId="accent1"/>
+      <dgm:prSet loTypeId="urn:microsoft.com/office/officeart/2005/8/layout/vList5" loCatId="list" qsTypeId="urn:microsoft.com/office/officeart/2005/8/quickstyle/simple1" qsCatId="simple" csTypeId="urn:microsoft.com/office/officeart/2005/8/colors/accent1_2" csCatId="accent1" phldr="1"/>
       <dgm:spPr/>
       <dgm:t>
         <a:bodyPr/>
@@ -2123,10 +2143,30 @@
         <a:lstStyle/>
         <a:p>
           <a:r>
-            <a:rPr lang="hu-HU"/>
-            <a:t>Log_Router, Log_Wireless_Router, 2db Cellphone, 2db PC</a:t>
+            <a:rPr lang="hu-HU" dirty="0" err="1"/>
+            <a:t>Log_Router</a:t>
           </a:r>
-          <a:endParaRPr lang="en-US"/>
+          <a:r>
+            <a:rPr lang="hu-HU" dirty="0"/>
+            <a:t>, </a:t>
+          </a:r>
+          <a:r>
+            <a:rPr lang="hu-HU" dirty="0" err="1"/>
+            <a:t>Log_Wireless_Router</a:t>
+          </a:r>
+          <a:r>
+            <a:rPr lang="hu-HU" dirty="0"/>
+            <a:t>, 2db </a:t>
+          </a:r>
+          <a:r>
+            <a:rPr lang="hu-HU" dirty="0" err="1"/>
+            <a:t>Cellphone</a:t>
+          </a:r>
+          <a:r>
+            <a:rPr lang="hu-HU" dirty="0"/>
+            <a:t>, 2db PC</a:t>
+          </a:r>
+          <a:endParaRPr lang="en-US" dirty="0"/>
         </a:p>
       </dgm:t>
     </dgm:pt>
@@ -2167,7 +2207,7 @@
       <dgm:spPr/>
     </dgm:pt>
     <dgm:pt modelId="{944161E1-4E28-48F5-AC7C-BD523CDE8CF8}" type="pres">
-      <dgm:prSet presAssocID="{E7F0730B-3629-4AFB-9389-D9E5F1E5622D}" presName="parentText" presStyleLbl="node1" presStyleIdx="0" presStyleCnt="4">
+      <dgm:prSet presAssocID="{E7F0730B-3629-4AFB-9389-D9E5F1E5622D}" presName="parentText" presStyleLbl="node1" presStyleIdx="0" presStyleCnt="3">
         <dgm:presLayoutVars>
           <dgm:chMax val="1"/>
           <dgm:bulletEnabled val="1"/>
@@ -2176,7 +2216,7 @@
       <dgm:spPr/>
     </dgm:pt>
     <dgm:pt modelId="{E54D32CE-981A-4281-8767-1E0A6D274FB7}" type="pres">
-      <dgm:prSet presAssocID="{E7F0730B-3629-4AFB-9389-D9E5F1E5622D}" presName="descendantText" presStyleLbl="alignAccFollowNode1" presStyleIdx="0" presStyleCnt="1">
+      <dgm:prSet presAssocID="{E7F0730B-3629-4AFB-9389-D9E5F1E5622D}" presName="descendantText" presStyleLbl="alignAccFollowNode1" presStyleIdx="0" presStyleCnt="2">
         <dgm:presLayoutVars>
           <dgm:bulletEnabled val="1"/>
         </dgm:presLayoutVars>
@@ -2192,7 +2232,7 @@
       <dgm:spPr/>
     </dgm:pt>
     <dgm:pt modelId="{11F18972-148C-485D-AE85-BD7A362A8D74}" type="pres">
-      <dgm:prSet presAssocID="{65CADDCE-B0CB-428C-9367-2368AD748C32}" presName="parentText" presStyleLbl="node1" presStyleIdx="1" presStyleCnt="4">
+      <dgm:prSet presAssocID="{65CADDCE-B0CB-428C-9367-2368AD748C32}" presName="parentText" presStyleLbl="node1" presStyleIdx="1" presStyleCnt="3">
         <dgm:presLayoutVars>
           <dgm:chMax val="1"/>
           <dgm:bulletEnabled val="1"/>
@@ -2209,7 +2249,7 @@
       <dgm:spPr/>
     </dgm:pt>
     <dgm:pt modelId="{1FBABD6B-847A-4CB6-982F-279F62B1E064}" type="pres">
-      <dgm:prSet presAssocID="{3E285F62-FD6A-4A84-A006-AF9B6165A74B}" presName="parentText" presStyleLbl="node1" presStyleIdx="2" presStyleCnt="4">
+      <dgm:prSet presAssocID="{3E285F62-FD6A-4A84-A006-AF9B6165A74B}" presName="parentText" presStyleLbl="node1" presStyleIdx="2" presStyleCnt="3">
         <dgm:presLayoutVars>
           <dgm:chMax val="1"/>
           <dgm:bulletEnabled val="1"/>
@@ -2217,18 +2257,9 @@
       </dgm:prSet>
       <dgm:spPr/>
     </dgm:pt>
-    <dgm:pt modelId="{0092DA38-ACB2-4005-B77F-17115A114E23}" type="pres">
-      <dgm:prSet presAssocID="{0F9D07DA-1F6B-42C9-88DB-1F02ECBCC054}" presName="sp" presStyleCnt="0"/>
-      <dgm:spPr/>
-    </dgm:pt>
-    <dgm:pt modelId="{A09DA63E-107C-4311-A29F-BFF17E284528}" type="pres">
-      <dgm:prSet presAssocID="{E0A9B550-152E-480A-98E6-C3A56156C7FD}" presName="linNode" presStyleCnt="0"/>
-      <dgm:spPr/>
-    </dgm:pt>
-    <dgm:pt modelId="{B0451195-755D-4A2D-8F51-8E1589D72765}" type="pres">
-      <dgm:prSet presAssocID="{E0A9B550-152E-480A-98E6-C3A56156C7FD}" presName="parentText" presStyleLbl="node1" presStyleIdx="3" presStyleCnt="4">
+    <dgm:pt modelId="{B6356316-9770-4BC4-89B8-35AB588BFF87}" type="pres">
+      <dgm:prSet presAssocID="{3E285F62-FD6A-4A84-A006-AF9B6165A74B}" presName="descendantText" presStyleLbl="alignAccFollowNode1" presStyleIdx="1" presStyleCnt="2">
         <dgm:presLayoutVars>
-          <dgm:chMax val="1"/>
           <dgm:bulletEnabled val="1"/>
         </dgm:presLayoutVars>
       </dgm:prSet>
@@ -2237,6 +2268,7 @@
   </dgm:ptLst>
   <dgm:cxnLst>
     <dgm:cxn modelId="{09F5820F-F85B-4505-9998-B5EA06C2E718}" type="presOf" srcId="{63F53F5F-D5F7-4151-B282-483BEB2FF049}" destId="{E325C05C-1326-4684-BB46-65E3CE85D763}" srcOrd="0" destOrd="0" presId="urn:microsoft.com/office/officeart/2005/8/layout/vList5"/>
+    <dgm:cxn modelId="{34242F1E-F3D8-439B-8BDC-93217FD1B9CC}" type="presOf" srcId="{E0A9B550-152E-480A-98E6-C3A56156C7FD}" destId="{B6356316-9770-4BC4-89B8-35AB588BFF87}" srcOrd="0" destOrd="0" presId="urn:microsoft.com/office/officeart/2005/8/layout/vList5"/>
     <dgm:cxn modelId="{11EAD720-AD6A-48AF-9ADF-95E501626B07}" srcId="{63F53F5F-D5F7-4151-B282-483BEB2FF049}" destId="{3E285F62-FD6A-4A84-A006-AF9B6165A74B}" srcOrd="2" destOrd="0" parTransId="{010A52CF-ACB3-4045-9521-E5DAC6E1E8C4}" sibTransId="{0F9D07DA-1F6B-42C9-88DB-1F02ECBCC054}"/>
     <dgm:cxn modelId="{79F7A729-B79B-4C91-98E8-C6C22D811C4F}" type="presOf" srcId="{E7F0730B-3629-4AFB-9389-D9E5F1E5622D}" destId="{944161E1-4E28-48F5-AC7C-BD523CDE8CF8}" srcOrd="0" destOrd="0" presId="urn:microsoft.com/office/officeart/2005/8/layout/vList5"/>
     <dgm:cxn modelId="{B248F465-2D30-4299-9F66-FBE7555629C5}" srcId="{E7F0730B-3629-4AFB-9389-D9E5F1E5622D}" destId="{B44FA057-785E-47B9-88C1-089CF9770F85}" srcOrd="0" destOrd="0" parTransId="{CEDC4035-9B18-4C71-BC47-7EFD129168EF}" sibTransId="{E849438D-C767-4319-B6D4-1E1EDA56031A}"/>
@@ -2244,8 +2276,7 @@
     <dgm:cxn modelId="{DEB72E70-CE9E-4B8D-A7A9-281B867B31CE}" type="presOf" srcId="{3E285F62-FD6A-4A84-A006-AF9B6165A74B}" destId="{1FBABD6B-847A-4CB6-982F-279F62B1E064}" srcOrd="0" destOrd="0" presId="urn:microsoft.com/office/officeart/2005/8/layout/vList5"/>
     <dgm:cxn modelId="{E063FAA0-336D-4FA6-BF3A-09A92FA9FF0E}" type="presOf" srcId="{65CADDCE-B0CB-428C-9367-2368AD748C32}" destId="{11F18972-148C-485D-AE85-BD7A362A8D74}" srcOrd="0" destOrd="0" presId="urn:microsoft.com/office/officeart/2005/8/layout/vList5"/>
     <dgm:cxn modelId="{2854E6A6-20D2-4949-AB96-853D27DC9FEA}" srcId="{63F53F5F-D5F7-4151-B282-483BEB2FF049}" destId="{E7F0730B-3629-4AFB-9389-D9E5F1E5622D}" srcOrd="0" destOrd="0" parTransId="{494DF7B8-4D25-4492-8AD3-6E8C7C1A6474}" sibTransId="{D220AA97-0D56-452F-8439-3E7816FF099C}"/>
-    <dgm:cxn modelId="{1317CBC4-DA11-4F5C-A1E6-BFE22064D36D}" type="presOf" srcId="{E0A9B550-152E-480A-98E6-C3A56156C7FD}" destId="{B0451195-755D-4A2D-8F51-8E1589D72765}" srcOrd="0" destOrd="0" presId="urn:microsoft.com/office/officeart/2005/8/layout/vList5"/>
-    <dgm:cxn modelId="{F3F193DA-26D9-4329-B1C1-47EAA7B312EE}" srcId="{63F53F5F-D5F7-4151-B282-483BEB2FF049}" destId="{E0A9B550-152E-480A-98E6-C3A56156C7FD}" srcOrd="3" destOrd="0" parTransId="{841DB5BE-B2B5-4955-A187-6935119B346B}" sibTransId="{B83B1AE6-BDD8-4D90-8431-FC2ABF97275F}"/>
+    <dgm:cxn modelId="{F3F193DA-26D9-4329-B1C1-47EAA7B312EE}" srcId="{3E285F62-FD6A-4A84-A006-AF9B6165A74B}" destId="{E0A9B550-152E-480A-98E6-C3A56156C7FD}" srcOrd="0" destOrd="0" parTransId="{841DB5BE-B2B5-4955-A187-6935119B346B}" sibTransId="{B83B1AE6-BDD8-4D90-8431-FC2ABF97275F}"/>
     <dgm:cxn modelId="{E0FD13F4-A69B-4362-B4C9-F15BE9D462CA}" srcId="{63F53F5F-D5F7-4151-B282-483BEB2FF049}" destId="{65CADDCE-B0CB-428C-9367-2368AD748C32}" srcOrd="1" destOrd="0" parTransId="{136BC13D-5734-4CE3-8DCE-4EB4C239FA6F}" sibTransId="{002688C3-D57B-4CD9-998D-AFD1B56687EB}"/>
     <dgm:cxn modelId="{34678003-56B6-421E-AD57-7EB42891F463}" type="presParOf" srcId="{E325C05C-1326-4684-BB46-65E3CE85D763}" destId="{9C061474-4DD8-498B-AF68-0A8C7C354885}" srcOrd="0" destOrd="0" presId="urn:microsoft.com/office/officeart/2005/8/layout/vList5"/>
     <dgm:cxn modelId="{7EC66123-A902-4E25-9AE1-5E7D949BA806}" type="presParOf" srcId="{9C061474-4DD8-498B-AF68-0A8C7C354885}" destId="{944161E1-4E28-48F5-AC7C-BD523CDE8CF8}" srcOrd="0" destOrd="0" presId="urn:microsoft.com/office/officeart/2005/8/layout/vList5"/>
@@ -2256,9 +2287,7 @@
     <dgm:cxn modelId="{0BB2E355-4AE6-419B-93FE-1CAA4F10B4AB}" type="presParOf" srcId="{E325C05C-1326-4684-BB46-65E3CE85D763}" destId="{7CCFB351-7DA5-45CD-9A32-6B0733430E5B}" srcOrd="3" destOrd="0" presId="urn:microsoft.com/office/officeart/2005/8/layout/vList5"/>
     <dgm:cxn modelId="{2945BEE7-AA1D-4795-A44A-838E3ED45D43}" type="presParOf" srcId="{E325C05C-1326-4684-BB46-65E3CE85D763}" destId="{83D670A1-E9A7-494F-8AD5-349A39226676}" srcOrd="4" destOrd="0" presId="urn:microsoft.com/office/officeart/2005/8/layout/vList5"/>
     <dgm:cxn modelId="{66B18B29-6806-4F79-B3B4-A5F98874125A}" type="presParOf" srcId="{83D670A1-E9A7-494F-8AD5-349A39226676}" destId="{1FBABD6B-847A-4CB6-982F-279F62B1E064}" srcOrd="0" destOrd="0" presId="urn:microsoft.com/office/officeart/2005/8/layout/vList5"/>
-    <dgm:cxn modelId="{C03E6CF3-B249-4DB0-9E23-C66F0B736232}" type="presParOf" srcId="{E325C05C-1326-4684-BB46-65E3CE85D763}" destId="{0092DA38-ACB2-4005-B77F-17115A114E23}" srcOrd="5" destOrd="0" presId="urn:microsoft.com/office/officeart/2005/8/layout/vList5"/>
-    <dgm:cxn modelId="{5034F1C1-3144-4C65-9F0E-BF226DF767B7}" type="presParOf" srcId="{E325C05C-1326-4684-BB46-65E3CE85D763}" destId="{A09DA63E-107C-4311-A29F-BFF17E284528}" srcOrd="6" destOrd="0" presId="urn:microsoft.com/office/officeart/2005/8/layout/vList5"/>
-    <dgm:cxn modelId="{101DA0FC-53F4-44D2-8EA7-CCCABCBB59CD}" type="presParOf" srcId="{A09DA63E-107C-4311-A29F-BFF17E284528}" destId="{B0451195-755D-4A2D-8F51-8E1589D72765}" srcOrd="0" destOrd="0" presId="urn:microsoft.com/office/officeart/2005/8/layout/vList5"/>
+    <dgm:cxn modelId="{62BD7706-8497-4F96-BD98-53CC9AB1D65B}" type="presParOf" srcId="{83D670A1-E9A7-494F-8AD5-349A39226676}" destId="{B6356316-9770-4BC4-89B8-35AB588BFF87}" srcOrd="1" destOrd="0" presId="urn:microsoft.com/office/officeart/2005/8/layout/vList5"/>
   </dgm:cxnLst>
   <dgm:bg/>
   <dgm:whole/>
@@ -2285,8 +2314,8 @@
       </dsp:nvSpPr>
       <dsp:spPr>
         <a:xfrm rot="5400000">
-          <a:off x="6649744" y="-2822655"/>
-          <a:ext cx="781626" cy="6626407"/>
+          <a:off x="6517359" y="-2657224"/>
+          <a:ext cx="1046396" cy="6626407"/>
         </a:xfrm>
         <a:prstGeom prst="round2SameRect">
           <a:avLst/>
@@ -2329,12 +2358,12 @@
         <a:fontRef idx="minor"/>
       </dsp:style>
       <dsp:txBody>
-        <a:bodyPr spcFirstLastPara="0" vert="horz" wrap="square" lIns="102870" tIns="51435" rIns="102870" bIns="51435" numCol="1" spcCol="1270" anchor="ctr" anchorCtr="0">
+        <a:bodyPr spcFirstLastPara="0" vert="horz" wrap="square" lIns="80010" tIns="40005" rIns="80010" bIns="40005" numCol="1" spcCol="1270" anchor="ctr" anchorCtr="0">
           <a:noAutofit/>
         </a:bodyPr>
         <a:lstStyle/>
         <a:p>
-          <a:pPr marL="228600" lvl="1" indent="-228600" algn="l" defTabSz="1200150">
+          <a:pPr marL="228600" lvl="1" indent="-228600" algn="l" defTabSz="933450">
             <a:lnSpc>
               <a:spcPct val="90000"/>
             </a:lnSpc>
@@ -2347,23 +2376,23 @@
             <a:buChar char="•"/>
           </a:pPr>
           <a:r>
-            <a:rPr lang="hu-HU" sz="2700" kern="1200" dirty="0"/>
+            <a:rPr lang="hu-HU" sz="2100" kern="1200" dirty="0"/>
             <a:t>4 ügyfélszolgálati munkatárs (</a:t>
           </a:r>
           <a:r>
-            <a:rPr lang="hu-HU" sz="2700" kern="1200" dirty="0" err="1"/>
+            <a:rPr lang="hu-HU" sz="2100" kern="1200" dirty="0" err="1"/>
             <a:t>call</a:t>
           </a:r>
           <a:r>
-            <a:rPr lang="hu-HU" sz="2700" kern="1200" dirty="0"/>
+            <a:rPr lang="hu-HU" sz="2100" kern="1200" dirty="0"/>
             <a:t> center)</a:t>
           </a:r>
-          <a:endParaRPr lang="en-US" sz="2700" kern="1200" dirty="0"/>
+          <a:endParaRPr lang="en-US" sz="2100" kern="1200" dirty="0"/>
         </a:p>
       </dsp:txBody>
       <dsp:txXfrm rot="-5400000">
-        <a:off x="3727354" y="137891"/>
-        <a:ext cx="6588251" cy="705314"/>
+        <a:off x="3727354" y="183862"/>
+        <a:ext cx="6575326" cy="944234"/>
       </dsp:txXfrm>
     </dsp:sp>
     <dsp:sp modelId="{A738DD49-35F4-4643-8EDF-5BC30D28D92D}">
@@ -2373,8 +2402,8 @@
       </dsp:nvSpPr>
       <dsp:spPr>
         <a:xfrm>
-          <a:off x="0" y="2031"/>
-          <a:ext cx="3727354" cy="977033"/>
+          <a:off x="0" y="1981"/>
+          <a:ext cx="3727354" cy="1307995"/>
         </a:xfrm>
         <a:prstGeom prst="roundRect">
           <a:avLst/>
@@ -2415,12 +2444,12 @@
         </a:fontRef>
       </dsp:style>
       <dsp:txBody>
-        <a:bodyPr spcFirstLastPara="0" vert="horz" wrap="square" lIns="60960" tIns="30480" rIns="60960" bIns="30480" numCol="1" spcCol="1270" anchor="ctr" anchorCtr="0">
+        <a:bodyPr spcFirstLastPara="0" vert="horz" wrap="square" lIns="133350" tIns="66675" rIns="133350" bIns="66675" numCol="1" spcCol="1270" anchor="ctr" anchorCtr="0">
           <a:noAutofit/>
         </a:bodyPr>
         <a:lstStyle/>
         <a:p>
-          <a:pPr marL="0" lvl="0" indent="0" algn="ctr" defTabSz="711200">
+          <a:pPr marL="0" lvl="0" indent="0" algn="ctr" defTabSz="1555750">
             <a:lnSpc>
               <a:spcPct val="90000"/>
             </a:lnSpc>
@@ -2433,15 +2462,15 @@
             <a:buNone/>
           </a:pPr>
           <a:r>
-            <a:rPr lang="hu-HU" sz="1600" kern="1200"/>
+            <a:rPr lang="hu-HU" sz="3500" kern="1200"/>
             <a:t>Munkaerő összetétel:</a:t>
           </a:r>
-          <a:endParaRPr lang="en-US" sz="1600" kern="1200"/>
+          <a:endParaRPr lang="en-US" sz="3500" kern="1200"/>
         </a:p>
       </dsp:txBody>
       <dsp:txXfrm>
-        <a:off x="47695" y="49726"/>
-        <a:ext cx="3631964" cy="881643"/>
+        <a:off x="63851" y="65832"/>
+        <a:ext cx="3599652" cy="1180293"/>
       </dsp:txXfrm>
     </dsp:sp>
     <dsp:sp modelId="{D6970A3A-31CF-4B1B-B6A6-17AF4E56A8C8}">
@@ -2451,8 +2480,8 @@
       </dsp:nvSpPr>
       <dsp:spPr>
         <a:xfrm>
-          <a:off x="0" y="1027916"/>
-          <a:ext cx="3727354" cy="977033"/>
+          <a:off x="0" y="1375377"/>
+          <a:ext cx="3727354" cy="1307995"/>
         </a:xfrm>
         <a:prstGeom prst="roundRect">
           <a:avLst/>
@@ -2493,12 +2522,12 @@
         </a:fontRef>
       </dsp:style>
       <dsp:txBody>
-        <a:bodyPr spcFirstLastPara="0" vert="horz" wrap="square" lIns="60960" tIns="30480" rIns="60960" bIns="30480" numCol="1" spcCol="1270" anchor="ctr" anchorCtr="0">
+        <a:bodyPr spcFirstLastPara="0" vert="horz" wrap="square" lIns="133350" tIns="66675" rIns="133350" bIns="66675" numCol="1" spcCol="1270" anchor="ctr" anchorCtr="0">
           <a:noAutofit/>
         </a:bodyPr>
         <a:lstStyle/>
         <a:p>
-          <a:pPr marL="0" lvl="0" indent="0" algn="ctr" defTabSz="711200">
+          <a:pPr marL="0" lvl="0" indent="0" algn="ctr" defTabSz="1555750">
             <a:lnSpc>
               <a:spcPct val="90000"/>
             </a:lnSpc>
@@ -2511,194 +2540,26 @@
             <a:buNone/>
           </a:pPr>
           <a:r>
-            <a:rPr lang="hu-HU" sz="1600" kern="1200"/>
+            <a:rPr lang="hu-HU" sz="3500" kern="1200"/>
             <a:t>Infrastruktúrája: 1 helyiség</a:t>
           </a:r>
-          <a:endParaRPr lang="en-US" sz="1600" kern="1200"/>
+          <a:endParaRPr lang="en-US" sz="3500" kern="1200"/>
         </a:p>
       </dsp:txBody>
       <dsp:txXfrm>
-        <a:off x="47695" y="1075611"/>
-        <a:ext cx="3631964" cy="881643"/>
+        <a:off x="63851" y="1439228"/>
+        <a:ext cx="3599652" cy="1180293"/>
       </dsp:txXfrm>
     </dsp:sp>
-    <dsp:sp modelId="{76A95BC2-6B17-43A5-823B-9DE2906F12B6}">
-      <dsp:nvSpPr>
-        <dsp:cNvPr id="0" name=""/>
-        <dsp:cNvSpPr/>
-      </dsp:nvSpPr>
-      <dsp:spPr>
-        <a:xfrm>
-          <a:off x="0" y="2053801"/>
-          <a:ext cx="3727354" cy="977033"/>
-        </a:xfrm>
-        <a:prstGeom prst="roundRect">
-          <a:avLst/>
-        </a:prstGeom>
-        <a:solidFill>
-          <a:schemeClr val="accent1">
-            <a:hueOff val="0"/>
-            <a:satOff val="0"/>
-            <a:lumOff val="0"/>
-            <a:alphaOff val="0"/>
-          </a:schemeClr>
-        </a:solidFill>
-        <a:ln w="15875" cap="rnd" cmpd="sng" algn="ctr">
-          <a:solidFill>
-            <a:schemeClr val="lt1">
-              <a:hueOff val="0"/>
-              <a:satOff val="0"/>
-              <a:lumOff val="0"/>
-              <a:alphaOff val="0"/>
-            </a:schemeClr>
-          </a:solidFill>
-          <a:prstDash val="solid"/>
-        </a:ln>
-        <a:effectLst/>
-      </dsp:spPr>
-      <dsp:style>
-        <a:lnRef idx="2">
-          <a:scrgbClr r="0" g="0" b="0"/>
-        </a:lnRef>
-        <a:fillRef idx="1">
-          <a:scrgbClr r="0" g="0" b="0"/>
-        </a:fillRef>
-        <a:effectRef idx="0">
-          <a:scrgbClr r="0" g="0" b="0"/>
-        </a:effectRef>
-        <a:fontRef idx="minor">
-          <a:schemeClr val="lt1"/>
-        </a:fontRef>
-      </dsp:style>
-      <dsp:txBody>
-        <a:bodyPr spcFirstLastPara="0" vert="horz" wrap="square" lIns="60960" tIns="30480" rIns="60960" bIns="30480" numCol="1" spcCol="1270" anchor="ctr" anchorCtr="0">
-          <a:noAutofit/>
-        </a:bodyPr>
-        <a:lstStyle/>
-        <a:p>
-          <a:pPr marL="0" lvl="0" indent="0" algn="ctr" defTabSz="711200">
-            <a:lnSpc>
-              <a:spcPct val="90000"/>
-            </a:lnSpc>
-            <a:spcBef>
-              <a:spcPct val="0"/>
-            </a:spcBef>
-            <a:spcAft>
-              <a:spcPct val="35000"/>
-            </a:spcAft>
-            <a:buNone/>
-          </a:pPr>
-          <a:r>
-            <a:rPr lang="hu-HU" sz="1600" kern="1200"/>
-            <a:t>Eszközök:</a:t>
-          </a:r>
-          <a:endParaRPr lang="en-US" sz="1600" kern="1200"/>
-        </a:p>
-      </dsp:txBody>
-      <dsp:txXfrm>
-        <a:off x="47695" y="2101496"/>
-        <a:ext cx="3631964" cy="881643"/>
-      </dsp:txXfrm>
-    </dsp:sp>
-    <dsp:sp modelId="{8C75B658-4737-4BC3-8EE6-8C728F7A1088}">
-      <dsp:nvSpPr>
-        <dsp:cNvPr id="0" name=""/>
-        <dsp:cNvSpPr/>
-      </dsp:nvSpPr>
-      <dsp:spPr>
-        <a:xfrm>
-          <a:off x="0" y="3079686"/>
-          <a:ext cx="3727354" cy="977033"/>
-        </a:xfrm>
-        <a:prstGeom prst="roundRect">
-          <a:avLst/>
-        </a:prstGeom>
-        <a:solidFill>
-          <a:schemeClr val="accent1">
-            <a:hueOff val="0"/>
-            <a:satOff val="0"/>
-            <a:lumOff val="0"/>
-            <a:alphaOff val="0"/>
-          </a:schemeClr>
-        </a:solidFill>
-        <a:ln w="15875" cap="rnd" cmpd="sng" algn="ctr">
-          <a:solidFill>
-            <a:schemeClr val="lt1">
-              <a:hueOff val="0"/>
-              <a:satOff val="0"/>
-              <a:lumOff val="0"/>
-              <a:alphaOff val="0"/>
-            </a:schemeClr>
-          </a:solidFill>
-          <a:prstDash val="solid"/>
-        </a:ln>
-        <a:effectLst/>
-      </dsp:spPr>
-      <dsp:style>
-        <a:lnRef idx="2">
-          <a:scrgbClr r="0" g="0" b="0"/>
-        </a:lnRef>
-        <a:fillRef idx="1">
-          <a:scrgbClr r="0" g="0" b="0"/>
-        </a:fillRef>
-        <a:effectRef idx="0">
-          <a:scrgbClr r="0" g="0" b="0"/>
-        </a:effectRef>
-        <a:fontRef idx="minor">
-          <a:schemeClr val="lt1"/>
-        </a:fontRef>
-      </dsp:style>
-      <dsp:txBody>
-        <a:bodyPr spcFirstLastPara="0" vert="horz" wrap="square" lIns="60960" tIns="30480" rIns="60960" bIns="30480" numCol="1" spcCol="1270" anchor="ctr" anchorCtr="0">
-          <a:noAutofit/>
-        </a:bodyPr>
-        <a:lstStyle/>
-        <a:p>
-          <a:pPr marL="0" lvl="0" indent="0" algn="ctr" defTabSz="711200">
-            <a:lnSpc>
-              <a:spcPct val="90000"/>
-            </a:lnSpc>
-            <a:spcBef>
-              <a:spcPct val="0"/>
-            </a:spcBef>
-            <a:spcAft>
-              <a:spcPct val="35000"/>
-            </a:spcAft>
-            <a:buNone/>
-          </a:pPr>
-          <a:r>
-            <a:rPr lang="hu-HU" sz="1600" kern="1200"/>
-            <a:t>CoSer_Router, CoSer_SW1, CoSer_SW2, CoSer_Wireless_Router, CoSer_Printer, 2db Cellphone, 4db PC. </a:t>
-          </a:r>
-          <a:endParaRPr lang="en-US" sz="1600" kern="1200"/>
-        </a:p>
-      </dsp:txBody>
-      <dsp:txXfrm>
-        <a:off x="47695" y="3127381"/>
-        <a:ext cx="3631964" cy="881643"/>
-      </dsp:txXfrm>
-    </dsp:sp>
-  </dsp:spTree>
-</dsp:drawing>
-</file>
-
-<file path=ppt/diagrams/drawing2.xml><?xml version="1.0" encoding="utf-8"?>
-<dsp:drawing xmlns:dgm="http://schemas.openxmlformats.org/drawingml/2006/diagram" xmlns:dsp="http://schemas.microsoft.com/office/drawing/2008/diagram" xmlns:a="http://schemas.openxmlformats.org/drawingml/2006/main">
-  <dsp:spTree>
-    <dsp:nvGrpSpPr>
-      <dsp:cNvPr id="0" name=""/>
-      <dsp:cNvGrpSpPr/>
-    </dsp:nvGrpSpPr>
-    <dsp:grpSpPr/>
-    <dsp:sp modelId="{E54D32CE-981A-4281-8767-1E0A6D274FB7}">
+    <dsp:sp modelId="{CF929E9B-F217-4EAC-93D3-28DFA1E5EB03}">
       <dsp:nvSpPr>
         <dsp:cNvPr id="0" name=""/>
         <dsp:cNvSpPr/>
       </dsp:nvSpPr>
       <dsp:spPr>
         <a:xfrm rot="5400000">
-          <a:off x="6649744" y="-2822655"/>
-          <a:ext cx="781626" cy="6626407"/>
+          <a:off x="6517359" y="89567"/>
+          <a:ext cx="1046396" cy="6626407"/>
         </a:xfrm>
         <a:prstGeom prst="round2SameRect">
           <a:avLst/>
@@ -2741,12 +2602,12 @@
         <a:fontRef idx="minor"/>
       </dsp:style>
       <dsp:txBody>
-        <a:bodyPr spcFirstLastPara="0" vert="horz" wrap="square" lIns="156210" tIns="78105" rIns="156210" bIns="78105" numCol="1" spcCol="1270" anchor="ctr" anchorCtr="0">
+        <a:bodyPr spcFirstLastPara="0" vert="horz" wrap="square" lIns="80010" tIns="40005" rIns="80010" bIns="40005" numCol="1" spcCol="1270" anchor="ctr" anchorCtr="0">
           <a:noAutofit/>
         </a:bodyPr>
         <a:lstStyle/>
         <a:p>
-          <a:pPr marL="285750" lvl="1" indent="-285750" algn="l" defTabSz="1822450">
+          <a:pPr marL="228600" lvl="1" indent="-228600" algn="l" defTabSz="933450">
             <a:lnSpc>
               <a:spcPct val="90000"/>
             </a:lnSpc>
@@ -2759,26 +2620,54 @@
             <a:buChar char="•"/>
           </a:pPr>
           <a:r>
-            <a:rPr lang="hu-HU" sz="4100" kern="1200"/>
-            <a:t>2 logisztikai szakember</a:t>
+            <a:rPr lang="hu-HU" sz="2100" kern="1200" dirty="0" err="1"/>
+            <a:t>CoSer_Router</a:t>
           </a:r>
-          <a:endParaRPr lang="en-US" sz="4100" kern="1200"/>
+          <a:r>
+            <a:rPr lang="hu-HU" sz="2100" kern="1200" dirty="0"/>
+            <a:t>, CoSer_SW1, CoSer_SW2, </a:t>
+          </a:r>
+          <a:r>
+            <a:rPr lang="hu-HU" sz="2100" kern="1200" dirty="0" err="1"/>
+            <a:t>CoSer_Wireless_Router</a:t>
+          </a:r>
+          <a:r>
+            <a:rPr lang="hu-HU" sz="2100" kern="1200" dirty="0"/>
+            <a:t>, </a:t>
+          </a:r>
+          <a:r>
+            <a:rPr lang="hu-HU" sz="2100" kern="1200" dirty="0" err="1"/>
+            <a:t>CoSer_Printer</a:t>
+          </a:r>
+          <a:r>
+            <a:rPr lang="hu-HU" sz="2100" kern="1200" dirty="0"/>
+            <a:t>, 2db </a:t>
+          </a:r>
+          <a:r>
+            <a:rPr lang="hu-HU" sz="2100" kern="1200" dirty="0" err="1"/>
+            <a:t>Cellphone</a:t>
+          </a:r>
+          <a:r>
+            <a:rPr lang="hu-HU" sz="2100" kern="1200" dirty="0"/>
+            <a:t>, 4db PC. </a:t>
+          </a:r>
+          <a:endParaRPr lang="en-US" sz="2100" kern="1200" dirty="0"/>
         </a:p>
       </dsp:txBody>
       <dsp:txXfrm rot="-5400000">
-        <a:off x="3727354" y="137891"/>
-        <a:ext cx="6588251" cy="705314"/>
+        <a:off x="3727354" y="2930654"/>
+        <a:ext cx="6575326" cy="944234"/>
       </dsp:txXfrm>
     </dsp:sp>
-    <dsp:sp modelId="{944161E1-4E28-48F5-AC7C-BD523CDE8CF8}">
+    <dsp:sp modelId="{76A95BC2-6B17-43A5-823B-9DE2906F12B6}">
       <dsp:nvSpPr>
         <dsp:cNvPr id="0" name=""/>
         <dsp:cNvSpPr/>
       </dsp:nvSpPr>
       <dsp:spPr>
         <a:xfrm>
-          <a:off x="0" y="2031"/>
-          <a:ext cx="3727354" cy="977033"/>
+          <a:off x="0" y="2748773"/>
+          <a:ext cx="3727354" cy="1307995"/>
         </a:xfrm>
         <a:prstGeom prst="roundRect">
           <a:avLst/>
@@ -2819,12 +2708,12 @@
         </a:fontRef>
       </dsp:style>
       <dsp:txBody>
-        <a:bodyPr spcFirstLastPara="0" vert="horz" wrap="square" lIns="76200" tIns="38100" rIns="76200" bIns="38100" numCol="1" spcCol="1270" anchor="ctr" anchorCtr="0">
+        <a:bodyPr spcFirstLastPara="0" vert="horz" wrap="square" lIns="133350" tIns="66675" rIns="133350" bIns="66675" numCol="1" spcCol="1270" anchor="ctr" anchorCtr="0">
           <a:noAutofit/>
         </a:bodyPr>
         <a:lstStyle/>
         <a:p>
-          <a:pPr marL="0" lvl="0" indent="0" algn="ctr" defTabSz="889000">
+          <a:pPr marL="0" lvl="0" indent="0" algn="ctr" defTabSz="1555750">
             <a:lnSpc>
               <a:spcPct val="90000"/>
             </a:lnSpc>
@@ -2837,26 +2726,118 @@
             <a:buNone/>
           </a:pPr>
           <a:r>
-            <a:rPr lang="hu-HU" sz="2000" kern="1200"/>
-            <a:t>Munkaerő összetétel:</a:t>
+            <a:rPr lang="hu-HU" sz="3500" kern="1200"/>
+            <a:t>Eszközök:</a:t>
           </a:r>
-          <a:endParaRPr lang="en-US" sz="2000" kern="1200"/>
+          <a:endParaRPr lang="en-US" sz="3500" kern="1200"/>
         </a:p>
       </dsp:txBody>
       <dsp:txXfrm>
-        <a:off x="47695" y="49726"/>
-        <a:ext cx="3631964" cy="881643"/>
+        <a:off x="63851" y="2812624"/>
+        <a:ext cx="3599652" cy="1180293"/>
       </dsp:txXfrm>
     </dsp:sp>
-    <dsp:sp modelId="{11F18972-148C-485D-AE85-BD7A362A8D74}">
+  </dsp:spTree>
+</dsp:drawing>
+</file>
+
+<file path=ppt/diagrams/drawing2.xml><?xml version="1.0" encoding="utf-8"?>
+<dsp:drawing xmlns:dgm="http://schemas.openxmlformats.org/drawingml/2006/diagram" xmlns:dsp="http://schemas.microsoft.com/office/drawing/2008/diagram" xmlns:a="http://schemas.openxmlformats.org/drawingml/2006/main">
+  <dsp:spTree>
+    <dsp:nvGrpSpPr>
+      <dsp:cNvPr id="0" name=""/>
+      <dsp:cNvGrpSpPr/>
+    </dsp:nvGrpSpPr>
+    <dsp:grpSpPr/>
+    <dsp:sp modelId="{E54D32CE-981A-4281-8767-1E0A6D274FB7}">
+      <dsp:nvSpPr>
+        <dsp:cNvPr id="0" name=""/>
+        <dsp:cNvSpPr/>
+      </dsp:nvSpPr>
+      <dsp:spPr>
+        <a:xfrm rot="5400000">
+          <a:off x="6517359" y="-2657224"/>
+          <a:ext cx="1046396" cy="6626407"/>
+        </a:xfrm>
+        <a:prstGeom prst="round2SameRect">
+          <a:avLst/>
+        </a:prstGeom>
+        <a:solidFill>
+          <a:schemeClr val="accent1">
+            <a:alpha val="90000"/>
+            <a:tint val="40000"/>
+            <a:hueOff val="0"/>
+            <a:satOff val="0"/>
+            <a:lumOff val="0"/>
+            <a:alphaOff val="0"/>
+          </a:schemeClr>
+        </a:solidFill>
+        <a:ln w="15875" cap="rnd" cmpd="sng" algn="ctr">
+          <a:solidFill>
+            <a:schemeClr val="accent1">
+              <a:alpha val="90000"/>
+              <a:tint val="40000"/>
+              <a:hueOff val="0"/>
+              <a:satOff val="0"/>
+              <a:lumOff val="0"/>
+              <a:alphaOff val="0"/>
+            </a:schemeClr>
+          </a:solidFill>
+          <a:prstDash val="solid"/>
+        </a:ln>
+        <a:effectLst/>
+      </dsp:spPr>
+      <dsp:style>
+        <a:lnRef idx="2">
+          <a:scrgbClr r="0" g="0" b="0"/>
+        </a:lnRef>
+        <a:fillRef idx="1">
+          <a:scrgbClr r="0" g="0" b="0"/>
+        </a:fillRef>
+        <a:effectRef idx="0">
+          <a:scrgbClr r="0" g="0" b="0"/>
+        </a:effectRef>
+        <a:fontRef idx="minor"/>
+      </dsp:style>
+      <dsp:txBody>
+        <a:bodyPr spcFirstLastPara="0" vert="horz" wrap="square" lIns="118110" tIns="59055" rIns="118110" bIns="59055" numCol="1" spcCol="1270" anchor="ctr" anchorCtr="0">
+          <a:noAutofit/>
+        </a:bodyPr>
+        <a:lstStyle/>
+        <a:p>
+          <a:pPr marL="285750" lvl="1" indent="-285750" algn="l" defTabSz="1377950">
+            <a:lnSpc>
+              <a:spcPct val="90000"/>
+            </a:lnSpc>
+            <a:spcBef>
+              <a:spcPct val="0"/>
+            </a:spcBef>
+            <a:spcAft>
+              <a:spcPct val="15000"/>
+            </a:spcAft>
+            <a:buChar char="•"/>
+          </a:pPr>
+          <a:r>
+            <a:rPr lang="hu-HU" sz="3100" kern="1200"/>
+            <a:t>2 logisztikai szakember</a:t>
+          </a:r>
+          <a:endParaRPr lang="en-US" sz="3100" kern="1200"/>
+        </a:p>
+      </dsp:txBody>
+      <dsp:txXfrm rot="-5400000">
+        <a:off x="3727354" y="183862"/>
+        <a:ext cx="6575326" cy="944234"/>
+      </dsp:txXfrm>
+    </dsp:sp>
+    <dsp:sp modelId="{944161E1-4E28-48F5-AC7C-BD523CDE8CF8}">
       <dsp:nvSpPr>
         <dsp:cNvPr id="0" name=""/>
         <dsp:cNvSpPr/>
       </dsp:nvSpPr>
       <dsp:spPr>
         <a:xfrm>
-          <a:off x="0" y="1027916"/>
-          <a:ext cx="3727354" cy="977033"/>
+          <a:off x="0" y="1981"/>
+          <a:ext cx="3727354" cy="1307995"/>
         </a:xfrm>
         <a:prstGeom prst="roundRect">
           <a:avLst/>
@@ -2897,12 +2878,12 @@
         </a:fontRef>
       </dsp:style>
       <dsp:txBody>
-        <a:bodyPr spcFirstLastPara="0" vert="horz" wrap="square" lIns="76200" tIns="38100" rIns="76200" bIns="38100" numCol="1" spcCol="1270" anchor="ctr" anchorCtr="0">
+        <a:bodyPr spcFirstLastPara="0" vert="horz" wrap="square" lIns="133350" tIns="66675" rIns="133350" bIns="66675" numCol="1" spcCol="1270" anchor="ctr" anchorCtr="0">
           <a:noAutofit/>
         </a:bodyPr>
         <a:lstStyle/>
         <a:p>
-          <a:pPr marL="0" lvl="0" indent="0" algn="ctr" defTabSz="889000">
+          <a:pPr marL="0" lvl="0" indent="0" algn="ctr" defTabSz="1555750">
             <a:lnSpc>
               <a:spcPct val="90000"/>
             </a:lnSpc>
@@ -2915,26 +2896,26 @@
             <a:buNone/>
           </a:pPr>
           <a:r>
-            <a:rPr lang="hu-HU" sz="2000" kern="1200"/>
-            <a:t>Infrastruktúrája: 1 helyiség</a:t>
+            <a:rPr lang="hu-HU" sz="3500" kern="1200"/>
+            <a:t>Munkaerő összetétel:</a:t>
           </a:r>
-          <a:endParaRPr lang="en-US" sz="2000" kern="1200"/>
+          <a:endParaRPr lang="en-US" sz="3500" kern="1200"/>
         </a:p>
       </dsp:txBody>
       <dsp:txXfrm>
-        <a:off x="47695" y="1075611"/>
-        <a:ext cx="3631964" cy="881643"/>
+        <a:off x="63851" y="65832"/>
+        <a:ext cx="3599652" cy="1180293"/>
       </dsp:txXfrm>
     </dsp:sp>
-    <dsp:sp modelId="{1FBABD6B-847A-4CB6-982F-279F62B1E064}">
+    <dsp:sp modelId="{11F18972-148C-485D-AE85-BD7A362A8D74}">
       <dsp:nvSpPr>
         <dsp:cNvPr id="0" name=""/>
         <dsp:cNvSpPr/>
       </dsp:nvSpPr>
       <dsp:spPr>
         <a:xfrm>
-          <a:off x="0" y="2053801"/>
-          <a:ext cx="3727354" cy="977033"/>
+          <a:off x="0" y="1375377"/>
+          <a:ext cx="3727354" cy="1307995"/>
         </a:xfrm>
         <a:prstGeom prst="roundRect">
           <a:avLst/>
@@ -2975,12 +2956,12 @@
         </a:fontRef>
       </dsp:style>
       <dsp:txBody>
-        <a:bodyPr spcFirstLastPara="0" vert="horz" wrap="square" lIns="76200" tIns="38100" rIns="76200" bIns="38100" numCol="1" spcCol="1270" anchor="ctr" anchorCtr="0">
+        <a:bodyPr spcFirstLastPara="0" vert="horz" wrap="square" lIns="133350" tIns="66675" rIns="133350" bIns="66675" numCol="1" spcCol="1270" anchor="ctr" anchorCtr="0">
           <a:noAutofit/>
         </a:bodyPr>
         <a:lstStyle/>
         <a:p>
-          <a:pPr marL="0" lvl="0" indent="0" algn="ctr" defTabSz="889000">
+          <a:pPr marL="0" lvl="0" indent="0" algn="ctr" defTabSz="1555750">
             <a:lnSpc>
               <a:spcPct val="90000"/>
             </a:lnSpc>
@@ -2993,26 +2974,126 @@
             <a:buNone/>
           </a:pPr>
           <a:r>
-            <a:rPr lang="hu-HU" sz="2000" kern="1200"/>
-            <a:t>Eszközei:</a:t>
+            <a:rPr lang="hu-HU" sz="3500" kern="1200"/>
+            <a:t>Infrastruktúrája: 1 helyiség</a:t>
           </a:r>
-          <a:endParaRPr lang="en-US" sz="2000" kern="1200"/>
+          <a:endParaRPr lang="en-US" sz="3500" kern="1200"/>
         </a:p>
       </dsp:txBody>
       <dsp:txXfrm>
-        <a:off x="47695" y="2101496"/>
-        <a:ext cx="3631964" cy="881643"/>
+        <a:off x="63851" y="1439228"/>
+        <a:ext cx="3599652" cy="1180293"/>
       </dsp:txXfrm>
     </dsp:sp>
-    <dsp:sp modelId="{B0451195-755D-4A2D-8F51-8E1589D72765}">
+    <dsp:sp modelId="{B6356316-9770-4BC4-89B8-35AB588BFF87}">
+      <dsp:nvSpPr>
+        <dsp:cNvPr id="0" name=""/>
+        <dsp:cNvSpPr/>
+      </dsp:nvSpPr>
+      <dsp:spPr>
+        <a:xfrm rot="5400000">
+          <a:off x="6517359" y="89567"/>
+          <a:ext cx="1046396" cy="6626407"/>
+        </a:xfrm>
+        <a:prstGeom prst="round2SameRect">
+          <a:avLst/>
+        </a:prstGeom>
+        <a:solidFill>
+          <a:schemeClr val="accent1">
+            <a:alpha val="90000"/>
+            <a:tint val="40000"/>
+            <a:hueOff val="0"/>
+            <a:satOff val="0"/>
+            <a:lumOff val="0"/>
+            <a:alphaOff val="0"/>
+          </a:schemeClr>
+        </a:solidFill>
+        <a:ln w="15875" cap="rnd" cmpd="sng" algn="ctr">
+          <a:solidFill>
+            <a:schemeClr val="accent1">
+              <a:alpha val="90000"/>
+              <a:tint val="40000"/>
+              <a:hueOff val="0"/>
+              <a:satOff val="0"/>
+              <a:lumOff val="0"/>
+              <a:alphaOff val="0"/>
+            </a:schemeClr>
+          </a:solidFill>
+          <a:prstDash val="solid"/>
+        </a:ln>
+        <a:effectLst/>
+      </dsp:spPr>
+      <dsp:style>
+        <a:lnRef idx="2">
+          <a:scrgbClr r="0" g="0" b="0"/>
+        </a:lnRef>
+        <a:fillRef idx="1">
+          <a:scrgbClr r="0" g="0" b="0"/>
+        </a:fillRef>
+        <a:effectRef idx="0">
+          <a:scrgbClr r="0" g="0" b="0"/>
+        </a:effectRef>
+        <a:fontRef idx="minor"/>
+      </dsp:style>
+      <dsp:txBody>
+        <a:bodyPr spcFirstLastPara="0" vert="horz" wrap="square" lIns="118110" tIns="59055" rIns="118110" bIns="59055" numCol="1" spcCol="1270" anchor="ctr" anchorCtr="0">
+          <a:noAutofit/>
+        </a:bodyPr>
+        <a:lstStyle/>
+        <a:p>
+          <a:pPr marL="285750" lvl="1" indent="-285750" algn="l" defTabSz="1377950">
+            <a:lnSpc>
+              <a:spcPct val="90000"/>
+            </a:lnSpc>
+            <a:spcBef>
+              <a:spcPct val="0"/>
+            </a:spcBef>
+            <a:spcAft>
+              <a:spcPct val="15000"/>
+            </a:spcAft>
+            <a:buChar char="•"/>
+          </a:pPr>
+          <a:r>
+            <a:rPr lang="hu-HU" sz="3100" kern="1200" dirty="0" err="1"/>
+            <a:t>Log_Router</a:t>
+          </a:r>
+          <a:r>
+            <a:rPr lang="hu-HU" sz="3100" kern="1200" dirty="0"/>
+            <a:t>, </a:t>
+          </a:r>
+          <a:r>
+            <a:rPr lang="hu-HU" sz="3100" kern="1200" dirty="0" err="1"/>
+            <a:t>Log_Wireless_Router</a:t>
+          </a:r>
+          <a:r>
+            <a:rPr lang="hu-HU" sz="3100" kern="1200" dirty="0"/>
+            <a:t>, 2db </a:t>
+          </a:r>
+          <a:r>
+            <a:rPr lang="hu-HU" sz="3100" kern="1200" dirty="0" err="1"/>
+            <a:t>Cellphone</a:t>
+          </a:r>
+          <a:r>
+            <a:rPr lang="hu-HU" sz="3100" kern="1200" dirty="0"/>
+            <a:t>, 2db PC</a:t>
+          </a:r>
+          <a:endParaRPr lang="en-US" sz="3100" kern="1200" dirty="0"/>
+        </a:p>
+      </dsp:txBody>
+      <dsp:txXfrm rot="-5400000">
+        <a:off x="3727354" y="2930654"/>
+        <a:ext cx="6575326" cy="944234"/>
+      </dsp:txXfrm>
+    </dsp:sp>
+    <dsp:sp modelId="{1FBABD6B-847A-4CB6-982F-279F62B1E064}">
       <dsp:nvSpPr>
         <dsp:cNvPr id="0" name=""/>
         <dsp:cNvSpPr/>
       </dsp:nvSpPr>
       <dsp:spPr>
         <a:xfrm>
-          <a:off x="0" y="3079686"/>
-          <a:ext cx="3727354" cy="977033"/>
+          <a:off x="0" y="2748773"/>
+          <a:ext cx="3727354" cy="1307995"/>
         </a:xfrm>
         <a:prstGeom prst="roundRect">
           <a:avLst/>
@@ -3053,12 +3134,12 @@
         </a:fontRef>
       </dsp:style>
       <dsp:txBody>
-        <a:bodyPr spcFirstLastPara="0" vert="horz" wrap="square" lIns="76200" tIns="38100" rIns="76200" bIns="38100" numCol="1" spcCol="1270" anchor="ctr" anchorCtr="0">
+        <a:bodyPr spcFirstLastPara="0" vert="horz" wrap="square" lIns="133350" tIns="66675" rIns="133350" bIns="66675" numCol="1" spcCol="1270" anchor="ctr" anchorCtr="0">
           <a:noAutofit/>
         </a:bodyPr>
         <a:lstStyle/>
         <a:p>
-          <a:pPr marL="0" lvl="0" indent="0" algn="ctr" defTabSz="889000">
+          <a:pPr marL="0" lvl="0" indent="0" algn="ctr" defTabSz="1555750">
             <a:lnSpc>
               <a:spcPct val="90000"/>
             </a:lnSpc>
@@ -3071,15 +3152,15 @@
             <a:buNone/>
           </a:pPr>
           <a:r>
-            <a:rPr lang="hu-HU" sz="2000" kern="1200"/>
-            <a:t>Log_Router, Log_Wireless_Router, 2db Cellphone, 2db PC</a:t>
+            <a:rPr lang="hu-HU" sz="3500" kern="1200"/>
+            <a:t>Eszközei:</a:t>
           </a:r>
-          <a:endParaRPr lang="en-US" sz="2000" kern="1200"/>
+          <a:endParaRPr lang="en-US" sz="3500" kern="1200"/>
         </a:p>
       </dsp:txBody>
       <dsp:txXfrm>
-        <a:off x="47695" y="3127381"/>
-        <a:ext cx="3631964" cy="881643"/>
+        <a:off x="63851" y="2812624"/>
+        <a:ext cx="3599652" cy="1180293"/>
       </dsp:txXfrm>
     </dsp:sp>
   </dsp:spTree>
@@ -5702,7 +5783,7 @@
           <a:p>
             <a:fld id="{223A1F7A-CDEC-4B62-A83D-B520E67FC462}" type="datetimeFigureOut">
               <a:rPr lang="hu-HU" smtClean="0"/>
-              <a:t>2022. 05. 23.</a:t>
+              <a:t>2022. 05. 24.</a:t>
             </a:fld>
             <a:endParaRPr lang="hu-HU"/>
           </a:p>
@@ -6013,7 +6094,10 @@
           <a:bodyPr/>
           <a:lstStyle/>
           <a:p>
-            <a:endParaRPr lang="hu-HU" dirty="0"/>
+            <a:r>
+              <a:rPr lang="hu-HU" dirty="0"/>
+              <a:t>Bence</a:t>
+            </a:r>
           </a:p>
         </p:txBody>
       </p:sp>
@@ -6044,6 +6128,90 @@
     <p:extLst>
       <p:ext uri="{BB962C8B-B14F-4D97-AF65-F5344CB8AC3E}">
         <p14:creationId xmlns:p14="http://schemas.microsoft.com/office/powerpoint/2010/main" val="4052567251"/>
+      </p:ext>
+    </p:extLst>
+  </p:cSld>
+  <p:clrMapOvr>
+    <a:masterClrMapping/>
+  </p:clrMapOvr>
+</p:notes>
+</file>
+
+<file path=ppt/notesSlides/notesSlide10.xml><?xml version="1.0" encoding="utf-8"?>
+<p:notes xmlns:a="http://schemas.openxmlformats.org/drawingml/2006/main" xmlns:r="http://schemas.openxmlformats.org/officeDocument/2006/relationships" xmlns:p="http://schemas.openxmlformats.org/presentationml/2006/main">
+  <p:cSld>
+    <p:spTree>
+      <p:nvGrpSpPr>
+        <p:cNvPr id="1" name=""/>
+        <p:cNvGrpSpPr/>
+        <p:nvPr/>
+      </p:nvGrpSpPr>
+      <p:grpSpPr>
+        <a:xfrm>
+          <a:off x="0" y="0"/>
+          <a:ext cx="0" cy="0"/>
+          <a:chOff x="0" y="0"/>
+          <a:chExt cx="0" cy="0"/>
+        </a:xfrm>
+      </p:grpSpPr>
+      <p:sp>
+        <p:nvSpPr>
+          <p:cNvPr id="2" name="Diakép helye 1"/>
+          <p:cNvSpPr>
+            <a:spLocks noGrp="1" noRot="1" noChangeAspect="1"/>
+          </p:cNvSpPr>
+          <p:nvPr>
+            <p:ph type="sldImg"/>
+          </p:nvPr>
+        </p:nvSpPr>
+        <p:spPr/>
+      </p:sp>
+      <p:sp>
+        <p:nvSpPr>
+          <p:cNvPr id="3" name="Jegyzetek helye 2"/>
+          <p:cNvSpPr>
+            <a:spLocks noGrp="1"/>
+          </p:cNvSpPr>
+          <p:nvPr>
+            <p:ph type="body" idx="1"/>
+          </p:nvPr>
+        </p:nvSpPr>
+        <p:spPr/>
+        <p:txBody>
+          <a:bodyPr/>
+          <a:lstStyle/>
+          <a:p>
+            <a:endParaRPr lang="hu-HU" dirty="0"/>
+          </a:p>
+        </p:txBody>
+      </p:sp>
+      <p:sp>
+        <p:nvSpPr>
+          <p:cNvPr id="4" name="Dia számának helye 3"/>
+          <p:cNvSpPr>
+            <a:spLocks noGrp="1"/>
+          </p:cNvSpPr>
+          <p:nvPr>
+            <p:ph type="sldNum" sz="quarter" idx="5"/>
+          </p:nvPr>
+        </p:nvSpPr>
+        <p:spPr/>
+        <p:txBody>
+          <a:bodyPr/>
+          <a:lstStyle/>
+          <a:p>
+            <a:fld id="{89E6AD75-8F3E-4C06-91A7-C98B23526456}" type="slidenum">
+              <a:rPr lang="hu-HU" smtClean="0"/>
+              <a:t>13</a:t>
+            </a:fld>
+            <a:endParaRPr lang="hu-HU"/>
+          </a:p>
+        </p:txBody>
+      </p:sp>
+    </p:spTree>
+    <p:extLst>
+      <p:ext uri="{BB962C8B-B14F-4D97-AF65-F5344CB8AC3E}">
+        <p14:creationId xmlns:p14="http://schemas.microsoft.com/office/powerpoint/2010/main" val="1449183681"/>
       </p:ext>
     </p:extLst>
   </p:cSld>
@@ -6097,7 +6265,10 @@
           <a:bodyPr/>
           <a:lstStyle/>
           <a:p>
-            <a:endParaRPr lang="hu-HU" dirty="0"/>
+            <a:r>
+              <a:rPr lang="hu-HU" dirty="0"/>
+              <a:t>Kristóf</a:t>
+            </a:r>
           </a:p>
         </p:txBody>
       </p:sp>
@@ -6181,7 +6352,10 @@
           <a:bodyPr/>
           <a:lstStyle/>
           <a:p>
-            <a:endParaRPr lang="hu-HU" dirty="0"/>
+            <a:r>
+              <a:rPr lang="hu-HU" dirty="0"/>
+              <a:t>Kristóf</a:t>
+            </a:r>
           </a:p>
         </p:txBody>
       </p:sp>
@@ -6211,7 +6385,7 @@
     </p:spTree>
     <p:extLst>
       <p:ext uri="{BB962C8B-B14F-4D97-AF65-F5344CB8AC3E}">
-        <p14:creationId xmlns:p14="http://schemas.microsoft.com/office/powerpoint/2010/main" val="3298629399"/>
+        <p14:creationId xmlns:p14="http://schemas.microsoft.com/office/powerpoint/2010/main" val="3624361510"/>
       </p:ext>
     </p:extLst>
   </p:cSld>
@@ -6265,7 +6439,10 @@
           <a:bodyPr/>
           <a:lstStyle/>
           <a:p>
-            <a:endParaRPr lang="hu-HU" dirty="0"/>
+            <a:r>
+              <a:rPr lang="hu-HU" dirty="0"/>
+              <a:t>Laci</a:t>
+            </a:r>
           </a:p>
         </p:txBody>
       </p:sp>
@@ -6295,7 +6472,439 @@
     </p:spTree>
     <p:extLst>
       <p:ext uri="{BB962C8B-B14F-4D97-AF65-F5344CB8AC3E}">
+        <p14:creationId xmlns:p14="http://schemas.microsoft.com/office/powerpoint/2010/main" val="3298629399"/>
+      </p:ext>
+    </p:extLst>
+  </p:cSld>
+  <p:clrMapOvr>
+    <a:masterClrMapping/>
+  </p:clrMapOvr>
+</p:notes>
+</file>
+
+<file path=ppt/notesSlides/notesSlide5.xml><?xml version="1.0" encoding="utf-8"?>
+<p:notes xmlns:a="http://schemas.openxmlformats.org/drawingml/2006/main" xmlns:r="http://schemas.openxmlformats.org/officeDocument/2006/relationships" xmlns:p="http://schemas.openxmlformats.org/presentationml/2006/main">
+  <p:cSld>
+    <p:spTree>
+      <p:nvGrpSpPr>
+        <p:cNvPr id="1" name=""/>
+        <p:cNvGrpSpPr/>
+        <p:nvPr/>
+      </p:nvGrpSpPr>
+      <p:grpSpPr>
+        <a:xfrm>
+          <a:off x="0" y="0"/>
+          <a:ext cx="0" cy="0"/>
+          <a:chOff x="0" y="0"/>
+          <a:chExt cx="0" cy="0"/>
+        </a:xfrm>
+      </p:grpSpPr>
+      <p:sp>
+        <p:nvSpPr>
+          <p:cNvPr id="2" name="Diakép helye 1"/>
+          <p:cNvSpPr>
+            <a:spLocks noGrp="1" noRot="1" noChangeAspect="1"/>
+          </p:cNvSpPr>
+          <p:nvPr>
+            <p:ph type="sldImg"/>
+          </p:nvPr>
+        </p:nvSpPr>
+        <p:spPr/>
+      </p:sp>
+      <p:sp>
+        <p:nvSpPr>
+          <p:cNvPr id="3" name="Jegyzetek helye 2"/>
+          <p:cNvSpPr>
+            <a:spLocks noGrp="1"/>
+          </p:cNvSpPr>
+          <p:nvPr>
+            <p:ph type="body" idx="1"/>
+          </p:nvPr>
+        </p:nvSpPr>
+        <p:spPr/>
+        <p:txBody>
+          <a:bodyPr/>
+          <a:lstStyle/>
+          <a:p>
+            <a:endParaRPr lang="hu-HU" dirty="0"/>
+          </a:p>
+        </p:txBody>
+      </p:sp>
+      <p:sp>
+        <p:nvSpPr>
+          <p:cNvPr id="4" name="Dia számának helye 3"/>
+          <p:cNvSpPr>
+            <a:spLocks noGrp="1"/>
+          </p:cNvSpPr>
+          <p:nvPr>
+            <p:ph type="sldNum" sz="quarter" idx="5"/>
+          </p:nvPr>
+        </p:nvSpPr>
+        <p:spPr/>
+        <p:txBody>
+          <a:bodyPr/>
+          <a:lstStyle/>
+          <a:p>
+            <a:fld id="{89E6AD75-8F3E-4C06-91A7-C98B23526456}" type="slidenum">
+              <a:rPr lang="hu-HU" smtClean="0"/>
+              <a:t>8</a:t>
+            </a:fld>
+            <a:endParaRPr lang="hu-HU"/>
+          </a:p>
+        </p:txBody>
+      </p:sp>
+    </p:spTree>
+    <p:extLst>
+      <p:ext uri="{BB962C8B-B14F-4D97-AF65-F5344CB8AC3E}">
         <p14:creationId xmlns:p14="http://schemas.microsoft.com/office/powerpoint/2010/main" val="2904018329"/>
+      </p:ext>
+    </p:extLst>
+  </p:cSld>
+  <p:clrMapOvr>
+    <a:masterClrMapping/>
+  </p:clrMapOvr>
+</p:notes>
+</file>
+
+<file path=ppt/notesSlides/notesSlide6.xml><?xml version="1.0" encoding="utf-8"?>
+<p:notes xmlns:a="http://schemas.openxmlformats.org/drawingml/2006/main" xmlns:r="http://schemas.openxmlformats.org/officeDocument/2006/relationships" xmlns:p="http://schemas.openxmlformats.org/presentationml/2006/main">
+  <p:cSld>
+    <p:spTree>
+      <p:nvGrpSpPr>
+        <p:cNvPr id="1" name=""/>
+        <p:cNvGrpSpPr/>
+        <p:nvPr/>
+      </p:nvGrpSpPr>
+      <p:grpSpPr>
+        <a:xfrm>
+          <a:off x="0" y="0"/>
+          <a:ext cx="0" cy="0"/>
+          <a:chOff x="0" y="0"/>
+          <a:chExt cx="0" cy="0"/>
+        </a:xfrm>
+      </p:grpSpPr>
+      <p:sp>
+        <p:nvSpPr>
+          <p:cNvPr id="2" name="Diakép helye 1"/>
+          <p:cNvSpPr>
+            <a:spLocks noGrp="1" noRot="1" noChangeAspect="1"/>
+          </p:cNvSpPr>
+          <p:nvPr>
+            <p:ph type="sldImg"/>
+          </p:nvPr>
+        </p:nvSpPr>
+        <p:spPr/>
+      </p:sp>
+      <p:sp>
+        <p:nvSpPr>
+          <p:cNvPr id="3" name="Jegyzetek helye 2"/>
+          <p:cNvSpPr>
+            <a:spLocks noGrp="1"/>
+          </p:cNvSpPr>
+          <p:nvPr>
+            <p:ph type="body" idx="1"/>
+          </p:nvPr>
+        </p:nvSpPr>
+        <p:spPr/>
+        <p:txBody>
+          <a:bodyPr/>
+          <a:lstStyle/>
+          <a:p>
+            <a:r>
+              <a:rPr lang="hu-HU" dirty="0"/>
+              <a:t>Bence</a:t>
+            </a:r>
+          </a:p>
+        </p:txBody>
+      </p:sp>
+      <p:sp>
+        <p:nvSpPr>
+          <p:cNvPr id="4" name="Dia számának helye 3"/>
+          <p:cNvSpPr>
+            <a:spLocks noGrp="1"/>
+          </p:cNvSpPr>
+          <p:nvPr>
+            <p:ph type="sldNum" sz="quarter" idx="5"/>
+          </p:nvPr>
+        </p:nvSpPr>
+        <p:spPr/>
+        <p:txBody>
+          <a:bodyPr/>
+          <a:lstStyle/>
+          <a:p>
+            <a:fld id="{89E6AD75-8F3E-4C06-91A7-C98B23526456}" type="slidenum">
+              <a:rPr lang="hu-HU" smtClean="0"/>
+              <a:t>9</a:t>
+            </a:fld>
+            <a:endParaRPr lang="hu-HU"/>
+          </a:p>
+        </p:txBody>
+      </p:sp>
+    </p:spTree>
+    <p:extLst>
+      <p:ext uri="{BB962C8B-B14F-4D97-AF65-F5344CB8AC3E}">
+        <p14:creationId xmlns:p14="http://schemas.microsoft.com/office/powerpoint/2010/main" val="2043102736"/>
+      </p:ext>
+    </p:extLst>
+  </p:cSld>
+  <p:clrMapOvr>
+    <a:masterClrMapping/>
+  </p:clrMapOvr>
+</p:notes>
+</file>
+
+<file path=ppt/notesSlides/notesSlide7.xml><?xml version="1.0" encoding="utf-8"?>
+<p:notes xmlns:a="http://schemas.openxmlformats.org/drawingml/2006/main" xmlns:r="http://schemas.openxmlformats.org/officeDocument/2006/relationships" xmlns:p="http://schemas.openxmlformats.org/presentationml/2006/main">
+  <p:cSld>
+    <p:spTree>
+      <p:nvGrpSpPr>
+        <p:cNvPr id="1" name=""/>
+        <p:cNvGrpSpPr/>
+        <p:nvPr/>
+      </p:nvGrpSpPr>
+      <p:grpSpPr>
+        <a:xfrm>
+          <a:off x="0" y="0"/>
+          <a:ext cx="0" cy="0"/>
+          <a:chOff x="0" y="0"/>
+          <a:chExt cx="0" cy="0"/>
+        </a:xfrm>
+      </p:grpSpPr>
+      <p:sp>
+        <p:nvSpPr>
+          <p:cNvPr id="2" name="Diakép helye 1"/>
+          <p:cNvSpPr>
+            <a:spLocks noGrp="1" noRot="1" noChangeAspect="1"/>
+          </p:cNvSpPr>
+          <p:nvPr>
+            <p:ph type="sldImg"/>
+          </p:nvPr>
+        </p:nvSpPr>
+        <p:spPr/>
+      </p:sp>
+      <p:sp>
+        <p:nvSpPr>
+          <p:cNvPr id="3" name="Jegyzetek helye 2"/>
+          <p:cNvSpPr>
+            <a:spLocks noGrp="1"/>
+          </p:cNvSpPr>
+          <p:nvPr>
+            <p:ph type="body" idx="1"/>
+          </p:nvPr>
+        </p:nvSpPr>
+        <p:spPr/>
+        <p:txBody>
+          <a:bodyPr/>
+          <a:lstStyle/>
+          <a:p>
+            <a:r>
+              <a:rPr lang="hu-HU" dirty="0"/>
+              <a:t>Bence</a:t>
+            </a:r>
+          </a:p>
+        </p:txBody>
+      </p:sp>
+      <p:sp>
+        <p:nvSpPr>
+          <p:cNvPr id="4" name="Dia számának helye 3"/>
+          <p:cNvSpPr>
+            <a:spLocks noGrp="1"/>
+          </p:cNvSpPr>
+          <p:nvPr>
+            <p:ph type="sldNum" sz="quarter" idx="5"/>
+          </p:nvPr>
+        </p:nvSpPr>
+        <p:spPr/>
+        <p:txBody>
+          <a:bodyPr/>
+          <a:lstStyle/>
+          <a:p>
+            <a:fld id="{89E6AD75-8F3E-4C06-91A7-C98B23526456}" type="slidenum">
+              <a:rPr lang="hu-HU" smtClean="0"/>
+              <a:t>10</a:t>
+            </a:fld>
+            <a:endParaRPr lang="hu-HU"/>
+          </a:p>
+        </p:txBody>
+      </p:sp>
+    </p:spTree>
+    <p:extLst>
+      <p:ext uri="{BB962C8B-B14F-4D97-AF65-F5344CB8AC3E}">
+        <p14:creationId xmlns:p14="http://schemas.microsoft.com/office/powerpoint/2010/main" val="4120525957"/>
+      </p:ext>
+    </p:extLst>
+  </p:cSld>
+  <p:clrMapOvr>
+    <a:masterClrMapping/>
+  </p:clrMapOvr>
+</p:notes>
+</file>
+
+<file path=ppt/notesSlides/notesSlide8.xml><?xml version="1.0" encoding="utf-8"?>
+<p:notes xmlns:a="http://schemas.openxmlformats.org/drawingml/2006/main" xmlns:r="http://schemas.openxmlformats.org/officeDocument/2006/relationships" xmlns:p="http://schemas.openxmlformats.org/presentationml/2006/main">
+  <p:cSld>
+    <p:spTree>
+      <p:nvGrpSpPr>
+        <p:cNvPr id="1" name=""/>
+        <p:cNvGrpSpPr/>
+        <p:nvPr/>
+      </p:nvGrpSpPr>
+      <p:grpSpPr>
+        <a:xfrm>
+          <a:off x="0" y="0"/>
+          <a:ext cx="0" cy="0"/>
+          <a:chOff x="0" y="0"/>
+          <a:chExt cx="0" cy="0"/>
+        </a:xfrm>
+      </p:grpSpPr>
+      <p:sp>
+        <p:nvSpPr>
+          <p:cNvPr id="2" name="Diakép helye 1"/>
+          <p:cNvSpPr>
+            <a:spLocks noGrp="1" noRot="1" noChangeAspect="1"/>
+          </p:cNvSpPr>
+          <p:nvPr>
+            <p:ph type="sldImg"/>
+          </p:nvPr>
+        </p:nvSpPr>
+        <p:spPr/>
+      </p:sp>
+      <p:sp>
+        <p:nvSpPr>
+          <p:cNvPr id="3" name="Jegyzetek helye 2"/>
+          <p:cNvSpPr>
+            <a:spLocks noGrp="1"/>
+          </p:cNvSpPr>
+          <p:nvPr>
+            <p:ph type="body" idx="1"/>
+          </p:nvPr>
+        </p:nvSpPr>
+        <p:spPr/>
+        <p:txBody>
+          <a:bodyPr/>
+          <a:lstStyle/>
+          <a:p>
+            <a:r>
+              <a:rPr lang="hu-HU" dirty="0"/>
+              <a:t>Bence</a:t>
+            </a:r>
+          </a:p>
+        </p:txBody>
+      </p:sp>
+      <p:sp>
+        <p:nvSpPr>
+          <p:cNvPr id="4" name="Dia számának helye 3"/>
+          <p:cNvSpPr>
+            <a:spLocks noGrp="1"/>
+          </p:cNvSpPr>
+          <p:nvPr>
+            <p:ph type="sldNum" sz="quarter" idx="5"/>
+          </p:nvPr>
+        </p:nvSpPr>
+        <p:spPr/>
+        <p:txBody>
+          <a:bodyPr/>
+          <a:lstStyle/>
+          <a:p>
+            <a:fld id="{89E6AD75-8F3E-4C06-91A7-C98B23526456}" type="slidenum">
+              <a:rPr lang="hu-HU" smtClean="0"/>
+              <a:t>11</a:t>
+            </a:fld>
+            <a:endParaRPr lang="hu-HU"/>
+          </a:p>
+        </p:txBody>
+      </p:sp>
+    </p:spTree>
+    <p:extLst>
+      <p:ext uri="{BB962C8B-B14F-4D97-AF65-F5344CB8AC3E}">
+        <p14:creationId xmlns:p14="http://schemas.microsoft.com/office/powerpoint/2010/main" val="78180422"/>
+      </p:ext>
+    </p:extLst>
+  </p:cSld>
+  <p:clrMapOvr>
+    <a:masterClrMapping/>
+  </p:clrMapOvr>
+</p:notes>
+</file>
+
+<file path=ppt/notesSlides/notesSlide9.xml><?xml version="1.0" encoding="utf-8"?>
+<p:notes xmlns:a="http://schemas.openxmlformats.org/drawingml/2006/main" xmlns:r="http://schemas.openxmlformats.org/officeDocument/2006/relationships" xmlns:p="http://schemas.openxmlformats.org/presentationml/2006/main">
+  <p:cSld>
+    <p:spTree>
+      <p:nvGrpSpPr>
+        <p:cNvPr id="1" name=""/>
+        <p:cNvGrpSpPr/>
+        <p:nvPr/>
+      </p:nvGrpSpPr>
+      <p:grpSpPr>
+        <a:xfrm>
+          <a:off x="0" y="0"/>
+          <a:ext cx="0" cy="0"/>
+          <a:chOff x="0" y="0"/>
+          <a:chExt cx="0" cy="0"/>
+        </a:xfrm>
+      </p:grpSpPr>
+      <p:sp>
+        <p:nvSpPr>
+          <p:cNvPr id="2" name="Diakép helye 1"/>
+          <p:cNvSpPr>
+            <a:spLocks noGrp="1" noRot="1" noChangeAspect="1"/>
+          </p:cNvSpPr>
+          <p:nvPr>
+            <p:ph type="sldImg"/>
+          </p:nvPr>
+        </p:nvSpPr>
+        <p:spPr/>
+      </p:sp>
+      <p:sp>
+        <p:nvSpPr>
+          <p:cNvPr id="3" name="Jegyzetek helye 2"/>
+          <p:cNvSpPr>
+            <a:spLocks noGrp="1"/>
+          </p:cNvSpPr>
+          <p:nvPr>
+            <p:ph type="body" idx="1"/>
+          </p:nvPr>
+        </p:nvSpPr>
+        <p:spPr/>
+        <p:txBody>
+          <a:bodyPr/>
+          <a:lstStyle/>
+          <a:p>
+            <a:r>
+              <a:rPr lang="hu-HU" dirty="0"/>
+              <a:t>Bence</a:t>
+            </a:r>
+          </a:p>
+        </p:txBody>
+      </p:sp>
+      <p:sp>
+        <p:nvSpPr>
+          <p:cNvPr id="4" name="Dia számának helye 3"/>
+          <p:cNvSpPr>
+            <a:spLocks noGrp="1"/>
+          </p:cNvSpPr>
+          <p:nvPr>
+            <p:ph type="sldNum" sz="quarter" idx="5"/>
+          </p:nvPr>
+        </p:nvSpPr>
+        <p:spPr/>
+        <p:txBody>
+          <a:bodyPr/>
+          <a:lstStyle/>
+          <a:p>
+            <a:fld id="{89E6AD75-8F3E-4C06-91A7-C98B23526456}" type="slidenum">
+              <a:rPr lang="hu-HU" smtClean="0"/>
+              <a:t>12</a:t>
+            </a:fld>
+            <a:endParaRPr lang="hu-HU"/>
+          </a:p>
+        </p:txBody>
+      </p:sp>
+    </p:spTree>
+    <p:extLst>
+      <p:ext uri="{BB962C8B-B14F-4D97-AF65-F5344CB8AC3E}">
+        <p14:creationId xmlns:p14="http://schemas.microsoft.com/office/powerpoint/2010/main" val="2561870360"/>
       </p:ext>
     </p:extLst>
   </p:cSld>
@@ -6490,7 +7099,7 @@
           <a:p>
             <a:fld id="{5A5711F2-C7ED-4139-A0FA-AD91D6C62761}" type="datetimeFigureOut">
               <a:rPr lang="hu-HU" smtClean="0"/>
-              <a:t>2022. 05. 23.</a:t>
+              <a:t>2022. 05. 24.</a:t>
             </a:fld>
             <a:endParaRPr lang="hu-HU"/>
           </a:p>
@@ -6788,7 +7397,7 @@
           <a:p>
             <a:fld id="{5A5711F2-C7ED-4139-A0FA-AD91D6C62761}" type="datetimeFigureOut">
               <a:rPr lang="hu-HU" smtClean="0"/>
-              <a:t>2022. 05. 23.</a:t>
+              <a:t>2022. 05. 24.</a:t>
             </a:fld>
             <a:endParaRPr lang="hu-HU"/>
           </a:p>
@@ -6980,7 +7589,7 @@
           <a:p>
             <a:fld id="{5A5711F2-C7ED-4139-A0FA-AD91D6C62761}" type="datetimeFigureOut">
               <a:rPr lang="hu-HU" smtClean="0"/>
-              <a:t>2022. 05. 23.</a:t>
+              <a:t>2022. 05. 24.</a:t>
             </a:fld>
             <a:endParaRPr lang="hu-HU"/>
           </a:p>
@@ -7241,7 +7850,7 @@
           <a:p>
             <a:fld id="{5A5711F2-C7ED-4139-A0FA-AD91D6C62761}" type="datetimeFigureOut">
               <a:rPr lang="hu-HU" smtClean="0"/>
-              <a:t>2022. 05. 23.</a:t>
+              <a:t>2022. 05. 24.</a:t>
             </a:fld>
             <a:endParaRPr lang="hu-HU"/>
           </a:p>
@@ -7665,7 +8274,7 @@
           <a:p>
             <a:fld id="{5A5711F2-C7ED-4139-A0FA-AD91D6C62761}" type="datetimeFigureOut">
               <a:rPr lang="hu-HU" smtClean="0"/>
-              <a:t>2022. 05. 23.</a:t>
+              <a:t>2022. 05. 24.</a:t>
             </a:fld>
             <a:endParaRPr lang="hu-HU"/>
           </a:p>
@@ -8202,7 +8811,7 @@
           <a:p>
             <a:fld id="{5A5711F2-C7ED-4139-A0FA-AD91D6C62761}" type="datetimeFigureOut">
               <a:rPr lang="hu-HU" smtClean="0"/>
-              <a:t>2022. 05. 23.</a:t>
+              <a:t>2022. 05. 24.</a:t>
             </a:fld>
             <a:endParaRPr lang="hu-HU"/>
           </a:p>
@@ -9066,7 +9675,7 @@
           <a:p>
             <a:fld id="{5A5711F2-C7ED-4139-A0FA-AD91D6C62761}" type="datetimeFigureOut">
               <a:rPr lang="hu-HU" smtClean="0"/>
-              <a:t>2022. 05. 23.</a:t>
+              <a:t>2022. 05. 24.</a:t>
             </a:fld>
             <a:endParaRPr lang="hu-HU"/>
           </a:p>
@@ -9236,7 +9845,7 @@
           <a:p>
             <a:fld id="{5A5711F2-C7ED-4139-A0FA-AD91D6C62761}" type="datetimeFigureOut">
               <a:rPr lang="hu-HU" smtClean="0"/>
-              <a:t>2022. 05. 23.</a:t>
+              <a:t>2022. 05. 24.</a:t>
             </a:fld>
             <a:endParaRPr lang="hu-HU"/>
           </a:p>
@@ -9420,7 +10029,7 @@
           <a:p>
             <a:fld id="{5A5711F2-C7ED-4139-A0FA-AD91D6C62761}" type="datetimeFigureOut">
               <a:rPr lang="hu-HU" smtClean="0"/>
-              <a:t>2022. 05. 23.</a:t>
+              <a:t>2022. 05. 24.</a:t>
             </a:fld>
             <a:endParaRPr lang="hu-HU"/>
           </a:p>
@@ -9590,7 +10199,7 @@
           <a:p>
             <a:fld id="{5A5711F2-C7ED-4139-A0FA-AD91D6C62761}" type="datetimeFigureOut">
               <a:rPr lang="hu-HU" smtClean="0"/>
-              <a:t>2022. 05. 23.</a:t>
+              <a:t>2022. 05. 24.</a:t>
             </a:fld>
             <a:endParaRPr lang="hu-HU"/>
           </a:p>
@@ -9834,7 +10443,7 @@
           <a:p>
             <a:fld id="{5A5711F2-C7ED-4139-A0FA-AD91D6C62761}" type="datetimeFigureOut">
               <a:rPr lang="hu-HU" smtClean="0"/>
-              <a:t>2022. 05. 23.</a:t>
+              <a:t>2022. 05. 24.</a:t>
             </a:fld>
             <a:endParaRPr lang="hu-HU"/>
           </a:p>
@@ -10070,7 +10679,7 @@
           <a:p>
             <a:fld id="{5A5711F2-C7ED-4139-A0FA-AD91D6C62761}" type="datetimeFigureOut">
               <a:rPr lang="hu-HU" smtClean="0"/>
-              <a:t>2022. 05. 23.</a:t>
+              <a:t>2022. 05. 24.</a:t>
             </a:fld>
             <a:endParaRPr lang="hu-HU"/>
           </a:p>
@@ -10536,7 +11145,7 @@
           <a:p>
             <a:fld id="{5A5711F2-C7ED-4139-A0FA-AD91D6C62761}" type="datetimeFigureOut">
               <a:rPr lang="hu-HU" smtClean="0"/>
-              <a:t>2022. 05. 23.</a:t>
+              <a:t>2022. 05. 24.</a:t>
             </a:fld>
             <a:endParaRPr lang="hu-HU"/>
           </a:p>
@@ -10654,7 +11263,7 @@
           <a:p>
             <a:fld id="{5A5711F2-C7ED-4139-A0FA-AD91D6C62761}" type="datetimeFigureOut">
               <a:rPr lang="hu-HU" smtClean="0"/>
-              <a:t>2022. 05. 23.</a:t>
+              <a:t>2022. 05. 24.</a:t>
             </a:fld>
             <a:endParaRPr lang="hu-HU"/>
           </a:p>
@@ -10749,7 +11358,7 @@
           <a:p>
             <a:fld id="{5A5711F2-C7ED-4139-A0FA-AD91D6C62761}" type="datetimeFigureOut">
               <a:rPr lang="hu-HU" smtClean="0"/>
-              <a:t>2022. 05. 23.</a:t>
+              <a:t>2022. 05. 24.</a:t>
             </a:fld>
             <a:endParaRPr lang="hu-HU"/>
           </a:p>
@@ -11004,7 +11613,7 @@
           <a:p>
             <a:fld id="{5A5711F2-C7ED-4139-A0FA-AD91D6C62761}" type="datetimeFigureOut">
               <a:rPr lang="hu-HU" smtClean="0"/>
-              <a:t>2022. 05. 23.</a:t>
+              <a:t>2022. 05. 24.</a:t>
             </a:fld>
             <a:endParaRPr lang="hu-HU"/>
           </a:p>
@@ -11304,7 +11913,7 @@
           <a:p>
             <a:fld id="{5A5711F2-C7ED-4139-A0FA-AD91D6C62761}" type="datetimeFigureOut">
               <a:rPr lang="hu-HU" smtClean="0"/>
-              <a:t>2022. 05. 23.</a:t>
+              <a:t>2022. 05. 24.</a:t>
             </a:fld>
             <a:endParaRPr lang="hu-HU"/>
           </a:p>
@@ -11538,7 +12147,7 @@
           <a:p>
             <a:fld id="{5A5711F2-C7ED-4139-A0FA-AD91D6C62761}" type="datetimeFigureOut">
               <a:rPr lang="hu-HU" smtClean="0"/>
-              <a:t>2022. 05. 23.</a:t>
+              <a:t>2022. 05. 24.</a:t>
             </a:fld>
             <a:endParaRPr lang="hu-HU"/>
           </a:p>
@@ -12258,8 +12867,8 @@
         </p:nvSpPr>
         <p:spPr>
           <a:xfrm>
-            <a:off x="1370693" y="5407684"/>
-            <a:ext cx="9440034" cy="1049867"/>
+            <a:off x="1370693" y="4815191"/>
+            <a:ext cx="9440034" cy="1642361"/>
           </a:xfrm>
         </p:spPr>
         <p:txBody>
@@ -12272,13 +12881,11 @@
               <a:rPr lang="hu-HU" dirty="0"/>
               <a:t>Készítették:</a:t>
             </a:r>
+          </a:p>
+          <a:p>
             <a:br>
               <a:rPr lang="hu-HU" dirty="0"/>
             </a:br>
-            <a:r>
-              <a:rPr lang="hu-HU" dirty="0"/>
-              <a:t>Lakatos Kristóf</a:t>
-            </a:r>
             <a:br>
               <a:rPr lang="hu-HU" dirty="0"/>
             </a:br>
@@ -12296,6 +12903,13 @@
             <a:r>
               <a:rPr lang="hu-HU" dirty="0"/>
               <a:t>Kártik László</a:t>
+            </a:r>
+            <a:br>
+              <a:rPr lang="hu-HU" dirty="0"/>
+            </a:br>
+            <a:r>
+              <a:rPr lang="hu-HU" dirty="0"/>
+              <a:t>Lakatos Kristóf</a:t>
             </a:r>
           </a:p>
         </p:txBody>
@@ -12316,10 +12930,231 @@
 <file path=ppt/slides/slide10.xml><?xml version="1.0" encoding="utf-8"?>
 <p:sld xmlns:a="http://schemas.openxmlformats.org/drawingml/2006/main" xmlns:r="http://schemas.openxmlformats.org/officeDocument/2006/relationships" xmlns:p="http://schemas.openxmlformats.org/presentationml/2006/main">
   <p:cSld>
+    <p:spTree>
+      <p:nvGrpSpPr>
+        <p:cNvPr id="1" name=""/>
+        <p:cNvGrpSpPr/>
+        <p:nvPr/>
+      </p:nvGrpSpPr>
+      <p:grpSpPr>
+        <a:xfrm>
+          <a:off x="0" y="0"/>
+          <a:ext cx="0" cy="0"/>
+          <a:chOff x="0" y="0"/>
+          <a:chExt cx="0" cy="0"/>
+        </a:xfrm>
+      </p:grpSpPr>
+      <p:sp>
+        <p:nvSpPr>
+          <p:cNvPr id="2" name="Cím 1">
+            <a:extLst>
+              <a:ext uri="{FF2B5EF4-FFF2-40B4-BE49-F238E27FC236}">
+                <a16:creationId xmlns:a16="http://schemas.microsoft.com/office/drawing/2014/main" id="{4B5BDF1F-778A-1BFE-6D5E-EDA7A7B0A8DB}"/>
+              </a:ext>
+            </a:extLst>
+          </p:cNvPr>
+          <p:cNvSpPr>
+            <a:spLocks noGrp="1"/>
+          </p:cNvSpPr>
+          <p:nvPr>
+            <p:ph type="title"/>
+          </p:nvPr>
+        </p:nvSpPr>
+        <p:spPr/>
+        <p:txBody>
+          <a:bodyPr/>
+          <a:lstStyle/>
+          <a:p>
+            <a:r>
+              <a:rPr lang="hu-HU" dirty="0"/>
+              <a:t>Szerver szolgáltatások</a:t>
+            </a:r>
+          </a:p>
+        </p:txBody>
+      </p:sp>
+      <p:sp>
+        <p:nvSpPr>
+          <p:cNvPr id="11" name="Szöveg helye 10">
+            <a:extLst>
+              <a:ext uri="{FF2B5EF4-FFF2-40B4-BE49-F238E27FC236}">
+                <a16:creationId xmlns:a16="http://schemas.microsoft.com/office/drawing/2014/main" id="{827900F1-1C56-4E25-99D3-FC1B82D93673}"/>
+              </a:ext>
+            </a:extLst>
+          </p:cNvPr>
+          <p:cNvSpPr>
+            <a:spLocks noGrp="1"/>
+          </p:cNvSpPr>
+          <p:nvPr>
+            <p:ph type="body" idx="1"/>
+          </p:nvPr>
+        </p:nvSpPr>
+        <p:spPr/>
+        <p:txBody>
+          <a:bodyPr/>
+          <a:lstStyle/>
+          <a:p>
+            <a:r>
+              <a:rPr lang="hu-HU" dirty="0"/>
+              <a:t>Windows Szerver</a:t>
+            </a:r>
+          </a:p>
+        </p:txBody>
+      </p:sp>
+      <p:sp>
+        <p:nvSpPr>
+          <p:cNvPr id="12" name="Tartalom helye 11">
+            <a:extLst>
+              <a:ext uri="{FF2B5EF4-FFF2-40B4-BE49-F238E27FC236}">
+                <a16:creationId xmlns:a16="http://schemas.microsoft.com/office/drawing/2014/main" id="{BB0E53A1-54FE-C0E9-05B9-C7462C1554DB}"/>
+              </a:ext>
+            </a:extLst>
+          </p:cNvPr>
+          <p:cNvSpPr>
+            <a:spLocks noGrp="1"/>
+          </p:cNvSpPr>
+          <p:nvPr>
+            <p:ph sz="half" idx="2"/>
+          </p:nvPr>
+        </p:nvSpPr>
+        <p:spPr/>
+        <p:txBody>
+          <a:bodyPr/>
+          <a:lstStyle/>
+          <a:p>
+            <a:r>
+              <a:rPr lang="hu-HU" dirty="0"/>
+              <a:t>DHCP (VLAN2, VLAN4)</a:t>
+            </a:r>
+          </a:p>
+          <a:p>
+            <a:r>
+              <a:rPr lang="hu-HU" dirty="0"/>
+              <a:t>DNS (</a:t>
+            </a:r>
+            <a:r>
+              <a:rPr lang="hu-HU" dirty="0">
+                <a:hlinkClick r:id="rId3"/>
+              </a:rPr>
+              <a:t>https://webshop.hu</a:t>
+            </a:r>
+            <a:r>
+              <a:rPr lang="hu-HU" dirty="0"/>
+              <a:t>; 10.204.3.10)</a:t>
+            </a:r>
+          </a:p>
+          <a:p>
+            <a:r>
+              <a:rPr lang="hu-HU" dirty="0"/>
+              <a:t>AD</a:t>
+            </a:r>
+          </a:p>
+          <a:p>
+            <a:r>
+              <a:rPr lang="hu-HU" dirty="0"/>
+              <a:t>Group Policy</a:t>
+            </a:r>
+          </a:p>
+        </p:txBody>
+      </p:sp>
+      <p:sp>
+        <p:nvSpPr>
+          <p:cNvPr id="13" name="Szöveg helye 12">
+            <a:extLst>
+              <a:ext uri="{FF2B5EF4-FFF2-40B4-BE49-F238E27FC236}">
+                <a16:creationId xmlns:a16="http://schemas.microsoft.com/office/drawing/2014/main" id="{8008529C-6A55-7F15-F185-1180BE26C1CF}"/>
+              </a:ext>
+            </a:extLst>
+          </p:cNvPr>
+          <p:cNvSpPr>
+            <a:spLocks noGrp="1"/>
+          </p:cNvSpPr>
+          <p:nvPr>
+            <p:ph type="body" sz="quarter" idx="3"/>
+          </p:nvPr>
+        </p:nvSpPr>
+        <p:spPr/>
+        <p:txBody>
+          <a:bodyPr/>
+          <a:lstStyle/>
+          <a:p>
+            <a:r>
+              <a:rPr lang="hu-HU" dirty="0"/>
+              <a:t>Linux Szerver</a:t>
+            </a:r>
+          </a:p>
+        </p:txBody>
+      </p:sp>
+      <p:sp>
+        <p:nvSpPr>
+          <p:cNvPr id="14" name="Tartalom helye 13">
+            <a:extLst>
+              <a:ext uri="{FF2B5EF4-FFF2-40B4-BE49-F238E27FC236}">
+                <a16:creationId xmlns:a16="http://schemas.microsoft.com/office/drawing/2014/main" id="{28815BFC-2A1A-3E58-D747-068409B814AC}"/>
+              </a:ext>
+            </a:extLst>
+          </p:cNvPr>
+          <p:cNvSpPr>
+            <a:spLocks noGrp="1"/>
+          </p:cNvSpPr>
+          <p:nvPr>
+            <p:ph sz="quarter" idx="4"/>
+          </p:nvPr>
+        </p:nvSpPr>
+        <p:spPr/>
+        <p:txBody>
+          <a:bodyPr/>
+          <a:lstStyle/>
+          <a:p>
+            <a:r>
+              <a:rPr lang="hu-HU" dirty="0" err="1"/>
+              <a:t>Apache</a:t>
+            </a:r>
+            <a:endParaRPr lang="hu-HU" dirty="0"/>
+          </a:p>
+          <a:p>
+            <a:r>
+              <a:rPr lang="hu-HU" dirty="0" err="1"/>
+              <a:t>MySQL</a:t>
+            </a:r>
+            <a:endParaRPr lang="hu-HU" dirty="0"/>
+          </a:p>
+          <a:p>
+            <a:r>
+              <a:rPr lang="hu-HU" dirty="0"/>
+              <a:t>PHP</a:t>
+            </a:r>
+          </a:p>
+          <a:p>
+            <a:r>
+              <a:rPr lang="hu-HU" dirty="0"/>
+              <a:t>VSFTP / NFS / Samba</a:t>
+            </a:r>
+          </a:p>
+          <a:p>
+            <a:endParaRPr lang="hu-HU" dirty="0"/>
+          </a:p>
+        </p:txBody>
+      </p:sp>
+    </p:spTree>
+    <p:extLst>
+      <p:ext uri="{BB962C8B-B14F-4D97-AF65-F5344CB8AC3E}">
+        <p14:creationId xmlns:p14="http://schemas.microsoft.com/office/powerpoint/2010/main" val="4116652764"/>
+      </p:ext>
+    </p:extLst>
+  </p:cSld>
+  <p:clrMapOvr>
+    <a:masterClrMapping/>
+  </p:clrMapOvr>
+</p:sld>
+</file>
+
+<file path=ppt/slides/slide11.xml><?xml version="1.0" encoding="utf-8"?>
+<p:sld xmlns:a="http://schemas.openxmlformats.org/drawingml/2006/main" xmlns:r="http://schemas.openxmlformats.org/officeDocument/2006/relationships" xmlns:p="http://schemas.openxmlformats.org/presentationml/2006/main">
+  <p:cSld>
     <p:bg>
       <p:bgPr>
         <a:blipFill rotWithShape="1">
-          <a:blip r:embed="rId2">
+          <a:blip r:embed="rId3">
             <a:duotone>
               <a:schemeClr val="bg2">
                 <a:shade val="80000"/>
@@ -12551,7 +13386,7 @@
           <p:nvPr/>
         </p:nvPicPr>
         <p:blipFill>
-          <a:blip r:embed="rId3"/>
+          <a:blip r:embed="rId4"/>
           <a:stretch>
             <a:fillRect/>
           </a:stretch>
@@ -12625,13 +13460,13 @@
 </p:sld>
 </file>
 
-<file path=ppt/slides/slide11.xml><?xml version="1.0" encoding="utf-8"?>
+<file path=ppt/slides/slide12.xml><?xml version="1.0" encoding="utf-8"?>
 <p:sld xmlns:a="http://schemas.openxmlformats.org/drawingml/2006/main" xmlns:r="http://schemas.openxmlformats.org/officeDocument/2006/relationships" xmlns:p="http://schemas.openxmlformats.org/presentationml/2006/main">
   <p:cSld>
     <p:bg>
       <p:bgPr>
         <a:blipFill rotWithShape="1">
-          <a:blip r:embed="rId2">
+          <a:blip r:embed="rId3">
             <a:duotone>
               <a:schemeClr val="bg2">
                 <a:shade val="80000"/>
@@ -12762,7 +13597,7 @@
           </p:nvPr>
         </p:nvPicPr>
         <p:blipFill rotWithShape="1">
-          <a:blip r:embed="rId3">
+          <a:blip r:embed="rId4">
             <a:extLst>
               <a:ext uri="{28A0092B-C50C-407E-A947-70E740481C1C}">
                 <a14:useLocalDpi xmlns:a14="http://schemas.microsoft.com/office/drawing/2010/main" val="0"/>
@@ -12799,7 +13634,7 @@
           </p:nvPr>
         </p:nvPicPr>
         <p:blipFill>
-          <a:blip r:embed="rId4"/>
+          <a:blip r:embed="rId5"/>
           <a:stretch>
             <a:fillRect/>
           </a:stretch>
@@ -12829,7 +13664,7 @@
           <p:nvPr/>
         </p:nvPicPr>
         <p:blipFill>
-          <a:blip r:embed="rId5"/>
+          <a:blip r:embed="rId6"/>
           <a:stretch>
             <a:fillRect/>
           </a:stretch>
@@ -13328,7 +14163,7 @@
           <p:nvPr/>
         </p:nvPicPr>
         <p:blipFill>
-          <a:blip r:embed="rId6"/>
+          <a:blip r:embed="rId7"/>
           <a:stretch>
             <a:fillRect/>
           </a:stretch>
@@ -13356,162 +14191,6 @@
 </p:sld>
 </file>
 
-<file path=ppt/slides/slide12.xml><?xml version="1.0" encoding="utf-8"?>
-<p:sld xmlns:a="http://schemas.openxmlformats.org/drawingml/2006/main" xmlns:r="http://schemas.openxmlformats.org/officeDocument/2006/relationships" xmlns:p="http://schemas.openxmlformats.org/presentationml/2006/main">
-  <p:cSld>
-    <p:spTree>
-      <p:nvGrpSpPr>
-        <p:cNvPr id="1" name=""/>
-        <p:cNvGrpSpPr/>
-        <p:nvPr/>
-      </p:nvGrpSpPr>
-      <p:grpSpPr>
-        <a:xfrm>
-          <a:off x="0" y="0"/>
-          <a:ext cx="0" cy="0"/>
-          <a:chOff x="0" y="0"/>
-          <a:chExt cx="0" cy="0"/>
-        </a:xfrm>
-      </p:grpSpPr>
-      <p:sp>
-        <p:nvSpPr>
-          <p:cNvPr id="2" name="Cím 1">
-            <a:extLst>
-              <a:ext uri="{FF2B5EF4-FFF2-40B4-BE49-F238E27FC236}">
-                <a16:creationId xmlns:a16="http://schemas.microsoft.com/office/drawing/2014/main" id="{8736C267-8F68-8341-87AB-C38E4A454A7A}"/>
-              </a:ext>
-            </a:extLst>
-          </p:cNvPr>
-          <p:cNvSpPr>
-            <a:spLocks noGrp="1"/>
-          </p:cNvSpPr>
-          <p:nvPr>
-            <p:ph type="title"/>
-          </p:nvPr>
-        </p:nvSpPr>
-        <p:spPr/>
-        <p:txBody>
-          <a:bodyPr/>
-          <a:lstStyle/>
-          <a:p>
-            <a:r>
-              <a:rPr lang="hu-HU" dirty="0"/>
-              <a:t>A főépület működésének bemutatása</a:t>
-            </a:r>
-          </a:p>
-        </p:txBody>
-      </p:sp>
-      <p:sp>
-        <p:nvSpPr>
-          <p:cNvPr id="3" name="Tartalom helye 2">
-            <a:extLst>
-              <a:ext uri="{FF2B5EF4-FFF2-40B4-BE49-F238E27FC236}">
-                <a16:creationId xmlns:a16="http://schemas.microsoft.com/office/drawing/2014/main" id="{E432A47D-B1CC-4F36-E2BF-3D229A3285D8}"/>
-              </a:ext>
-            </a:extLst>
-          </p:cNvPr>
-          <p:cNvSpPr>
-            <a:spLocks noGrp="1"/>
-          </p:cNvSpPr>
-          <p:nvPr>
-            <p:ph idx="1"/>
-          </p:nvPr>
-        </p:nvSpPr>
-        <p:spPr/>
-        <p:txBody>
-          <a:bodyPr/>
-          <a:lstStyle/>
-          <a:p>
-            <a:r>
-              <a:rPr lang="hu-HU" dirty="0"/>
-              <a:t>Elsődlegesen a Vizsgaremek videójában található működési és tesz, valamint </a:t>
-            </a:r>
-            <a:r>
-              <a:rPr lang="hu-HU" dirty="0" err="1"/>
-              <a:t>észrevételezés</a:t>
-            </a:r>
-            <a:r>
-              <a:rPr lang="hu-HU" dirty="0"/>
-              <a:t> elemei láthatóak.</a:t>
-            </a:r>
-          </a:p>
-          <a:p>
-            <a:r>
-              <a:rPr lang="hu-HU" dirty="0"/>
-              <a:t>Hálózat hiba nélkül felépült.</a:t>
-            </a:r>
-          </a:p>
-          <a:p>
-            <a:r>
-              <a:rPr lang="hu-HU" dirty="0"/>
-              <a:t>Egyéb észrevétel: Elírás miatt kliensek tartományba léptetése elsőre meghiúsult.</a:t>
-            </a:r>
-            <a:br>
-              <a:rPr lang="hu-HU" dirty="0"/>
-            </a:br>
-            <a:r>
-              <a:rPr lang="hu-HU" dirty="0"/>
-              <a:t>SW2-n BPDU </a:t>
-            </a:r>
-            <a:r>
-              <a:rPr lang="hu-HU" dirty="0" err="1"/>
-              <a:t>guard</a:t>
-            </a:r>
-            <a:r>
-              <a:rPr lang="hu-HU" dirty="0"/>
-              <a:t>-ot ki kellett kapcsolni, mert a DHCP szolgáltatás, nem valósult meg.</a:t>
-            </a:r>
-          </a:p>
-          <a:p>
-            <a:r>
-              <a:rPr lang="hu-HU" dirty="0"/>
-              <a:t>A Rendszergazda gép eléri az összes hálózati eszközt.</a:t>
-            </a:r>
-          </a:p>
-          <a:p>
-            <a:r>
-              <a:rPr lang="hu-HU" dirty="0"/>
-              <a:t>Webszerver szolgáltatásai kijutnak az internetre.</a:t>
-            </a:r>
-          </a:p>
-          <a:p>
-            <a:r>
-              <a:rPr lang="hu-HU" dirty="0"/>
-              <a:t>DHCP szerver csak belső hálózaton oszt IP címeket.</a:t>
-            </a:r>
-          </a:p>
-          <a:p>
-            <a:r>
-              <a:rPr lang="hu-HU" dirty="0"/>
-              <a:t>Belső vezeték nélküli hálózat hiba nélkül működik (SSID: </a:t>
-            </a:r>
-            <a:r>
-              <a:rPr lang="hu-HU" dirty="0" err="1"/>
-              <a:t>CEO_wi</a:t>
-            </a:r>
-            <a:r>
-              <a:rPr lang="hu-HU" dirty="0"/>
-              <a:t>-fi; CH: 2,4GHz (6ch); SEC: WPA2-PSK; ENCRYPTION: AES)</a:t>
-            </a:r>
-          </a:p>
-          <a:p>
-            <a:endParaRPr lang="hu-HU" dirty="0"/>
-          </a:p>
-        </p:txBody>
-      </p:sp>
-    </p:spTree>
-    <p:extLst>
-      <p:ext uri="{BB962C8B-B14F-4D97-AF65-F5344CB8AC3E}">
-        <p14:creationId xmlns:p14="http://schemas.microsoft.com/office/powerpoint/2010/main" val="334884014"/>
-      </p:ext>
-    </p:extLst>
-  </p:cSld>
-  <p:clrMapOvr>
-    <a:masterClrMapping/>
-  </p:clrMapOvr>
-</p:sld>
-</file>
-
 <file path=ppt/slides/slide13.xml><?xml version="1.0" encoding="utf-8"?>
 <p:sld xmlns:a="http://schemas.openxmlformats.org/drawingml/2006/main" xmlns:r="http://schemas.openxmlformats.org/officeDocument/2006/relationships" xmlns:p="http://schemas.openxmlformats.org/presentationml/2006/main">
   <p:cSld>
@@ -13534,7 +14213,7 @@
           <p:cNvPr id="2" name="Cím 1">
             <a:extLst>
               <a:ext uri="{FF2B5EF4-FFF2-40B4-BE49-F238E27FC236}">
-                <a16:creationId xmlns:a16="http://schemas.microsoft.com/office/drawing/2014/main" id="{9E2EE4AC-7AFE-42E0-B6B4-BFB6C11E5C44}"/>
+                <a16:creationId xmlns:a16="http://schemas.microsoft.com/office/drawing/2014/main" id="{8736C267-8F68-8341-87AB-C38E4A454A7A}"/>
               </a:ext>
             </a:extLst>
           </p:cNvPr>
@@ -13552,7 +14231,7 @@
           <a:p>
             <a:r>
               <a:rPr lang="hu-HU" dirty="0"/>
-              <a:t>Az első telephelyen végzett munkamegosztás</a:t>
+              <a:t>A főépület működésének bemutatása</a:t>
             </a:r>
           </a:p>
         </p:txBody>
@@ -13562,7 +14241,7 @@
           <p:cNvPr id="3" name="Tartalom helye 2">
             <a:extLst>
               <a:ext uri="{FF2B5EF4-FFF2-40B4-BE49-F238E27FC236}">
-                <a16:creationId xmlns:a16="http://schemas.microsoft.com/office/drawing/2014/main" id="{63CB35E6-79AA-68B0-C717-C7104550F007}"/>
+                <a16:creationId xmlns:a16="http://schemas.microsoft.com/office/drawing/2014/main" id="{E432A47D-B1CC-4F36-E2BF-3D229A3285D8}"/>
               </a:ext>
             </a:extLst>
           </p:cNvPr>
@@ -13580,123 +14259,85 @@
           <a:p>
             <a:r>
               <a:rPr lang="hu-HU" dirty="0"/>
-              <a:t>A hálózat elméleti tervezéséért és IP címzésért, valamint Statikus és Dinamikus NAT, </a:t>
+              <a:t>Elsődlegesen a Vizsgaremek videójában található működési és tesz, valamint </a:t>
             </a:r>
             <a:r>
               <a:rPr lang="hu-HU" dirty="0" err="1"/>
-              <a:t>EtherChannel</a:t>
+              <a:t>észrevételezés</a:t>
             </a:r>
             <a:r>
               <a:rPr lang="hu-HU" dirty="0"/>
-              <a:t>, </a:t>
+              <a:t> elemei láthatóak.</a:t>
+            </a:r>
+          </a:p>
+          <a:p>
+            <a:r>
+              <a:rPr lang="hu-HU" dirty="0"/>
+              <a:t>Hálózat hiba nélkül felépült.</a:t>
+            </a:r>
+          </a:p>
+          <a:p>
+            <a:r>
+              <a:rPr lang="hu-HU" dirty="0"/>
+              <a:t>Egyéb észrevétel: Elírás miatt kliensek tartományba léptetése elsőre meghiúsult.</a:t>
+            </a:r>
+            <a:br>
+              <a:rPr lang="hu-HU" dirty="0"/>
+            </a:br>
+            <a:r>
+              <a:rPr lang="hu-HU" dirty="0"/>
+              <a:t>SW2-n BPDU </a:t>
             </a:r>
             <a:r>
               <a:rPr lang="hu-HU" dirty="0" err="1"/>
-              <a:t>Tunnel</a:t>
+              <a:t>guard</a:t>
             </a:r>
             <a:r>
               <a:rPr lang="hu-HU" dirty="0"/>
-              <a:t> </a:t>
+              <a:t>-ot ki kellett kapcsolni, mert a DHCP szolgáltatás, nem valósult meg.</a:t>
+            </a:r>
+          </a:p>
+          <a:p>
+            <a:r>
+              <a:rPr lang="hu-HU" dirty="0"/>
+              <a:t>A Rendszergazda gép eléri az összes hálózati eszközt.</a:t>
+            </a:r>
+          </a:p>
+          <a:p>
+            <a:r>
+              <a:rPr lang="hu-HU" dirty="0"/>
+              <a:t>Webszerver szolgáltatásai kijutnak az internetre.</a:t>
+            </a:r>
+          </a:p>
+          <a:p>
+            <a:r>
+              <a:rPr lang="hu-HU" dirty="0"/>
+              <a:t>DHCP szerver csak belső hálózaton oszt IP címeket.</a:t>
+            </a:r>
+          </a:p>
+          <a:p>
+            <a:r>
+              <a:rPr lang="hu-HU" dirty="0"/>
+              <a:t>Belső vezeték nélküli hálózat hiba nélkül működik (SSID: </a:t>
             </a:r>
             <a:r>
               <a:rPr lang="hu-HU" dirty="0" err="1"/>
-              <a:t>Interface</a:t>
+              <a:t>CEO_wi</a:t>
             </a:r>
             <a:r>
               <a:rPr lang="hu-HU" dirty="0"/>
-              <a:t>, </a:t>
-            </a:r>
-            <a:r>
-              <a:rPr lang="hu-HU" dirty="0" err="1"/>
-              <a:t>StS</a:t>
-            </a:r>
-            <a:r>
-              <a:rPr lang="hu-HU" dirty="0"/>
-              <a:t>-VPN protokollok beállításáért felelős: </a:t>
-            </a:r>
-            <a:r>
-              <a:rPr lang="hu-HU" dirty="0">
-                <a:solidFill>
-                  <a:srgbClr val="FF0000"/>
-                </a:solidFill>
-              </a:rPr>
-              <a:t>Kártik László</a:t>
-            </a:r>
-          </a:p>
-          <a:p>
-            <a:r>
-              <a:rPr lang="hu-HU" dirty="0"/>
-              <a:t>A hálózat és beállításukért, ezen belül a HSRP, OSPF, ACL, PPP </a:t>
-            </a:r>
-            <a:r>
-              <a:rPr lang="hu-HU" dirty="0" err="1"/>
-              <a:t>protkolok</a:t>
-            </a:r>
-            <a:r>
-              <a:rPr lang="hu-HU" dirty="0"/>
-              <a:t> megfelelő konfigurációjáért felelős: </a:t>
-            </a:r>
-            <a:r>
-              <a:rPr lang="hu-HU" dirty="0">
-                <a:solidFill>
-                  <a:srgbClr val="FF0000"/>
-                </a:solidFill>
-              </a:rPr>
-              <a:t>Lakatos Kristóf</a:t>
-            </a:r>
-          </a:p>
-          <a:p>
-            <a:r>
-              <a:rPr lang="hu-HU" dirty="0"/>
-              <a:t>A szerverek telepítéséért és konfigurációjáért, ezen belül a szerverek DHCP, AD, DNS, </a:t>
-            </a:r>
-            <a:r>
-              <a:rPr lang="hu-HU" dirty="0" err="1"/>
-              <a:t>Apache</a:t>
-            </a:r>
-            <a:r>
-              <a:rPr lang="hu-HU" dirty="0"/>
-              <a:t>, </a:t>
-            </a:r>
-            <a:r>
-              <a:rPr lang="hu-HU" dirty="0" err="1"/>
-              <a:t>MySQL</a:t>
-            </a:r>
-            <a:r>
-              <a:rPr lang="hu-HU" dirty="0"/>
-              <a:t>, PHP szolgáltatások megfelelő </a:t>
-            </a:r>
-            <a:r>
-              <a:rPr lang="hu-HU" dirty="0" err="1"/>
-              <a:t>müködéséért</a:t>
-            </a:r>
-            <a:r>
-              <a:rPr lang="hu-HU" dirty="0"/>
-              <a:t> felelős: </a:t>
-            </a:r>
-            <a:r>
-              <a:rPr lang="hu-HU" dirty="0" err="1">
-                <a:solidFill>
-                  <a:srgbClr val="FF0000"/>
-                </a:solidFill>
-              </a:rPr>
-              <a:t>Harmaci</a:t>
-            </a:r>
-            <a:r>
-              <a:rPr lang="hu-HU" dirty="0">
-                <a:solidFill>
-                  <a:srgbClr val="FF0000"/>
-                </a:solidFill>
-              </a:rPr>
-              <a:t> Bence</a:t>
-            </a:r>
+              <a:t>-fi; CH: 2,4GHz (6ch); SEC: WPA2-PSK; ENCRYPTION: AES)</a:t>
+            </a:r>
+          </a:p>
+          <a:p>
+            <a:endParaRPr lang="hu-HU" dirty="0"/>
           </a:p>
         </p:txBody>
       </p:sp>
     </p:spTree>
     <p:extLst>
       <p:ext uri="{BB962C8B-B14F-4D97-AF65-F5344CB8AC3E}">
-        <p14:creationId xmlns:p14="http://schemas.microsoft.com/office/powerpoint/2010/main" val="3546985704"/>
+        <p14:creationId xmlns:p14="http://schemas.microsoft.com/office/powerpoint/2010/main" val="334884014"/>
       </p:ext>
     </p:extLst>
   </p:cSld>
@@ -13767,7 +14408,7 @@
             <p:ph idx="1"/>
             <p:extLst>
               <p:ext uri="{D42A27DB-BD31-4B8C-83A1-F6EECF244321}">
-                <p14:modId xmlns:p14="http://schemas.microsoft.com/office/powerpoint/2010/main" val="798906667"/>
+                <p14:modId xmlns:p14="http://schemas.microsoft.com/office/powerpoint/2010/main" val="1378010021"/>
               </p:ext>
             </p:extLst>
           </p:nvPr>
@@ -14055,7 +14696,7 @@
       </p:grpSpPr>
       <p:sp>
         <p:nvSpPr>
-          <p:cNvPr id="10" name="Rectangle 9">
+          <p:cNvPr id="15" name="Rectangle 14">
             <a:extLst>
               <a:ext uri="{FF2B5EF4-FFF2-40B4-BE49-F238E27FC236}">
                 <a16:creationId xmlns:a16="http://schemas.microsoft.com/office/drawing/2014/main" id="{95CB840F-8E41-4CA5-B79B-25CC80AD234A}"/>
@@ -14179,7 +14820,7 @@
         <p:spPr>
           <a:xfrm>
             <a:off x="913795" y="1732449"/>
-            <a:ext cx="3648477" cy="4482084"/>
+            <a:ext cx="5360900" cy="4482084"/>
           </a:xfrm>
         </p:spPr>
         <p:txBody>
@@ -14187,6 +14828,20 @@
             <a:normAutofit/>
           </a:bodyPr>
           <a:lstStyle/>
+          <a:p>
+            <a:endParaRPr lang="hu-HU" sz="1600" dirty="0">
+              <a:ln>
+                <a:solidFill>
+                  <a:srgbClr val="404040">
+                    <a:alpha val="10000"/>
+                  </a:srgbClr>
+                </a:solidFill>
+              </a:ln>
+              <a:solidFill>
+                <a:srgbClr val="DADADA"/>
+              </a:solidFill>
+            </a:endParaRPr>
+          </a:p>
           <a:p>
             <a:r>
               <a:rPr lang="hu-HU" sz="1600" dirty="0">
@@ -14203,6 +14858,65 @@
               </a:rPr>
               <a:t>A főépülettől eltérően, itt IPv4 és IPv6 címzéssel rendelkező hálózatunk is van jelen.</a:t>
             </a:r>
+          </a:p>
+          <a:p>
+            <a:endParaRPr lang="hu-HU" sz="1600" dirty="0">
+              <a:ln>
+                <a:solidFill>
+                  <a:srgbClr val="404040">
+                    <a:alpha val="10000"/>
+                  </a:srgbClr>
+                </a:solidFill>
+              </a:ln>
+              <a:solidFill>
+                <a:srgbClr val="DADADA"/>
+              </a:solidFill>
+            </a:endParaRPr>
+          </a:p>
+          <a:p>
+            <a:endParaRPr lang="hu-HU" sz="1600" dirty="0">
+              <a:ln>
+                <a:solidFill>
+                  <a:srgbClr val="404040">
+                    <a:alpha val="10000"/>
+                  </a:srgbClr>
+                </a:solidFill>
+              </a:ln>
+              <a:solidFill>
+                <a:srgbClr val="DADADA"/>
+              </a:solidFill>
+            </a:endParaRPr>
+          </a:p>
+          <a:p>
+            <a:pPr marL="36900" indent="0">
+              <a:buNone/>
+            </a:pPr>
+            <a:endParaRPr lang="hu-HU" sz="1600" dirty="0">
+              <a:ln>
+                <a:solidFill>
+                  <a:srgbClr val="404040">
+                    <a:alpha val="10000"/>
+                  </a:srgbClr>
+                </a:solidFill>
+              </a:ln>
+              <a:solidFill>
+                <a:srgbClr val="DADADA"/>
+              </a:solidFill>
+            </a:endParaRPr>
+          </a:p>
+          <a:p>
+            <a:endParaRPr lang="hu-HU" sz="1600" dirty="0">
+              <a:ln>
+                <a:solidFill>
+                  <a:srgbClr val="404040">
+                    <a:alpha val="10000"/>
+                  </a:srgbClr>
+                </a:solidFill>
+              </a:ln>
+              <a:solidFill>
+                <a:srgbClr val="DADADA"/>
+              </a:solidFill>
+            </a:endParaRPr>
           </a:p>
           <a:p>
             <a:r>
@@ -14349,8 +15063,38 @@
         </p:blipFill>
         <p:spPr>
           <a:xfrm>
-            <a:off x="4906339" y="1237879"/>
-            <a:ext cx="6642193" cy="4382241"/>
+            <a:off x="6832415" y="3200400"/>
+            <a:ext cx="4801865" cy="3188205"/>
+          </a:xfrm>
+          <a:prstGeom prst="rect">
+            <a:avLst/>
+          </a:prstGeom>
+        </p:spPr>
+      </p:pic>
+      <p:pic>
+        <p:nvPicPr>
+          <p:cNvPr id="6" name="Kép 5">
+            <a:extLst>
+              <a:ext uri="{FF2B5EF4-FFF2-40B4-BE49-F238E27FC236}">
+                <a16:creationId xmlns:a16="http://schemas.microsoft.com/office/drawing/2014/main" id="{1AFCD763-5E14-4B00-3D6A-770F4D85FC19}"/>
+              </a:ext>
+            </a:extLst>
+          </p:cNvPr>
+          <p:cNvPicPr>
+            <a:picLocks noChangeAspect="1"/>
+          </p:cNvPicPr>
+          <p:nvPr/>
+        </p:nvPicPr>
+        <p:blipFill>
+          <a:blip r:embed="rId3"/>
+          <a:stretch>
+            <a:fillRect/>
+          </a:stretch>
+        </p:blipFill>
+        <p:spPr>
+          <a:xfrm>
+            <a:off x="6832415" y="1732449"/>
+            <a:ext cx="4801865" cy="1152686"/>
           </a:xfrm>
           <a:prstGeom prst="rect">
             <a:avLst/>
@@ -14373,6 +15117,14 @@
 <file path=ppt/slides/slide17.xml><?xml version="1.0" encoding="utf-8"?>
 <p:sld xmlns:a="http://schemas.openxmlformats.org/drawingml/2006/main" xmlns:r="http://schemas.openxmlformats.org/officeDocument/2006/relationships" xmlns:p="http://schemas.openxmlformats.org/presentationml/2006/main">
   <p:cSld>
+    <p:bg>
+      <p:bgPr>
+        <a:solidFill>
+          <a:schemeClr val="bg1"/>
+        </a:solidFill>
+        <a:effectLst/>
+      </p:bgPr>
+    </p:bg>
     <p:spTree>
       <p:nvGrpSpPr>
         <p:cNvPr id="1" name=""/>
@@ -14389,6 +15141,247 @@
       </p:grpSpPr>
       <p:sp>
         <p:nvSpPr>
+          <p:cNvPr id="73" name="Rectangle 72">
+            <a:extLst>
+              <a:ext uri="{FF2B5EF4-FFF2-40B4-BE49-F238E27FC236}">
+                <a16:creationId xmlns:a16="http://schemas.microsoft.com/office/drawing/2014/main" id="{95CB840F-8E41-4CA5-B79B-25CC80AD234A}"/>
+              </a:ext>
+              <a:ext uri="{C183D7F6-B498-43B3-948B-1728B52AA6E4}">
+                <adec:decorative xmlns:adec="http://schemas.microsoft.com/office/drawing/2017/decorative" val="1"/>
+              </a:ext>
+            </a:extLst>
+          </p:cNvPr>
+          <p:cNvSpPr>
+            <a:spLocks noGrp="1" noRot="1" noChangeAspect="1" noMove="1" noResize="1" noEditPoints="1" noAdjustHandles="1" noChangeArrowheads="1" noChangeShapeType="1" noTextEdit="1"/>
+          </p:cNvSpPr>
+          <p:nvPr>
+            <p:extLst>
+              <p:ext uri="{386F3935-93C4-4BCD-93E2-E3B085C9AB24}">
+                <p16:designElem xmlns:p16="http://schemas.microsoft.com/office/powerpoint/2015/main" val="1"/>
+              </p:ext>
+            </p:extLst>
+          </p:nvPr>
+        </p:nvSpPr>
+        <p:spPr>
+          <a:xfrm>
+            <a:off x="0" y="0"/>
+            <a:ext cx="12192000" cy="6858000"/>
+          </a:xfrm>
+          <a:prstGeom prst="rect">
+            <a:avLst/>
+          </a:prstGeom>
+          <a:ln>
+            <a:noFill/>
+          </a:ln>
+        </p:spPr>
+        <p:style>
+          <a:lnRef idx="2">
+            <a:schemeClr val="accent1">
+              <a:shade val="50000"/>
+            </a:schemeClr>
+          </a:lnRef>
+          <a:fillRef idx="1003">
+            <a:schemeClr val="dk2"/>
+          </a:fillRef>
+          <a:effectRef idx="0">
+            <a:schemeClr val="accent1"/>
+          </a:effectRef>
+          <a:fontRef idx="minor">
+            <a:schemeClr val="lt1"/>
+          </a:fontRef>
+        </p:style>
+        <p:txBody>
+          <a:bodyPr rtlCol="0" anchor="ctr"/>
+          <a:lstStyle/>
+          <a:p>
+            <a:pPr algn="ctr"/>
+            <a:endParaRPr lang="en-US"/>
+          </a:p>
+        </p:txBody>
+      </p:sp>
+      <p:sp>
+        <p:nvSpPr>
+          <p:cNvPr id="2" name="Cím 1">
+            <a:extLst>
+              <a:ext uri="{FF2B5EF4-FFF2-40B4-BE49-F238E27FC236}">
+                <a16:creationId xmlns:a16="http://schemas.microsoft.com/office/drawing/2014/main" id="{C5CBDEC3-7F14-0B44-9FCA-539802D8F3AB}"/>
+              </a:ext>
+            </a:extLst>
+          </p:cNvPr>
+          <p:cNvSpPr>
+            <a:spLocks noGrp="1"/>
+          </p:cNvSpPr>
+          <p:nvPr>
+            <p:ph type="title"/>
+          </p:nvPr>
+        </p:nvSpPr>
+        <p:spPr>
+          <a:xfrm>
+            <a:off x="913795" y="609600"/>
+            <a:ext cx="3078749" cy="970450"/>
+          </a:xfrm>
+        </p:spPr>
+        <p:txBody>
+          <a:bodyPr anchor="b">
+            <a:normAutofit/>
+          </a:bodyPr>
+          <a:lstStyle/>
+          <a:p>
+            <a:pPr algn="l"/>
+            <a:r>
+              <a:rPr lang="hu-HU" sz="2800">
+                <a:ln>
+                  <a:solidFill>
+                    <a:srgbClr val="404040">
+                      <a:alpha val="10000"/>
+                    </a:srgbClr>
+                  </a:solidFill>
+                </a:ln>
+                <a:solidFill>
+                  <a:srgbClr val="DADADA"/>
+                </a:solidFill>
+              </a:rPr>
+              <a:t>Hálózat működése</a:t>
+            </a:r>
+          </a:p>
+        </p:txBody>
+      </p:sp>
+      <p:sp>
+        <p:nvSpPr>
+          <p:cNvPr id="1030" name="Content Placeholder 1029">
+            <a:extLst>
+              <a:ext uri="{FF2B5EF4-FFF2-40B4-BE49-F238E27FC236}">
+                <a16:creationId xmlns:a16="http://schemas.microsoft.com/office/drawing/2014/main" id="{A5D6F587-ECD6-68BA-E70E-1E37B0990871}"/>
+              </a:ext>
+            </a:extLst>
+          </p:cNvPr>
+          <p:cNvSpPr>
+            <a:spLocks noGrp="1"/>
+          </p:cNvSpPr>
+          <p:nvPr>
+            <p:ph idx="1"/>
+          </p:nvPr>
+        </p:nvSpPr>
+        <p:spPr>
+          <a:xfrm>
+            <a:off x="913795" y="1732449"/>
+            <a:ext cx="3078749" cy="4482084"/>
+          </a:xfrm>
+        </p:spPr>
+        <p:txBody>
+          <a:bodyPr anchor="t">
+            <a:normAutofit/>
+          </a:bodyPr>
+          <a:lstStyle/>
+          <a:p>
+            <a:r>
+              <a:rPr lang="hu-HU" sz="1600" dirty="0">
+                <a:ln>
+                  <a:solidFill>
+                    <a:srgbClr val="404040">
+                      <a:alpha val="10000"/>
+                    </a:srgbClr>
+                  </a:solidFill>
+                </a:ln>
+                <a:solidFill>
+                  <a:srgbClr val="DADADA"/>
+                </a:solidFill>
+              </a:rPr>
+              <a:t>Miután beállítottuk a VPN-hez szükséges paramétereket, sikeresen csatlakozott mind a két végpont.</a:t>
+            </a:r>
+            <a:endParaRPr lang="en-US" sz="1600" dirty="0">
+              <a:ln>
+                <a:solidFill>
+                  <a:srgbClr val="404040">
+                    <a:alpha val="10000"/>
+                  </a:srgbClr>
+                </a:solidFill>
+              </a:ln>
+              <a:solidFill>
+                <a:srgbClr val="DADADA"/>
+              </a:solidFill>
+            </a:endParaRPr>
+          </a:p>
+        </p:txBody>
+      </p:sp>
+      <p:pic>
+        <p:nvPicPr>
+          <p:cNvPr id="1026" name="Picture 2">
+            <a:extLst>
+              <a:ext uri="{FF2B5EF4-FFF2-40B4-BE49-F238E27FC236}">
+                <a16:creationId xmlns:a16="http://schemas.microsoft.com/office/drawing/2014/main" id="{D7BF6F58-A30D-C63A-EC52-0E5B83ED2CF0}"/>
+              </a:ext>
+            </a:extLst>
+          </p:cNvPr>
+          <p:cNvPicPr>
+            <a:picLocks noChangeAspect="1" noChangeArrowheads="1"/>
+          </p:cNvPicPr>
+          <p:nvPr/>
+        </p:nvPicPr>
+        <p:blipFill>
+          <a:blip r:embed="rId2">
+            <a:extLst>
+              <a:ext uri="{28A0092B-C50C-407E-A947-70E740481C1C}">
+                <a14:useLocalDpi xmlns:a14="http://schemas.microsoft.com/office/drawing/2010/main" val="0"/>
+              </a:ext>
+            </a:extLst>
+          </a:blip>
+          <a:stretch>
+            <a:fillRect/>
+          </a:stretch>
+        </p:blipFill>
+        <p:spPr bwMode="auto">
+          <a:xfrm>
+            <a:off x="4906339" y="1544277"/>
+            <a:ext cx="6642193" cy="3769444"/>
+          </a:xfrm>
+          <a:prstGeom prst="rect">
+            <a:avLst/>
+          </a:prstGeom>
+          <a:noFill/>
+          <a:extLst>
+            <a:ext uri="{909E8E84-426E-40DD-AFC4-6F175D3DCCD1}">
+              <a14:hiddenFill xmlns:a14="http://schemas.microsoft.com/office/drawing/2010/main">
+                <a:solidFill>
+                  <a:srgbClr val="FFFFFF"/>
+                </a:solidFill>
+              </a14:hiddenFill>
+            </a:ext>
+          </a:extLst>
+        </p:spPr>
+      </p:pic>
+    </p:spTree>
+    <p:extLst>
+      <p:ext uri="{BB962C8B-B14F-4D97-AF65-F5344CB8AC3E}">
+        <p14:creationId xmlns:p14="http://schemas.microsoft.com/office/powerpoint/2010/main" val="3148450755"/>
+      </p:ext>
+    </p:extLst>
+  </p:cSld>
+  <p:clrMapOvr>
+    <a:overrideClrMapping bg1="lt1" tx1="dk1" bg2="lt2" tx2="dk2" accent1="accent1" accent2="accent2" accent3="accent3" accent4="accent4" accent5="accent5" accent6="accent6" hlink="hlink" folHlink="folHlink"/>
+  </p:clrMapOvr>
+</p:sld>
+</file>
+
+<file path=ppt/slides/slide18.xml><?xml version="1.0" encoding="utf-8"?>
+<p:sld xmlns:a="http://schemas.openxmlformats.org/drawingml/2006/main" xmlns:r="http://schemas.openxmlformats.org/officeDocument/2006/relationships" xmlns:p="http://schemas.openxmlformats.org/presentationml/2006/main">
+  <p:cSld>
+    <p:spTree>
+      <p:nvGrpSpPr>
+        <p:cNvPr id="1" name=""/>
+        <p:cNvGrpSpPr/>
+        <p:nvPr/>
+      </p:nvGrpSpPr>
+      <p:grpSpPr>
+        <a:xfrm>
+          <a:off x="0" y="0"/>
+          <a:ext cx="0" cy="0"/>
+          <a:chOff x="0" y="0"/>
+          <a:chExt cx="0" cy="0"/>
+        </a:xfrm>
+      </p:grpSpPr>
+      <p:sp>
+        <p:nvSpPr>
           <p:cNvPr id="2" name="Cím 1">
             <a:extLst>
               <a:ext uri="{FF2B5EF4-FFF2-40B4-BE49-F238E27FC236}">
@@ -14429,6 +15422,11 @@
           </p:cNvGraphicFramePr>
           <p:nvPr>
             <p:ph idx="1"/>
+            <p:extLst>
+              <p:ext uri="{D42A27DB-BD31-4B8C-83A1-F6EECF244321}">
+                <p14:modId xmlns:p14="http://schemas.microsoft.com/office/powerpoint/2010/main" val="254508255"/>
+              </p:ext>
+            </p:extLst>
           </p:nvPr>
         </p:nvGraphicFramePr>
         <p:xfrm>
@@ -14454,7 +15452,7 @@
 </p:sld>
 </file>
 
-<file path=ppt/slides/slide18.xml><?xml version="1.0" encoding="utf-8"?>
+<file path=ppt/slides/slide19.xml><?xml version="1.0" encoding="utf-8"?>
 <p:sld xmlns:a="http://schemas.openxmlformats.org/drawingml/2006/main" xmlns:r="http://schemas.openxmlformats.org/officeDocument/2006/relationships" xmlns:p="http://schemas.openxmlformats.org/presentationml/2006/main">
   <p:cSld>
     <p:bg>
@@ -14812,7 +15810,138 @@
 </p:sld>
 </file>
 
-<file path=ppt/slides/slide19.xml><?xml version="1.0" encoding="utf-8"?>
+<file path=ppt/slides/slide2.xml><?xml version="1.0" encoding="utf-8"?>
+<p:sld xmlns:a="http://schemas.openxmlformats.org/drawingml/2006/main" xmlns:r="http://schemas.openxmlformats.org/officeDocument/2006/relationships" xmlns:p="http://schemas.openxmlformats.org/presentationml/2006/main">
+  <p:cSld>
+    <p:spTree>
+      <p:nvGrpSpPr>
+        <p:cNvPr id="1" name=""/>
+        <p:cNvGrpSpPr/>
+        <p:nvPr/>
+      </p:nvGrpSpPr>
+      <p:grpSpPr>
+        <a:xfrm>
+          <a:off x="0" y="0"/>
+          <a:ext cx="0" cy="0"/>
+          <a:chOff x="0" y="0"/>
+          <a:chExt cx="0" cy="0"/>
+        </a:xfrm>
+      </p:grpSpPr>
+      <p:sp>
+        <p:nvSpPr>
+          <p:cNvPr id="2" name="Cím 1">
+            <a:extLst>
+              <a:ext uri="{FF2B5EF4-FFF2-40B4-BE49-F238E27FC236}">
+                <a16:creationId xmlns:a16="http://schemas.microsoft.com/office/drawing/2014/main" id="{D3A54ECF-723C-AA95-1C66-B77D5AED8251}"/>
+              </a:ext>
+            </a:extLst>
+          </p:cNvPr>
+          <p:cNvSpPr>
+            <a:spLocks noGrp="1"/>
+          </p:cNvSpPr>
+          <p:nvPr>
+            <p:ph type="title"/>
+          </p:nvPr>
+        </p:nvSpPr>
+        <p:spPr/>
+        <p:txBody>
+          <a:bodyPr/>
+          <a:lstStyle/>
+          <a:p>
+            <a:r>
+              <a:rPr lang="hu-HU" dirty="0"/>
+              <a:t>A cégünkről röviden</a:t>
+            </a:r>
+          </a:p>
+        </p:txBody>
+      </p:sp>
+      <p:sp>
+        <p:nvSpPr>
+          <p:cNvPr id="3" name="Tartalom helye 2">
+            <a:extLst>
+              <a:ext uri="{FF2B5EF4-FFF2-40B4-BE49-F238E27FC236}">
+                <a16:creationId xmlns:a16="http://schemas.microsoft.com/office/drawing/2014/main" id="{B6FDFE23-3F32-82CB-9D09-A338E3256408}"/>
+              </a:ext>
+            </a:extLst>
+          </p:cNvPr>
+          <p:cNvSpPr>
+            <a:spLocks noGrp="1"/>
+          </p:cNvSpPr>
+          <p:nvPr>
+            <p:ph idx="1"/>
+          </p:nvPr>
+        </p:nvSpPr>
+        <p:spPr/>
+        <p:txBody>
+          <a:bodyPr/>
+          <a:lstStyle/>
+          <a:p>
+            <a:r>
+              <a:rPr lang="hu-HU" dirty="0"/>
+              <a:t>A kisvállalatunk webkereskedelemmel foglalkozik, azon belül is műszaki cikkek, szórakoztató elektronika és informatikai termékek forgalmazásával.</a:t>
+            </a:r>
+          </a:p>
+          <a:p>
+            <a:r>
+              <a:rPr lang="hu-HU" dirty="0"/>
+              <a:t>A vállalatunk három darab telephellyel rendelkezik:</a:t>
+            </a:r>
+          </a:p>
+          <a:p>
+            <a:pPr lvl="1"/>
+            <a:r>
+              <a:rPr lang="hu-HU" dirty="0"/>
+              <a:t>Központi épület</a:t>
+            </a:r>
+          </a:p>
+          <a:p>
+            <a:pPr lvl="1"/>
+            <a:r>
+              <a:rPr lang="hu-HU" dirty="0"/>
+              <a:t>Ügyfélszolgálat</a:t>
+            </a:r>
+          </a:p>
+          <a:p>
+            <a:pPr lvl="1"/>
+            <a:r>
+              <a:rPr lang="hu-HU" dirty="0"/>
+              <a:t>Logisztika</a:t>
+            </a:r>
+          </a:p>
+          <a:p>
+            <a:r>
+              <a:rPr lang="hu-HU" dirty="0"/>
+              <a:t>Az épületek egy városon belül helyezkednek el.</a:t>
+            </a:r>
+          </a:p>
+          <a:p>
+            <a:r>
+              <a:rPr lang="hu-HU" dirty="0"/>
+              <a:t>Összesen 12 kollégával rendelkezünk.</a:t>
+            </a:r>
+          </a:p>
+          <a:p>
+            <a:pPr marL="36900" indent="0">
+              <a:buNone/>
+            </a:pPr>
+            <a:endParaRPr lang="hu-HU" dirty="0"/>
+          </a:p>
+        </p:txBody>
+      </p:sp>
+    </p:spTree>
+    <p:extLst>
+      <p:ext uri="{BB962C8B-B14F-4D97-AF65-F5344CB8AC3E}">
+        <p14:creationId xmlns:p14="http://schemas.microsoft.com/office/powerpoint/2010/main" val="174957363"/>
+      </p:ext>
+    </p:extLst>
+  </p:cSld>
+  <p:clrMapOvr>
+    <a:masterClrMapping/>
+  </p:clrMapOvr>
+</p:sld>
+</file>
+
+<file path=ppt/slides/slide20.xml><?xml version="1.0" encoding="utf-8"?>
 <p:sld xmlns:a="http://schemas.openxmlformats.org/drawingml/2006/main" xmlns:r="http://schemas.openxmlformats.org/officeDocument/2006/relationships" xmlns:p="http://schemas.openxmlformats.org/presentationml/2006/main">
   <p:cSld>
     <p:bg>
@@ -14983,7 +16112,7 @@
 </p:sld>
 </file>
 
-<file path=ppt/slides/slide2.xml><?xml version="1.0" encoding="utf-8"?>
+<file path=ppt/slides/slide21.xml><?xml version="1.0" encoding="utf-8"?>
 <p:sld xmlns:a="http://schemas.openxmlformats.org/drawingml/2006/main" xmlns:r="http://schemas.openxmlformats.org/officeDocument/2006/relationships" xmlns:p="http://schemas.openxmlformats.org/presentationml/2006/main">
   <p:cSld>
     <p:spTree>
@@ -15005,7 +16134,7 @@
           <p:cNvPr id="2" name="Cím 1">
             <a:extLst>
               <a:ext uri="{FF2B5EF4-FFF2-40B4-BE49-F238E27FC236}">
-                <a16:creationId xmlns:a16="http://schemas.microsoft.com/office/drawing/2014/main" id="{D3A54ECF-723C-AA95-1C66-B77D5AED8251}"/>
+                <a16:creationId xmlns:a16="http://schemas.microsoft.com/office/drawing/2014/main" id="{9E2EE4AC-7AFE-42E0-B6B4-BFB6C11E5C44}"/>
               </a:ext>
             </a:extLst>
           </p:cNvPr>
@@ -15023,7 +16152,7 @@
           <a:p>
             <a:r>
               <a:rPr lang="hu-HU" dirty="0"/>
-              <a:t>A cégünkről röviden</a:t>
+              <a:t>A projektben végzett munkamegosztás</a:t>
             </a:r>
           </a:p>
         </p:txBody>
@@ -15033,7 +16162,7 @@
           <p:cNvPr id="3" name="Tartalom helye 2">
             <a:extLst>
               <a:ext uri="{FF2B5EF4-FFF2-40B4-BE49-F238E27FC236}">
-                <a16:creationId xmlns:a16="http://schemas.microsoft.com/office/drawing/2014/main" id="{B6FDFE23-3F32-82CB-9D09-A338E3256408}"/>
+                <a16:creationId xmlns:a16="http://schemas.microsoft.com/office/drawing/2014/main" id="{63CB35E6-79AA-68B0-C717-C7104550F007}"/>
               </a:ext>
             </a:extLst>
           </p:cNvPr>
@@ -15051,60 +16180,115 @@
           <a:p>
             <a:r>
               <a:rPr lang="hu-HU" dirty="0"/>
-              <a:t>A kisvállalatunk webkereskedelemmel foglalkozik, azon belül is műszaki cikkek, szórakoztató elektronika és informatikai termékek forgalmazásával.</a:t>
-            </a:r>
-          </a:p>
-          <a:p>
+              <a:t>A hálózat elméleti tervezéséért és IP címzésért, valamint Statikus és Dinamikus NAT, </a:t>
+            </a:r>
+            <a:r>
+              <a:rPr lang="hu-HU" dirty="0" err="1"/>
+              <a:t>EtherChannel</a:t>
+            </a:r>
             <a:r>
               <a:rPr lang="hu-HU" dirty="0"/>
-              <a:t>A vállalatunk három darab telephellyel rendelkezik:</a:t>
-            </a:r>
-          </a:p>
-          <a:p>
-            <a:pPr lvl="1"/>
+              <a:t>, </a:t>
+            </a:r>
+            <a:r>
+              <a:rPr lang="hu-HU" dirty="0" err="1"/>
+              <a:t>Tunnel</a:t>
+            </a:r>
             <a:r>
               <a:rPr lang="hu-HU" dirty="0"/>
-              <a:t>Központi épület</a:t>
-            </a:r>
-          </a:p>
-          <a:p>
-            <a:pPr lvl="1"/>
+              <a:t> </a:t>
+            </a:r>
+            <a:r>
+              <a:rPr lang="hu-HU" dirty="0" err="1"/>
+              <a:t>Interface</a:t>
+            </a:r>
             <a:r>
               <a:rPr lang="hu-HU" dirty="0"/>
-              <a:t>Ügyfélszolgálat</a:t>
-            </a:r>
-          </a:p>
-          <a:p>
-            <a:pPr lvl="1"/>
+              <a:t>, </a:t>
+            </a:r>
+            <a:r>
+              <a:rPr lang="hu-HU" dirty="0" err="1"/>
+              <a:t>StS</a:t>
+            </a:r>
             <a:r>
               <a:rPr lang="hu-HU" dirty="0"/>
-              <a:t>Logisztika</a:t>
+              <a:t>-VPN protokollok beállításáért felelős: </a:t>
+            </a:r>
+            <a:r>
+              <a:rPr lang="hu-HU" dirty="0">
+                <a:solidFill>
+                  <a:srgbClr val="FF0000"/>
+                </a:solidFill>
+              </a:rPr>
+              <a:t>Kártik László</a:t>
             </a:r>
           </a:p>
           <a:p>
             <a:r>
               <a:rPr lang="hu-HU" dirty="0"/>
-              <a:t>Az épületek egy városon belül helyezkednek el.</a:t>
-            </a:r>
-          </a:p>
-          <a:p>
+              <a:t>A hálózat és beállításukért, ezen belül a HSRP, OSPF, ACL, PPP </a:t>
+            </a:r>
+            <a:r>
+              <a:rPr lang="hu-HU" dirty="0" err="1"/>
+              <a:t>protkolok</a:t>
+            </a:r>
             <a:r>
               <a:rPr lang="hu-HU" dirty="0"/>
-              <a:t>Összesen 12 kollégával rendelkezünk.</a:t>
-            </a:r>
-          </a:p>
-          <a:p>
-            <a:pPr marL="36900" indent="0">
-              <a:buNone/>
-            </a:pPr>
-            <a:endParaRPr lang="hu-HU" dirty="0"/>
+              <a:t> megfelelő konfigurációjáért felelős: </a:t>
+            </a:r>
+            <a:r>
+              <a:rPr lang="hu-HU" dirty="0">
+                <a:solidFill>
+                  <a:srgbClr val="FF0000"/>
+                </a:solidFill>
+              </a:rPr>
+              <a:t>Lakatos Kristóf</a:t>
+            </a:r>
+          </a:p>
+          <a:p>
+            <a:r>
+              <a:rPr lang="hu-HU" dirty="0"/>
+              <a:t>A szerverek telepítéséért és konfigurációjáért, ezen belül a szerverek DHCP, AD, DNS, </a:t>
+            </a:r>
+            <a:r>
+              <a:rPr lang="hu-HU" dirty="0" err="1"/>
+              <a:t>Apache</a:t>
+            </a:r>
+            <a:r>
+              <a:rPr lang="hu-HU" dirty="0"/>
+              <a:t>, </a:t>
+            </a:r>
+            <a:r>
+              <a:rPr lang="hu-HU" dirty="0" err="1"/>
+              <a:t>MySQL</a:t>
+            </a:r>
+            <a:r>
+              <a:rPr lang="hu-HU" dirty="0"/>
+              <a:t>, PHP szolgáltatások megfelelő működéséért felelős: </a:t>
+            </a:r>
+            <a:r>
+              <a:rPr lang="hu-HU" dirty="0" err="1">
+                <a:solidFill>
+                  <a:srgbClr val="FF0000"/>
+                </a:solidFill>
+              </a:rPr>
+              <a:t>Harmaci</a:t>
+            </a:r>
+            <a:r>
+              <a:rPr lang="hu-HU" dirty="0">
+                <a:solidFill>
+                  <a:srgbClr val="FF0000"/>
+                </a:solidFill>
+              </a:rPr>
+              <a:t> Bence</a:t>
+            </a:r>
           </a:p>
         </p:txBody>
       </p:sp>
     </p:spTree>
     <p:extLst>
       <p:ext uri="{BB962C8B-B14F-4D97-AF65-F5344CB8AC3E}">
-        <p14:creationId xmlns:p14="http://schemas.microsoft.com/office/powerpoint/2010/main" val="174957363"/>
+        <p14:creationId xmlns:p14="http://schemas.microsoft.com/office/powerpoint/2010/main" val="3546985704"/>
       </p:ext>
     </p:extLst>
   </p:cSld>
@@ -15114,7 +16298,7 @@
 </p:sld>
 </file>
 
-<file path=ppt/slides/slide20.xml><?xml version="1.0" encoding="utf-8"?>
+<file path=ppt/slides/slide22.xml><?xml version="1.0" encoding="utf-8"?>
 <p:sld xmlns:a="http://schemas.openxmlformats.org/drawingml/2006/main" xmlns:r="http://schemas.openxmlformats.org/officeDocument/2006/relationships" xmlns:p="http://schemas.openxmlformats.org/presentationml/2006/main">
   <p:cSld>
     <p:bg>
@@ -15687,6 +16871,69 @@
 </p:sld>
 </file>
 
+<file path=ppt/slides/slide23.xml><?xml version="1.0" encoding="utf-8"?>
+<p:sld xmlns:a="http://schemas.openxmlformats.org/drawingml/2006/main" xmlns:r="http://schemas.openxmlformats.org/officeDocument/2006/relationships" xmlns:p="http://schemas.openxmlformats.org/presentationml/2006/main">
+  <p:cSld>
+    <p:spTree>
+      <p:nvGrpSpPr>
+        <p:cNvPr id="1" name=""/>
+        <p:cNvGrpSpPr/>
+        <p:nvPr/>
+      </p:nvGrpSpPr>
+      <p:grpSpPr>
+        <a:xfrm>
+          <a:off x="0" y="0"/>
+          <a:ext cx="0" cy="0"/>
+          <a:chOff x="0" y="0"/>
+          <a:chExt cx="0" cy="0"/>
+        </a:xfrm>
+      </p:grpSpPr>
+      <p:sp>
+        <p:nvSpPr>
+          <p:cNvPr id="4" name="Cím 3">
+            <a:extLst>
+              <a:ext uri="{FF2B5EF4-FFF2-40B4-BE49-F238E27FC236}">
+                <a16:creationId xmlns:a16="http://schemas.microsoft.com/office/drawing/2014/main" id="{0453B680-D444-6109-BCE9-4499A86592FB}"/>
+              </a:ext>
+            </a:extLst>
+          </p:cNvPr>
+          <p:cNvSpPr>
+            <a:spLocks noGrp="1"/>
+          </p:cNvSpPr>
+          <p:nvPr>
+            <p:ph type="title"/>
+          </p:nvPr>
+        </p:nvSpPr>
+        <p:spPr>
+          <a:xfrm>
+            <a:off x="913795" y="4038600"/>
+            <a:ext cx="10353762" cy="970450"/>
+          </a:xfrm>
+        </p:spPr>
+        <p:txBody>
+          <a:bodyPr/>
+          <a:lstStyle/>
+          <a:p>
+            <a:r>
+              <a:rPr lang="hu-HU" dirty="0"/>
+              <a:t>Köszönjük a figyelmet!</a:t>
+            </a:r>
+          </a:p>
+        </p:txBody>
+      </p:sp>
+    </p:spTree>
+    <p:extLst>
+      <p:ext uri="{BB962C8B-B14F-4D97-AF65-F5344CB8AC3E}">
+        <p14:creationId xmlns:p14="http://schemas.microsoft.com/office/powerpoint/2010/main" val="1287016018"/>
+      </p:ext>
+    </p:extLst>
+  </p:cSld>
+  <p:clrMapOvr>
+    <a:masterClrMapping/>
+  </p:clrMapOvr>
+</p:sld>
+</file>
+
 <file path=ppt/slides/slide3.xml><?xml version="1.0" encoding="utf-8"?>
 <p:sld xmlns:a="http://schemas.openxmlformats.org/drawingml/2006/main" xmlns:r="http://schemas.openxmlformats.org/officeDocument/2006/relationships" xmlns:p="http://schemas.openxmlformats.org/presentationml/2006/main">
   <p:cSld>
@@ -16056,6 +17303,25 @@
 <file path=ppt/slides/slide5.xml><?xml version="1.0" encoding="utf-8"?>
 <p:sld xmlns:a="http://schemas.openxmlformats.org/drawingml/2006/main" xmlns:r="http://schemas.openxmlformats.org/officeDocument/2006/relationships" xmlns:p="http://schemas.openxmlformats.org/presentationml/2006/main">
   <p:cSld>
+    <p:bg>
+      <p:bgPr>
+        <a:blipFill rotWithShape="1">
+          <a:blip r:embed="rId3">
+            <a:duotone>
+              <a:schemeClr val="bg2">
+                <a:shade val="80000"/>
+                <a:lumMod val="80000"/>
+              </a:schemeClr>
+              <a:schemeClr val="bg2">
+                <a:tint val="98000"/>
+              </a:schemeClr>
+            </a:duotone>
+          </a:blip>
+          <a:stretch/>
+        </a:blipFill>
+        <a:effectLst/>
+      </p:bgPr>
+    </p:bg>
     <p:spTree>
       <p:nvGrpSpPr>
         <p:cNvPr id="1" name=""/>
@@ -16086,9 +17352,16 @@
             <p:ph type="title"/>
           </p:nvPr>
         </p:nvSpPr>
-        <p:spPr/>
-        <p:txBody>
-          <a:bodyPr/>
+        <p:spPr>
+          <a:xfrm>
+            <a:off x="913795" y="609600"/>
+            <a:ext cx="10353762" cy="970450"/>
+          </a:xfrm>
+        </p:spPr>
+        <p:txBody>
+          <a:bodyPr>
+            <a:normAutofit/>
+          </a:bodyPr>
           <a:lstStyle/>
           <a:p>
             <a:r>
@@ -16116,84 +17389,274 @@
         </p:nvSpPr>
         <p:spPr>
           <a:xfrm>
-            <a:off x="97278" y="1371600"/>
-            <a:ext cx="11974748" cy="5389123"/>
+            <a:off x="252919" y="1439695"/>
+            <a:ext cx="7305472" cy="5152172"/>
           </a:xfrm>
         </p:spPr>
         <p:txBody>
-          <a:bodyPr/>
+          <a:bodyPr anchor="ctr">
+            <a:normAutofit/>
+          </a:bodyPr>
           <a:lstStyle/>
           <a:p>
-            <a:endParaRPr lang="hu-HU" dirty="0"/>
-          </a:p>
-          <a:p>
-            <a:r>
-              <a:rPr lang="hu-HU" dirty="0"/>
-              <a:t>A R1, R2 az ASA-n keresztül hirdeti a </a:t>
-            </a:r>
-            <a:r>
-              <a:rPr lang="hu-HU" dirty="0" err="1"/>
+            <a:pPr>
+              <a:lnSpc>
+                <a:spcPct val="90000"/>
+              </a:lnSpc>
+              <a:buClr>
+                <a:srgbClr val="F8723D"/>
+              </a:buClr>
+            </a:pPr>
+            <a:r>
+              <a:rPr lang="hu-HU" sz="1700" dirty="0"/>
+              <a:t>Az ACL arra szolgál a hálózatunkban, hogy olyan szabályokat hozzon létre, amelyek meghatározzák, hogyan lehet egy csomagot továbbítani vagy blokkolni az útválasztó felületén. </a:t>
+            </a:r>
+            <a:r>
+              <a:rPr lang="hu-HU" sz="1700" i="1" dirty="0"/>
+              <a:t>(Kép: </a:t>
+            </a:r>
+            <a:r>
+              <a:rPr lang="hu-HU" sz="1700" i="1" dirty="0" err="1"/>
+              <a:t>Admin_Router</a:t>
+            </a:r>
+            <a:r>
+              <a:rPr lang="hu-HU" sz="1700" i="1" dirty="0"/>
+              <a:t> </a:t>
+            </a:r>
+            <a:r>
+              <a:rPr lang="hu-HU" sz="1700" i="1" dirty="0" err="1"/>
+              <a:t>config</a:t>
+            </a:r>
+            <a:r>
+              <a:rPr lang="hu-HU" sz="1700" i="1" dirty="0"/>
+              <a:t>)</a:t>
+            </a:r>
+          </a:p>
+          <a:p>
+            <a:pPr>
+              <a:lnSpc>
+                <a:spcPct val="90000"/>
+              </a:lnSpc>
+              <a:buClr>
+                <a:srgbClr val="F8723D"/>
+              </a:buClr>
+            </a:pPr>
+            <a:endParaRPr lang="hu-HU" sz="1700" dirty="0"/>
+          </a:p>
+          <a:p>
+            <a:pPr marL="36900" indent="0">
+              <a:lnSpc>
+                <a:spcPct val="90000"/>
+              </a:lnSpc>
+              <a:buClr>
+                <a:srgbClr val="F8723D"/>
+              </a:buClr>
+              <a:buNone/>
+            </a:pPr>
+            <a:endParaRPr lang="hu-HU" sz="1700" dirty="0"/>
+          </a:p>
+          <a:p>
+            <a:pPr>
+              <a:lnSpc>
+                <a:spcPct val="90000"/>
+              </a:lnSpc>
+              <a:buClr>
+                <a:srgbClr val="F8723D"/>
+              </a:buClr>
+            </a:pPr>
+            <a:r>
+              <a:rPr lang="hu-HU" sz="1700" dirty="0"/>
+              <a:t>A HSRP mellyel megszabjuk, hogy melyik forgalomirányító legyen alapértelmezett, és melyik tartalék. </a:t>
+            </a:r>
+            <a:r>
+              <a:rPr lang="hu-HU" sz="1700" i="1" dirty="0"/>
+              <a:t>(Kép: R1 </a:t>
+            </a:r>
+            <a:r>
+              <a:rPr lang="hu-HU" sz="1700" i="1" dirty="0" err="1"/>
+              <a:t>config</a:t>
+            </a:r>
+            <a:r>
+              <a:rPr lang="hu-HU" sz="1700" i="1" dirty="0"/>
+              <a:t>)</a:t>
+            </a:r>
+          </a:p>
+          <a:p>
+            <a:pPr>
+              <a:lnSpc>
+                <a:spcPct val="90000"/>
+              </a:lnSpc>
+              <a:buClr>
+                <a:srgbClr val="F8723D"/>
+              </a:buClr>
+            </a:pPr>
+            <a:endParaRPr lang="hu-HU" sz="1700" dirty="0"/>
+          </a:p>
+          <a:p>
+            <a:pPr>
+              <a:lnSpc>
+                <a:spcPct val="90000"/>
+              </a:lnSpc>
+              <a:buClr>
+                <a:srgbClr val="F8723D"/>
+              </a:buClr>
+            </a:pPr>
+            <a:endParaRPr lang="hu-HU" sz="1700" dirty="0"/>
+          </a:p>
+          <a:p>
+            <a:pPr marL="36900" indent="0">
+              <a:lnSpc>
+                <a:spcPct val="90000"/>
+              </a:lnSpc>
+              <a:buClr>
+                <a:srgbClr val="F8723D"/>
+              </a:buClr>
+              <a:buNone/>
+            </a:pPr>
+            <a:endParaRPr lang="hu-HU" sz="1700" dirty="0"/>
+          </a:p>
+          <a:p>
+            <a:pPr>
+              <a:lnSpc>
+                <a:spcPct val="90000"/>
+              </a:lnSpc>
+              <a:buClr>
+                <a:srgbClr val="F8723D"/>
+              </a:buClr>
+            </a:pPr>
+            <a:r>
+              <a:rPr lang="hu-HU" sz="1700" dirty="0"/>
+              <a:t>OSPF: A R1, R2 az ASA-n keresztül hirdeti a </a:t>
+            </a:r>
+            <a:r>
+              <a:rPr lang="hu-HU" sz="1700" dirty="0" err="1"/>
               <a:t>hálózatokat</a:t>
             </a:r>
             <a:r>
-              <a:rPr lang="hu-HU" dirty="0"/>
+              <a:rPr lang="hu-HU" sz="1700" dirty="0"/>
               <a:t>, többi </a:t>
             </a:r>
             <a:r>
-              <a:rPr lang="hu-HU" dirty="0" err="1"/>
+              <a:rPr lang="hu-HU" sz="1700" dirty="0" err="1"/>
               <a:t>interfacen</a:t>
             </a:r>
             <a:r>
-              <a:rPr lang="hu-HU" dirty="0"/>
-              <a:t> nem. Ezek a forgalomirányítók DR szerepeket töltenek be, míg az </a:t>
-            </a:r>
-            <a:r>
-              <a:rPr lang="hu-HU" dirty="0" err="1"/>
+              <a:rPr lang="hu-HU" sz="1700" dirty="0"/>
+              <a:t> nem. Az </a:t>
+            </a:r>
+            <a:r>
+              <a:rPr lang="hu-HU" sz="1700" dirty="0" err="1"/>
               <a:t>Admin_Router</a:t>
             </a:r>
             <a:r>
-              <a:rPr lang="hu-HU" dirty="0"/>
-              <a:t> BDR szerepkörrel rendelkezik és hirdeti az alapértelmezett útvonalat.</a:t>
-            </a:r>
-          </a:p>
-          <a:p>
-            <a:r>
-              <a:rPr lang="hu-HU" dirty="0"/>
-              <a:t>Az ACL arra szolgál a hálózatunkban, hogy olyan szabályokat hozzon létre, amelyek meghatározzák, hogyan lehet egy csomagot továbbítani vagy blokkolni az útválasztó felületén.</a:t>
-            </a:r>
-          </a:p>
-          <a:p>
-            <a:r>
-              <a:rPr lang="hu-HU" dirty="0"/>
-              <a:t>HSRP a 2. </a:t>
-            </a:r>
-            <a:r>
-              <a:rPr lang="hu-HU" dirty="0" err="1"/>
-              <a:t>rétegbeli</a:t>
-            </a:r>
-            <a:r>
-              <a:rPr lang="hu-HU" dirty="0"/>
-              <a:t> </a:t>
-            </a:r>
-            <a:r>
-              <a:rPr lang="hu-HU" dirty="0" err="1"/>
-              <a:t>protokol</a:t>
-            </a:r>
-            <a:r>
-              <a:rPr lang="hu-HU" dirty="0"/>
-              <a:t>, </a:t>
-            </a:r>
-            <a:r>
-              <a:rPr lang="hu-HU" dirty="0" err="1"/>
-              <a:t>melyel</a:t>
-            </a:r>
-            <a:r>
-              <a:rPr lang="hu-HU" dirty="0"/>
-              <a:t> megszabjuk, melyik forgalomirányító legyen alapértelmezett, és melyik tartalék.</a:t>
-            </a:r>
-          </a:p>
-        </p:txBody>
-      </p:sp>
+              <a:rPr lang="hu-HU" sz="1700" dirty="0"/>
+              <a:t> hirdeti az alapértelmezett útvonalat a többi hálózaton. </a:t>
+            </a:r>
+            <a:r>
+              <a:rPr lang="hu-HU" sz="1700" i="1" dirty="0"/>
+              <a:t>(Kép: R1 </a:t>
+            </a:r>
+            <a:r>
+              <a:rPr lang="hu-HU" sz="1700" i="1" dirty="0" err="1"/>
+              <a:t>config</a:t>
+            </a:r>
+            <a:r>
+              <a:rPr lang="hu-HU" sz="1700" i="1" dirty="0"/>
+              <a:t>)</a:t>
+            </a:r>
+          </a:p>
+        </p:txBody>
+      </p:sp>
+      <p:pic>
+        <p:nvPicPr>
+          <p:cNvPr id="5" name="Kép 4">
+            <a:extLst>
+              <a:ext uri="{FF2B5EF4-FFF2-40B4-BE49-F238E27FC236}">
+                <a16:creationId xmlns:a16="http://schemas.microsoft.com/office/drawing/2014/main" id="{C7FB0498-A1FB-6478-108D-9EF9F267BC9C}"/>
+              </a:ext>
+            </a:extLst>
+          </p:cNvPr>
+          <p:cNvPicPr>
+            <a:picLocks noChangeAspect="1"/>
+          </p:cNvPicPr>
+          <p:nvPr/>
+        </p:nvPicPr>
+        <p:blipFill>
+          <a:blip r:embed="rId4"/>
+          <a:stretch>
+            <a:fillRect/>
+          </a:stretch>
+        </p:blipFill>
+        <p:spPr>
+          <a:xfrm>
+            <a:off x="7796134" y="4803394"/>
+            <a:ext cx="4065464" cy="1788472"/>
+          </a:xfrm>
+          <a:prstGeom prst="rect">
+            <a:avLst/>
+          </a:prstGeom>
+        </p:spPr>
+      </p:pic>
+      <p:pic>
+        <p:nvPicPr>
+          <p:cNvPr id="7" name="Kép 6">
+            <a:extLst>
+              <a:ext uri="{FF2B5EF4-FFF2-40B4-BE49-F238E27FC236}">
+                <a16:creationId xmlns:a16="http://schemas.microsoft.com/office/drawing/2014/main" id="{6503DC10-D7C1-71C4-0971-47A5F7FE8B72}"/>
+              </a:ext>
+            </a:extLst>
+          </p:cNvPr>
+          <p:cNvPicPr>
+            <a:picLocks noChangeAspect="1"/>
+          </p:cNvPicPr>
+          <p:nvPr/>
+        </p:nvPicPr>
+        <p:blipFill>
+          <a:blip r:embed="rId5"/>
+          <a:stretch>
+            <a:fillRect/>
+          </a:stretch>
+        </p:blipFill>
+        <p:spPr>
+          <a:xfrm>
+            <a:off x="7796134" y="3157838"/>
+            <a:ext cx="4065464" cy="1495634"/>
+          </a:xfrm>
+          <a:prstGeom prst="rect">
+            <a:avLst/>
+          </a:prstGeom>
+        </p:spPr>
+      </p:pic>
+      <p:pic>
+        <p:nvPicPr>
+          <p:cNvPr id="9" name="Kép 8">
+            <a:extLst>
+              <a:ext uri="{FF2B5EF4-FFF2-40B4-BE49-F238E27FC236}">
+                <a16:creationId xmlns:a16="http://schemas.microsoft.com/office/drawing/2014/main" id="{152AEF5A-FCC6-2D24-5F94-FB640B92ACE7}"/>
+              </a:ext>
+            </a:extLst>
+          </p:cNvPr>
+          <p:cNvPicPr>
+            <a:picLocks noChangeAspect="1"/>
+          </p:cNvPicPr>
+          <p:nvPr/>
+        </p:nvPicPr>
+        <p:blipFill>
+          <a:blip r:embed="rId6"/>
+          <a:stretch>
+            <a:fillRect/>
+          </a:stretch>
+        </p:blipFill>
+        <p:spPr>
+          <a:xfrm>
+            <a:off x="7796134" y="1580050"/>
+            <a:ext cx="4065464" cy="1427866"/>
+          </a:xfrm>
+          <a:prstGeom prst="rect">
+            <a:avLst/>
+          </a:prstGeom>
+        </p:spPr>
+      </p:pic>
     </p:spTree>
     <p:extLst>
       <p:ext uri="{BB962C8B-B14F-4D97-AF65-F5344CB8AC3E}">
@@ -16208,6 +17671,190 @@
 </file>
 
 <file path=ppt/slides/slide6.xml><?xml version="1.0" encoding="utf-8"?>
+<p:sld xmlns:a="http://schemas.openxmlformats.org/drawingml/2006/main" xmlns:r="http://schemas.openxmlformats.org/officeDocument/2006/relationships" xmlns:p="http://schemas.openxmlformats.org/presentationml/2006/main">
+  <p:cSld>
+    <p:bg>
+      <p:bgPr>
+        <a:blipFill rotWithShape="1">
+          <a:blip r:embed="rId3">
+            <a:duotone>
+              <a:schemeClr val="bg2">
+                <a:shade val="80000"/>
+                <a:lumMod val="80000"/>
+              </a:schemeClr>
+              <a:schemeClr val="bg2">
+                <a:tint val="98000"/>
+              </a:schemeClr>
+            </a:duotone>
+          </a:blip>
+          <a:stretch/>
+        </a:blipFill>
+        <a:effectLst/>
+      </p:bgPr>
+    </p:bg>
+    <p:spTree>
+      <p:nvGrpSpPr>
+        <p:cNvPr id="1" name=""/>
+        <p:cNvGrpSpPr/>
+        <p:nvPr/>
+      </p:nvGrpSpPr>
+      <p:grpSpPr>
+        <a:xfrm>
+          <a:off x="0" y="0"/>
+          <a:ext cx="0" cy="0"/>
+          <a:chOff x="0" y="0"/>
+          <a:chExt cx="0" cy="0"/>
+        </a:xfrm>
+      </p:grpSpPr>
+      <p:sp>
+        <p:nvSpPr>
+          <p:cNvPr id="2" name="Cím 1">
+            <a:extLst>
+              <a:ext uri="{FF2B5EF4-FFF2-40B4-BE49-F238E27FC236}">
+                <a16:creationId xmlns:a16="http://schemas.microsoft.com/office/drawing/2014/main" id="{04575606-AC3C-BBC6-EE54-77FBBE6C9A0F}"/>
+              </a:ext>
+            </a:extLst>
+          </p:cNvPr>
+          <p:cNvSpPr>
+            <a:spLocks noGrp="1"/>
+          </p:cNvSpPr>
+          <p:nvPr>
+            <p:ph type="title"/>
+          </p:nvPr>
+        </p:nvSpPr>
+        <p:spPr>
+          <a:xfrm>
+            <a:off x="913795" y="609600"/>
+            <a:ext cx="10353762" cy="970450"/>
+          </a:xfrm>
+        </p:spPr>
+        <p:txBody>
+          <a:bodyPr>
+            <a:normAutofit/>
+          </a:bodyPr>
+          <a:lstStyle/>
+          <a:p>
+            <a:r>
+              <a:rPr lang="hu-HU"/>
+              <a:t>Szolgáltató</a:t>
+            </a:r>
+            <a:endParaRPr lang="hu-HU" dirty="0"/>
+          </a:p>
+        </p:txBody>
+      </p:sp>
+      <p:sp>
+        <p:nvSpPr>
+          <p:cNvPr id="16" name="Content Placeholder 8">
+            <a:extLst>
+              <a:ext uri="{FF2B5EF4-FFF2-40B4-BE49-F238E27FC236}">
+                <a16:creationId xmlns:a16="http://schemas.microsoft.com/office/drawing/2014/main" id="{6D8795A0-3410-CC36-ABC0-761C89F9504B}"/>
+              </a:ext>
+            </a:extLst>
+          </p:cNvPr>
+          <p:cNvSpPr>
+            <a:spLocks noGrp="1"/>
+          </p:cNvSpPr>
+          <p:nvPr>
+            <p:ph idx="1"/>
+          </p:nvPr>
+        </p:nvSpPr>
+        <p:spPr>
+          <a:xfrm>
+            <a:off x="913795" y="1732449"/>
+            <a:ext cx="5546272" cy="4058751"/>
+          </a:xfrm>
+        </p:spPr>
+        <p:txBody>
+          <a:bodyPr anchor="ctr">
+            <a:normAutofit/>
+          </a:bodyPr>
+          <a:lstStyle/>
+          <a:p>
+            <a:pPr>
+              <a:buClr>
+                <a:srgbClr val="F8743F"/>
+              </a:buClr>
+            </a:pPr>
+            <a:r>
+              <a:rPr lang="hu-HU" dirty="0"/>
+              <a:t>A szolgáltatónk felé hitelesítő protokollnak, rendhagyó módon nem </a:t>
+            </a:r>
+            <a:r>
+              <a:rPr lang="hu-HU" dirty="0" err="1"/>
+              <a:t>eBGP</a:t>
+            </a:r>
+            <a:r>
+              <a:rPr lang="hu-HU" dirty="0"/>
+              <a:t>-t használtunk, hanem PPP-t. </a:t>
+            </a:r>
+            <a:r>
+              <a:rPr lang="hu-HU" i="1" dirty="0"/>
+              <a:t>(Kép: </a:t>
+            </a:r>
+            <a:r>
+              <a:rPr lang="hu-HU" i="1" dirty="0" err="1"/>
+              <a:t>Admin_Router</a:t>
+            </a:r>
+            <a:r>
+              <a:rPr lang="hu-HU" i="1" dirty="0"/>
+              <a:t> </a:t>
+            </a:r>
+            <a:r>
+              <a:rPr lang="hu-HU" i="1" dirty="0" err="1"/>
+              <a:t>config</a:t>
+            </a:r>
+            <a:r>
+              <a:rPr lang="hu-HU" i="1" dirty="0"/>
+              <a:t>)</a:t>
+            </a:r>
+            <a:endParaRPr lang="en-US" i="1" dirty="0"/>
+          </a:p>
+        </p:txBody>
+      </p:sp>
+      <p:pic>
+        <p:nvPicPr>
+          <p:cNvPr id="5" name="Tartalom helye 4">
+            <a:extLst>
+              <a:ext uri="{FF2B5EF4-FFF2-40B4-BE49-F238E27FC236}">
+                <a16:creationId xmlns:a16="http://schemas.microsoft.com/office/drawing/2014/main" id="{49B07686-76A7-0B2D-67B2-C64642559ACA}"/>
+              </a:ext>
+            </a:extLst>
+          </p:cNvPr>
+          <p:cNvPicPr>
+            <a:picLocks noChangeAspect="1"/>
+          </p:cNvPicPr>
+          <p:nvPr/>
+        </p:nvPicPr>
+        <p:blipFill>
+          <a:blip r:embed="rId4"/>
+          <a:stretch>
+            <a:fillRect/>
+          </a:stretch>
+        </p:blipFill>
+        <p:spPr>
+          <a:xfrm>
+            <a:off x="7066560" y="3052415"/>
+            <a:ext cx="4065464" cy="1418819"/>
+          </a:xfrm>
+          <a:prstGeom prst="rect">
+            <a:avLst/>
+          </a:prstGeom>
+        </p:spPr>
+      </p:pic>
+    </p:spTree>
+    <p:extLst>
+      <p:ext uri="{BB962C8B-B14F-4D97-AF65-F5344CB8AC3E}">
+        <p14:creationId xmlns:p14="http://schemas.microsoft.com/office/powerpoint/2010/main" val="227053502"/>
+      </p:ext>
+    </p:extLst>
+  </p:cSld>
+  <p:clrMapOvr>
+    <a:masterClrMapping/>
+  </p:clrMapOvr>
+</p:sld>
+</file>
+
+<file path=ppt/slides/slide7.xml><?xml version="1.0" encoding="utf-8"?>
 <p:sld xmlns:a="http://schemas.openxmlformats.org/drawingml/2006/main" xmlns:r="http://schemas.openxmlformats.org/officeDocument/2006/relationships" xmlns:p="http://schemas.openxmlformats.org/presentationml/2006/main">
   <p:cSld>
     <p:bg>
@@ -16519,7 +18166,7 @@
 </p:sld>
 </file>
 
-<file path=ppt/slides/slide7.xml><?xml version="1.0" encoding="utf-8"?>
+<file path=ppt/slides/slide8.xml><?xml version="1.0" encoding="utf-8"?>
 <p:sld xmlns:a="http://schemas.openxmlformats.org/drawingml/2006/main" xmlns:r="http://schemas.openxmlformats.org/officeDocument/2006/relationships" xmlns:p="http://schemas.openxmlformats.org/presentationml/2006/main">
   <p:cSld>
     <p:bg>
@@ -16757,13 +18404,13 @@
 </p:sld>
 </file>
 
-<file path=ppt/slides/slide8.xml><?xml version="1.0" encoding="utf-8"?>
+<file path=ppt/slides/slide9.xml><?xml version="1.0" encoding="utf-8"?>
 <p:sld xmlns:a="http://schemas.openxmlformats.org/drawingml/2006/main" xmlns:r="http://schemas.openxmlformats.org/officeDocument/2006/relationships" xmlns:p="http://schemas.openxmlformats.org/presentationml/2006/main">
   <p:cSld>
     <p:bg>
       <p:bgPr>
         <a:blipFill rotWithShape="1">
-          <a:blip r:embed="rId2">
+          <a:blip r:embed="rId3">
             <a:duotone>
               <a:schemeClr val="bg2">
                 <a:shade val="80000"/>
@@ -16811,8 +18458,8 @@
         </p:nvSpPr>
         <p:spPr>
           <a:xfrm>
-            <a:off x="5279472" y="609600"/>
-            <a:ext cx="5844759" cy="970450"/>
+            <a:off x="7026964" y="609600"/>
+            <a:ext cx="4999383" cy="970450"/>
           </a:xfrm>
         </p:spPr>
         <p:txBody>
@@ -16856,7 +18503,7 @@
           </p:nvPr>
         </p:nvPicPr>
         <p:blipFill rotWithShape="1">
-          <a:blip r:embed="rId3">
+          <a:blip r:embed="rId4">
             <a:extLst>
               <a:ext uri="{28A0092B-C50C-407E-A947-70E740481C1C}">
                 <a14:useLocalDpi xmlns:a14="http://schemas.microsoft.com/office/drawing/2010/main" val="0"/>
@@ -16891,14 +18538,14 @@
           <p:nvPr/>
         </p:nvPicPr>
         <p:blipFill rotWithShape="1">
-          <a:blip r:embed="rId4"/>
+          <a:blip r:embed="rId5"/>
           <a:srcRect r="14033" b="-3"/>
           <a:stretch/>
         </p:blipFill>
         <p:spPr>
           <a:xfrm>
             <a:off x="-10651" y="-1"/>
-            <a:ext cx="4966697" cy="6857999"/>
+            <a:ext cx="6490964" cy="6857999"/>
           </a:xfrm>
           <a:prstGeom prst="rect">
             <a:avLst/>
@@ -16923,8 +18570,8 @@
         </p:nvSpPr>
         <p:spPr>
           <a:xfrm>
-            <a:off x="5279472" y="1828801"/>
-            <a:ext cx="5844760" cy="3866048"/>
+            <a:off x="7225748" y="1828801"/>
+            <a:ext cx="4800600" cy="3866048"/>
           </a:xfrm>
         </p:spPr>
         <p:txBody>
@@ -16958,227 +18605,6 @@
     <p:extLst>
       <p:ext uri="{BB962C8B-B14F-4D97-AF65-F5344CB8AC3E}">
         <p14:creationId xmlns:p14="http://schemas.microsoft.com/office/powerpoint/2010/main" val="1973610808"/>
-      </p:ext>
-    </p:extLst>
-  </p:cSld>
-  <p:clrMapOvr>
-    <a:masterClrMapping/>
-  </p:clrMapOvr>
-</p:sld>
-</file>
-
-<file path=ppt/slides/slide9.xml><?xml version="1.0" encoding="utf-8"?>
-<p:sld xmlns:a="http://schemas.openxmlformats.org/drawingml/2006/main" xmlns:r="http://schemas.openxmlformats.org/officeDocument/2006/relationships" xmlns:p="http://schemas.openxmlformats.org/presentationml/2006/main">
-  <p:cSld>
-    <p:spTree>
-      <p:nvGrpSpPr>
-        <p:cNvPr id="1" name=""/>
-        <p:cNvGrpSpPr/>
-        <p:nvPr/>
-      </p:nvGrpSpPr>
-      <p:grpSpPr>
-        <a:xfrm>
-          <a:off x="0" y="0"/>
-          <a:ext cx="0" cy="0"/>
-          <a:chOff x="0" y="0"/>
-          <a:chExt cx="0" cy="0"/>
-        </a:xfrm>
-      </p:grpSpPr>
-      <p:sp>
-        <p:nvSpPr>
-          <p:cNvPr id="2" name="Cím 1">
-            <a:extLst>
-              <a:ext uri="{FF2B5EF4-FFF2-40B4-BE49-F238E27FC236}">
-                <a16:creationId xmlns:a16="http://schemas.microsoft.com/office/drawing/2014/main" id="{4B5BDF1F-778A-1BFE-6D5E-EDA7A7B0A8DB}"/>
-              </a:ext>
-            </a:extLst>
-          </p:cNvPr>
-          <p:cNvSpPr>
-            <a:spLocks noGrp="1"/>
-          </p:cNvSpPr>
-          <p:nvPr>
-            <p:ph type="title"/>
-          </p:nvPr>
-        </p:nvSpPr>
-        <p:spPr/>
-        <p:txBody>
-          <a:bodyPr/>
-          <a:lstStyle/>
-          <a:p>
-            <a:r>
-              <a:rPr lang="hu-HU" dirty="0"/>
-              <a:t>Szerver szolgáltatások</a:t>
-            </a:r>
-          </a:p>
-        </p:txBody>
-      </p:sp>
-      <p:sp>
-        <p:nvSpPr>
-          <p:cNvPr id="11" name="Szöveg helye 10">
-            <a:extLst>
-              <a:ext uri="{FF2B5EF4-FFF2-40B4-BE49-F238E27FC236}">
-                <a16:creationId xmlns:a16="http://schemas.microsoft.com/office/drawing/2014/main" id="{827900F1-1C56-4E25-99D3-FC1B82D93673}"/>
-              </a:ext>
-            </a:extLst>
-          </p:cNvPr>
-          <p:cNvSpPr>
-            <a:spLocks noGrp="1"/>
-          </p:cNvSpPr>
-          <p:nvPr>
-            <p:ph type="body" idx="1"/>
-          </p:nvPr>
-        </p:nvSpPr>
-        <p:spPr/>
-        <p:txBody>
-          <a:bodyPr/>
-          <a:lstStyle/>
-          <a:p>
-            <a:r>
-              <a:rPr lang="hu-HU" dirty="0"/>
-              <a:t>Windows Szerver</a:t>
-            </a:r>
-          </a:p>
-        </p:txBody>
-      </p:sp>
-      <p:sp>
-        <p:nvSpPr>
-          <p:cNvPr id="12" name="Tartalom helye 11">
-            <a:extLst>
-              <a:ext uri="{FF2B5EF4-FFF2-40B4-BE49-F238E27FC236}">
-                <a16:creationId xmlns:a16="http://schemas.microsoft.com/office/drawing/2014/main" id="{BB0E53A1-54FE-C0E9-05B9-C7462C1554DB}"/>
-              </a:ext>
-            </a:extLst>
-          </p:cNvPr>
-          <p:cNvSpPr>
-            <a:spLocks noGrp="1"/>
-          </p:cNvSpPr>
-          <p:nvPr>
-            <p:ph sz="half" idx="2"/>
-          </p:nvPr>
-        </p:nvSpPr>
-        <p:spPr/>
-        <p:txBody>
-          <a:bodyPr/>
-          <a:lstStyle/>
-          <a:p>
-            <a:r>
-              <a:rPr lang="hu-HU" dirty="0"/>
-              <a:t>DHCP (VLAN2, VLAN4)</a:t>
-            </a:r>
-          </a:p>
-          <a:p>
-            <a:r>
-              <a:rPr lang="hu-HU" dirty="0"/>
-              <a:t>DNS (</a:t>
-            </a:r>
-            <a:r>
-              <a:rPr lang="hu-HU" dirty="0">
-                <a:hlinkClick r:id="rId2"/>
-              </a:rPr>
-              <a:t>https://webshop.hu</a:t>
-            </a:r>
-            <a:r>
-              <a:rPr lang="hu-HU" dirty="0"/>
-              <a:t>; 10.204.3.10)</a:t>
-            </a:r>
-          </a:p>
-          <a:p>
-            <a:r>
-              <a:rPr lang="hu-HU" dirty="0"/>
-              <a:t>AD</a:t>
-            </a:r>
-          </a:p>
-          <a:p>
-            <a:r>
-              <a:rPr lang="hu-HU" dirty="0"/>
-              <a:t>Group Policy</a:t>
-            </a:r>
-          </a:p>
-        </p:txBody>
-      </p:sp>
-      <p:sp>
-        <p:nvSpPr>
-          <p:cNvPr id="13" name="Szöveg helye 12">
-            <a:extLst>
-              <a:ext uri="{FF2B5EF4-FFF2-40B4-BE49-F238E27FC236}">
-                <a16:creationId xmlns:a16="http://schemas.microsoft.com/office/drawing/2014/main" id="{8008529C-6A55-7F15-F185-1180BE26C1CF}"/>
-              </a:ext>
-            </a:extLst>
-          </p:cNvPr>
-          <p:cNvSpPr>
-            <a:spLocks noGrp="1"/>
-          </p:cNvSpPr>
-          <p:nvPr>
-            <p:ph type="body" sz="quarter" idx="3"/>
-          </p:nvPr>
-        </p:nvSpPr>
-        <p:spPr/>
-        <p:txBody>
-          <a:bodyPr/>
-          <a:lstStyle/>
-          <a:p>
-            <a:r>
-              <a:rPr lang="hu-HU" dirty="0"/>
-              <a:t>Linux Szerver</a:t>
-            </a:r>
-          </a:p>
-        </p:txBody>
-      </p:sp>
-      <p:sp>
-        <p:nvSpPr>
-          <p:cNvPr id="14" name="Tartalom helye 13">
-            <a:extLst>
-              <a:ext uri="{FF2B5EF4-FFF2-40B4-BE49-F238E27FC236}">
-                <a16:creationId xmlns:a16="http://schemas.microsoft.com/office/drawing/2014/main" id="{28815BFC-2A1A-3E58-D747-068409B814AC}"/>
-              </a:ext>
-            </a:extLst>
-          </p:cNvPr>
-          <p:cNvSpPr>
-            <a:spLocks noGrp="1"/>
-          </p:cNvSpPr>
-          <p:nvPr>
-            <p:ph sz="quarter" idx="4"/>
-          </p:nvPr>
-        </p:nvSpPr>
-        <p:spPr/>
-        <p:txBody>
-          <a:bodyPr/>
-          <a:lstStyle/>
-          <a:p>
-            <a:r>
-              <a:rPr lang="hu-HU" dirty="0" err="1"/>
-              <a:t>Apache</a:t>
-            </a:r>
-            <a:endParaRPr lang="hu-HU" dirty="0"/>
-          </a:p>
-          <a:p>
-            <a:r>
-              <a:rPr lang="hu-HU" dirty="0" err="1"/>
-              <a:t>MySQL</a:t>
-            </a:r>
-            <a:endParaRPr lang="hu-HU" dirty="0"/>
-          </a:p>
-          <a:p>
-            <a:r>
-              <a:rPr lang="hu-HU" dirty="0"/>
-              <a:t>PHP</a:t>
-            </a:r>
-          </a:p>
-          <a:p>
-            <a:r>
-              <a:rPr lang="hu-HU" dirty="0"/>
-              <a:t>VSFTP / NFS / Samba</a:t>
-            </a:r>
-          </a:p>
-          <a:p>
-            <a:endParaRPr lang="hu-HU" dirty="0"/>
-          </a:p>
-        </p:txBody>
-      </p:sp>
-    </p:spTree>
-    <p:extLst>
-      <p:ext uri="{BB962C8B-B14F-4D97-AF65-F5344CB8AC3E}">
-        <p14:creationId xmlns:p14="http://schemas.microsoft.com/office/powerpoint/2010/main" val="4116652764"/>
       </p:ext>
     </p:extLst>
   </p:cSld>
